--- a/posts/2023/2023-03-06-storytelling/report-example-en.pptx
+++ b/posts/2023/2023-03-06-storytelling/report-example-en.pptx
@@ -14,8 +14,8 @@
     <p:sldId id="262" r:id="rId9"/>
     <p:sldId id="263" r:id="rId10"/>
   </p:sldIdLst>
-  <p:sldSz cx="9144000" cy="5145087"/>
-  <p:notesSz cx="7559675" cy="10691812"/>
+  <p:sldSz cx="9144000" cy="5145088"/>
+  <p:notesSz cx="7559675" cy="10691813"/>
 </p:presentation>
 </file>
 
@@ -76,13 +76,20 @@
           <a:prstGeom prst="rect">
             <a:avLst/>
           </a:prstGeom>
+          <a:noFill/>
+          <a:ln w="0">
+            <a:noFill/>
+          </a:ln>
         </p:spPr>
         <p:txBody>
           <a:bodyPr lIns="0" rIns="0" tIns="0" bIns="0" anchor="ctr">
             <a:noAutofit/>
           </a:bodyPr>
           <a:p>
-            <a:endParaRPr b="0" lang="pt-BR" sz="1800" spc="-1" strike="noStrike">
+            <a:pPr indent="0" algn="ctr">
+              <a:buNone/>
+            </a:pPr>
+            <a:endParaRPr b="0" lang="pt-BR" sz="4400" spc="-1" strike="noStrike">
               <a:solidFill>
                 <a:srgbClr val="000000"/>
               </a:solidFill>
@@ -98,7 +105,7 @@
             <a:spLocks noGrp="1"/>
           </p:cNvSpPr>
           <p:nvPr>
-            <p:ph type="body"/>
+            <p:ph/>
           </p:nvPr>
         </p:nvSpPr>
         <p:spPr>
@@ -109,13 +116,23 @@
           <a:prstGeom prst="rect">
             <a:avLst/>
           </a:prstGeom>
-        </p:spPr>
-        <p:txBody>
-          <a:bodyPr lIns="0" rIns="0" tIns="0" bIns="0">
+          <a:noFill/>
+          <a:ln w="0">
+            <a:noFill/>
+          </a:ln>
+        </p:spPr>
+        <p:txBody>
+          <a:bodyPr lIns="0" rIns="0" tIns="0" bIns="0" anchor="t">
             <a:normAutofit/>
           </a:bodyPr>
           <a:p>
-            <a:endParaRPr b="0" lang="pt-BR" sz="2800" spc="-1" strike="noStrike">
+            <a:pPr indent="0">
+              <a:spcBef>
+                <a:spcPts val="1417"/>
+              </a:spcBef>
+              <a:buNone/>
+            </a:pPr>
+            <a:endParaRPr b="0" lang="pt-BR" sz="3200" spc="-1" strike="noStrike">
               <a:solidFill>
                 <a:srgbClr val="000000"/>
               </a:solidFill>
@@ -131,7 +148,7 @@
             <a:spLocks noGrp="1"/>
           </p:cNvSpPr>
           <p:nvPr>
-            <p:ph type="body"/>
+            <p:ph/>
           </p:nvPr>
         </p:nvSpPr>
         <p:spPr>
@@ -142,13 +159,23 @@
           <a:prstGeom prst="rect">
             <a:avLst/>
           </a:prstGeom>
-        </p:spPr>
-        <p:txBody>
-          <a:bodyPr lIns="0" rIns="0" tIns="0" bIns="0">
+          <a:noFill/>
+          <a:ln w="0">
+            <a:noFill/>
+          </a:ln>
+        </p:spPr>
+        <p:txBody>
+          <a:bodyPr lIns="0" rIns="0" tIns="0" bIns="0" anchor="t">
             <a:normAutofit/>
           </a:bodyPr>
           <a:p>
-            <a:endParaRPr b="0" lang="pt-BR" sz="2800" spc="-1" strike="noStrike">
+            <a:pPr indent="0">
+              <a:spcBef>
+                <a:spcPts val="1417"/>
+              </a:spcBef>
+              <a:buNone/>
+            </a:pPr>
+            <a:endParaRPr b="0" lang="pt-BR" sz="3200" spc="-1" strike="noStrike">
               <a:solidFill>
                 <a:srgbClr val="000000"/>
               </a:solidFill>
@@ -197,13 +224,20 @@
           <a:prstGeom prst="rect">
             <a:avLst/>
           </a:prstGeom>
+          <a:noFill/>
+          <a:ln w="0">
+            <a:noFill/>
+          </a:ln>
         </p:spPr>
         <p:txBody>
           <a:bodyPr lIns="0" rIns="0" tIns="0" bIns="0" anchor="ctr">
             <a:noAutofit/>
           </a:bodyPr>
           <a:p>
-            <a:endParaRPr b="0" lang="pt-BR" sz="1800" spc="-1" strike="noStrike">
+            <a:pPr indent="0" algn="ctr">
+              <a:buNone/>
+            </a:pPr>
+            <a:endParaRPr b="0" lang="pt-BR" sz="4400" spc="-1" strike="noStrike">
               <a:solidFill>
                 <a:srgbClr val="000000"/>
               </a:solidFill>
@@ -219,7 +253,7 @@
             <a:spLocks noGrp="1"/>
           </p:cNvSpPr>
           <p:nvPr>
-            <p:ph type="body"/>
+            <p:ph/>
           </p:nvPr>
         </p:nvSpPr>
         <p:spPr>
@@ -230,13 +264,23 @@
           <a:prstGeom prst="rect">
             <a:avLst/>
           </a:prstGeom>
-        </p:spPr>
-        <p:txBody>
-          <a:bodyPr lIns="0" rIns="0" tIns="0" bIns="0">
+          <a:noFill/>
+          <a:ln w="0">
+            <a:noFill/>
+          </a:ln>
+        </p:spPr>
+        <p:txBody>
+          <a:bodyPr lIns="0" rIns="0" tIns="0" bIns="0" anchor="t">
             <a:normAutofit/>
           </a:bodyPr>
           <a:p>
-            <a:endParaRPr b="0" lang="pt-BR" sz="2800" spc="-1" strike="noStrike">
+            <a:pPr indent="0">
+              <a:spcBef>
+                <a:spcPts val="1417"/>
+              </a:spcBef>
+              <a:buNone/>
+            </a:pPr>
+            <a:endParaRPr b="0" lang="pt-BR" sz="3200" spc="-1" strike="noStrike">
               <a:solidFill>
                 <a:srgbClr val="000000"/>
               </a:solidFill>
@@ -252,7 +296,7 @@
             <a:spLocks noGrp="1"/>
           </p:cNvSpPr>
           <p:nvPr>
-            <p:ph type="body"/>
+            <p:ph/>
           </p:nvPr>
         </p:nvSpPr>
         <p:spPr>
@@ -263,13 +307,23 @@
           <a:prstGeom prst="rect">
             <a:avLst/>
           </a:prstGeom>
-        </p:spPr>
-        <p:txBody>
-          <a:bodyPr lIns="0" rIns="0" tIns="0" bIns="0">
+          <a:noFill/>
+          <a:ln w="0">
+            <a:noFill/>
+          </a:ln>
+        </p:spPr>
+        <p:txBody>
+          <a:bodyPr lIns="0" rIns="0" tIns="0" bIns="0" anchor="t">
             <a:normAutofit/>
           </a:bodyPr>
           <a:p>
-            <a:endParaRPr b="0" lang="pt-BR" sz="2800" spc="-1" strike="noStrike">
+            <a:pPr indent="0">
+              <a:spcBef>
+                <a:spcPts val="1417"/>
+              </a:spcBef>
+              <a:buNone/>
+            </a:pPr>
+            <a:endParaRPr b="0" lang="pt-BR" sz="3200" spc="-1" strike="noStrike">
               <a:solidFill>
                 <a:srgbClr val="000000"/>
               </a:solidFill>
@@ -285,7 +339,7 @@
             <a:spLocks noGrp="1"/>
           </p:cNvSpPr>
           <p:nvPr>
-            <p:ph type="body"/>
+            <p:ph/>
           </p:nvPr>
         </p:nvSpPr>
         <p:spPr>
@@ -296,13 +350,23 @@
           <a:prstGeom prst="rect">
             <a:avLst/>
           </a:prstGeom>
-        </p:spPr>
-        <p:txBody>
-          <a:bodyPr lIns="0" rIns="0" tIns="0" bIns="0">
+          <a:noFill/>
+          <a:ln w="0">
+            <a:noFill/>
+          </a:ln>
+        </p:spPr>
+        <p:txBody>
+          <a:bodyPr lIns="0" rIns="0" tIns="0" bIns="0" anchor="t">
             <a:normAutofit/>
           </a:bodyPr>
           <a:p>
-            <a:endParaRPr b="0" lang="pt-BR" sz="2800" spc="-1" strike="noStrike">
+            <a:pPr indent="0">
+              <a:spcBef>
+                <a:spcPts val="1417"/>
+              </a:spcBef>
+              <a:buNone/>
+            </a:pPr>
+            <a:endParaRPr b="0" lang="pt-BR" sz="3200" spc="-1" strike="noStrike">
               <a:solidFill>
                 <a:srgbClr val="000000"/>
               </a:solidFill>
@@ -318,7 +382,7 @@
             <a:spLocks noGrp="1"/>
           </p:cNvSpPr>
           <p:nvPr>
-            <p:ph type="body"/>
+            <p:ph/>
           </p:nvPr>
         </p:nvSpPr>
         <p:spPr>
@@ -329,13 +393,23 @@
           <a:prstGeom prst="rect">
             <a:avLst/>
           </a:prstGeom>
-        </p:spPr>
-        <p:txBody>
-          <a:bodyPr lIns="0" rIns="0" tIns="0" bIns="0">
+          <a:noFill/>
+          <a:ln w="0">
+            <a:noFill/>
+          </a:ln>
+        </p:spPr>
+        <p:txBody>
+          <a:bodyPr lIns="0" rIns="0" tIns="0" bIns="0" anchor="t">
             <a:normAutofit/>
           </a:bodyPr>
           <a:p>
-            <a:endParaRPr b="0" lang="pt-BR" sz="2800" spc="-1" strike="noStrike">
+            <a:pPr indent="0">
+              <a:spcBef>
+                <a:spcPts val="1417"/>
+              </a:spcBef>
+              <a:buNone/>
+            </a:pPr>
+            <a:endParaRPr b="0" lang="pt-BR" sz="3200" spc="-1" strike="noStrike">
               <a:solidFill>
                 <a:srgbClr val="000000"/>
               </a:solidFill>
@@ -384,13 +458,20 @@
           <a:prstGeom prst="rect">
             <a:avLst/>
           </a:prstGeom>
+          <a:noFill/>
+          <a:ln w="0">
+            <a:noFill/>
+          </a:ln>
         </p:spPr>
         <p:txBody>
           <a:bodyPr lIns="0" rIns="0" tIns="0" bIns="0" anchor="ctr">
             <a:noAutofit/>
           </a:bodyPr>
           <a:p>
-            <a:endParaRPr b="0" lang="pt-BR" sz="1800" spc="-1" strike="noStrike">
+            <a:pPr indent="0" algn="ctr">
+              <a:buNone/>
+            </a:pPr>
+            <a:endParaRPr b="0" lang="pt-BR" sz="4400" spc="-1" strike="noStrike">
               <a:solidFill>
                 <a:srgbClr val="000000"/>
               </a:solidFill>
@@ -406,7 +487,7 @@
             <a:spLocks noGrp="1"/>
           </p:cNvSpPr>
           <p:nvPr>
-            <p:ph type="body"/>
+            <p:ph/>
           </p:nvPr>
         </p:nvSpPr>
         <p:spPr>
@@ -417,13 +498,23 @@
           <a:prstGeom prst="rect">
             <a:avLst/>
           </a:prstGeom>
-        </p:spPr>
-        <p:txBody>
-          <a:bodyPr lIns="0" rIns="0" tIns="0" bIns="0">
+          <a:noFill/>
+          <a:ln w="0">
+            <a:noFill/>
+          </a:ln>
+        </p:spPr>
+        <p:txBody>
+          <a:bodyPr lIns="0" rIns="0" tIns="0" bIns="0" anchor="t">
             <a:normAutofit/>
           </a:bodyPr>
           <a:p>
-            <a:endParaRPr b="0" lang="pt-BR" sz="2800" spc="-1" strike="noStrike">
+            <a:pPr indent="0">
+              <a:spcBef>
+                <a:spcPts val="1417"/>
+              </a:spcBef>
+              <a:buNone/>
+            </a:pPr>
+            <a:endParaRPr b="0" lang="pt-BR" sz="3200" spc="-1" strike="noStrike">
               <a:solidFill>
                 <a:srgbClr val="000000"/>
               </a:solidFill>
@@ -439,7 +530,7 @@
             <a:spLocks noGrp="1"/>
           </p:cNvSpPr>
           <p:nvPr>
-            <p:ph type="body"/>
+            <p:ph/>
           </p:nvPr>
         </p:nvSpPr>
         <p:spPr>
@@ -450,13 +541,23 @@
           <a:prstGeom prst="rect">
             <a:avLst/>
           </a:prstGeom>
-        </p:spPr>
-        <p:txBody>
-          <a:bodyPr lIns="0" rIns="0" tIns="0" bIns="0">
+          <a:noFill/>
+          <a:ln w="0">
+            <a:noFill/>
+          </a:ln>
+        </p:spPr>
+        <p:txBody>
+          <a:bodyPr lIns="0" rIns="0" tIns="0" bIns="0" anchor="t">
             <a:normAutofit/>
           </a:bodyPr>
           <a:p>
-            <a:endParaRPr b="0" lang="pt-BR" sz="2800" spc="-1" strike="noStrike">
+            <a:pPr indent="0">
+              <a:spcBef>
+                <a:spcPts val="1417"/>
+              </a:spcBef>
+              <a:buNone/>
+            </a:pPr>
+            <a:endParaRPr b="0" lang="pt-BR" sz="3200" spc="-1" strike="noStrike">
               <a:solidFill>
                 <a:srgbClr val="000000"/>
               </a:solidFill>
@@ -472,7 +573,7 @@
             <a:spLocks noGrp="1"/>
           </p:cNvSpPr>
           <p:nvPr>
-            <p:ph type="body"/>
+            <p:ph/>
           </p:nvPr>
         </p:nvSpPr>
         <p:spPr>
@@ -483,13 +584,23 @@
           <a:prstGeom prst="rect">
             <a:avLst/>
           </a:prstGeom>
-        </p:spPr>
-        <p:txBody>
-          <a:bodyPr lIns="0" rIns="0" tIns="0" bIns="0">
+          <a:noFill/>
+          <a:ln w="0">
+            <a:noFill/>
+          </a:ln>
+        </p:spPr>
+        <p:txBody>
+          <a:bodyPr lIns="0" rIns="0" tIns="0" bIns="0" anchor="t">
             <a:normAutofit/>
           </a:bodyPr>
           <a:p>
-            <a:endParaRPr b="0" lang="pt-BR" sz="2800" spc="-1" strike="noStrike">
+            <a:pPr indent="0">
+              <a:spcBef>
+                <a:spcPts val="1417"/>
+              </a:spcBef>
+              <a:buNone/>
+            </a:pPr>
+            <a:endParaRPr b="0" lang="pt-BR" sz="3200" spc="-1" strike="noStrike">
               <a:solidFill>
                 <a:srgbClr val="000000"/>
               </a:solidFill>
@@ -505,7 +616,7 @@
             <a:spLocks noGrp="1"/>
           </p:cNvSpPr>
           <p:nvPr>
-            <p:ph type="body"/>
+            <p:ph/>
           </p:nvPr>
         </p:nvSpPr>
         <p:spPr>
@@ -516,13 +627,23 @@
           <a:prstGeom prst="rect">
             <a:avLst/>
           </a:prstGeom>
-        </p:spPr>
-        <p:txBody>
-          <a:bodyPr lIns="0" rIns="0" tIns="0" bIns="0">
+          <a:noFill/>
+          <a:ln w="0">
+            <a:noFill/>
+          </a:ln>
+        </p:spPr>
+        <p:txBody>
+          <a:bodyPr lIns="0" rIns="0" tIns="0" bIns="0" anchor="t">
             <a:normAutofit/>
           </a:bodyPr>
           <a:p>
-            <a:endParaRPr b="0" lang="pt-BR" sz="2800" spc="-1" strike="noStrike">
+            <a:pPr indent="0">
+              <a:spcBef>
+                <a:spcPts val="1417"/>
+              </a:spcBef>
+              <a:buNone/>
+            </a:pPr>
+            <a:endParaRPr b="0" lang="pt-BR" sz="3200" spc="-1" strike="noStrike">
               <a:solidFill>
                 <a:srgbClr val="000000"/>
               </a:solidFill>
@@ -538,7 +659,7 @@
             <a:spLocks noGrp="1"/>
           </p:cNvSpPr>
           <p:nvPr>
-            <p:ph type="body"/>
+            <p:ph/>
           </p:nvPr>
         </p:nvSpPr>
         <p:spPr>
@@ -549,13 +670,23 @@
           <a:prstGeom prst="rect">
             <a:avLst/>
           </a:prstGeom>
-        </p:spPr>
-        <p:txBody>
-          <a:bodyPr lIns="0" rIns="0" tIns="0" bIns="0">
+          <a:noFill/>
+          <a:ln w="0">
+            <a:noFill/>
+          </a:ln>
+        </p:spPr>
+        <p:txBody>
+          <a:bodyPr lIns="0" rIns="0" tIns="0" bIns="0" anchor="t">
             <a:normAutofit/>
           </a:bodyPr>
           <a:p>
-            <a:endParaRPr b="0" lang="pt-BR" sz="2800" spc="-1" strike="noStrike">
+            <a:pPr indent="0">
+              <a:spcBef>
+                <a:spcPts val="1417"/>
+              </a:spcBef>
+              <a:buNone/>
+            </a:pPr>
+            <a:endParaRPr b="0" lang="pt-BR" sz="3200" spc="-1" strike="noStrike">
               <a:solidFill>
                 <a:srgbClr val="000000"/>
               </a:solidFill>
@@ -571,7 +702,7 @@
             <a:spLocks noGrp="1"/>
           </p:cNvSpPr>
           <p:nvPr>
-            <p:ph type="body"/>
+            <p:ph/>
           </p:nvPr>
         </p:nvSpPr>
         <p:spPr>
@@ -582,13 +713,23 @@
           <a:prstGeom prst="rect">
             <a:avLst/>
           </a:prstGeom>
-        </p:spPr>
-        <p:txBody>
-          <a:bodyPr lIns="0" rIns="0" tIns="0" bIns="0">
+          <a:noFill/>
+          <a:ln w="0">
+            <a:noFill/>
+          </a:ln>
+        </p:spPr>
+        <p:txBody>
+          <a:bodyPr lIns="0" rIns="0" tIns="0" bIns="0" anchor="t">
             <a:normAutofit/>
           </a:bodyPr>
           <a:p>
-            <a:endParaRPr b="0" lang="pt-BR" sz="2800" spc="-1" strike="noStrike">
+            <a:pPr indent="0">
+              <a:spcBef>
+                <a:spcPts val="1417"/>
+              </a:spcBef>
+              <a:buNone/>
+            </a:pPr>
+            <a:endParaRPr b="0" lang="pt-BR" sz="3200" spc="-1" strike="noStrike">
               <a:solidFill>
                 <a:srgbClr val="000000"/>
               </a:solidFill>
@@ -637,13 +778,20 @@
           <a:prstGeom prst="rect">
             <a:avLst/>
           </a:prstGeom>
+          <a:noFill/>
+          <a:ln w="0">
+            <a:noFill/>
+          </a:ln>
         </p:spPr>
         <p:txBody>
           <a:bodyPr lIns="0" rIns="0" tIns="0" bIns="0" anchor="ctr">
             <a:noAutofit/>
           </a:bodyPr>
           <a:p>
-            <a:endParaRPr b="0" lang="pt-BR" sz="1800" spc="-1" strike="noStrike">
+            <a:pPr indent="0" algn="ctr">
+              <a:buNone/>
+            </a:pPr>
+            <a:endParaRPr b="0" lang="pt-BR" sz="4400" spc="-1" strike="noStrike">
               <a:solidFill>
                 <a:srgbClr val="000000"/>
               </a:solidFill>
@@ -670,14 +818,23 @@
           <a:prstGeom prst="rect">
             <a:avLst/>
           </a:prstGeom>
+          <a:noFill/>
+          <a:ln w="0">
+            <a:noFill/>
+          </a:ln>
         </p:spPr>
         <p:txBody>
           <a:bodyPr lIns="0" rIns="0" tIns="0" bIns="0" anchor="ctr">
             <a:noAutofit/>
           </a:bodyPr>
           <a:p>
-            <a:pPr algn="ctr"/>
+            <a:pPr indent="0" algn="ctr">
+              <a:buNone/>
+            </a:pPr>
             <a:endParaRPr b="0" lang="pt-BR" sz="3200" spc="-1" strike="noStrike">
+              <a:solidFill>
+                <a:srgbClr val="000000"/>
+              </a:solidFill>
               <a:latin typeface="Arial"/>
             </a:endParaRPr>
           </a:p>
@@ -723,13 +880,20 @@
           <a:prstGeom prst="rect">
             <a:avLst/>
           </a:prstGeom>
+          <a:noFill/>
+          <a:ln w="0">
+            <a:noFill/>
+          </a:ln>
         </p:spPr>
         <p:txBody>
           <a:bodyPr lIns="0" rIns="0" tIns="0" bIns="0" anchor="ctr">
             <a:noAutofit/>
           </a:bodyPr>
           <a:p>
-            <a:endParaRPr b="0" lang="pt-BR" sz="1800" spc="-1" strike="noStrike">
+            <a:pPr indent="0" algn="ctr">
+              <a:buNone/>
+            </a:pPr>
+            <a:endParaRPr b="0" lang="pt-BR" sz="4400" spc="-1" strike="noStrike">
               <a:solidFill>
                 <a:srgbClr val="000000"/>
               </a:solidFill>
@@ -745,7 +909,7 @@
             <a:spLocks noGrp="1"/>
           </p:cNvSpPr>
           <p:nvPr>
-            <p:ph type="body"/>
+            <p:ph/>
           </p:nvPr>
         </p:nvSpPr>
         <p:spPr>
@@ -756,13 +920,23 @@
           <a:prstGeom prst="rect">
             <a:avLst/>
           </a:prstGeom>
-        </p:spPr>
-        <p:txBody>
-          <a:bodyPr lIns="0" rIns="0" tIns="0" bIns="0">
+          <a:noFill/>
+          <a:ln w="0">
+            <a:noFill/>
+          </a:ln>
+        </p:spPr>
+        <p:txBody>
+          <a:bodyPr lIns="0" rIns="0" tIns="0" bIns="0" anchor="t">
             <a:normAutofit/>
           </a:bodyPr>
           <a:p>
-            <a:endParaRPr b="0" lang="pt-BR" sz="2800" spc="-1" strike="noStrike">
+            <a:pPr indent="0">
+              <a:spcBef>
+                <a:spcPts val="1417"/>
+              </a:spcBef>
+              <a:buNone/>
+            </a:pPr>
+            <a:endParaRPr b="0" lang="pt-BR" sz="3200" spc="-1" strike="noStrike">
               <a:solidFill>
                 <a:srgbClr val="000000"/>
               </a:solidFill>
@@ -811,13 +985,20 @@
           <a:prstGeom prst="rect">
             <a:avLst/>
           </a:prstGeom>
+          <a:noFill/>
+          <a:ln w="0">
+            <a:noFill/>
+          </a:ln>
         </p:spPr>
         <p:txBody>
           <a:bodyPr lIns="0" rIns="0" tIns="0" bIns="0" anchor="ctr">
             <a:noAutofit/>
           </a:bodyPr>
           <a:p>
-            <a:endParaRPr b="0" lang="pt-BR" sz="1800" spc="-1" strike="noStrike">
+            <a:pPr indent="0" algn="ctr">
+              <a:buNone/>
+            </a:pPr>
+            <a:endParaRPr b="0" lang="pt-BR" sz="4400" spc="-1" strike="noStrike">
               <a:solidFill>
                 <a:srgbClr val="000000"/>
               </a:solidFill>
@@ -833,7 +1014,7 @@
             <a:spLocks noGrp="1"/>
           </p:cNvSpPr>
           <p:nvPr>
-            <p:ph type="body"/>
+            <p:ph/>
           </p:nvPr>
         </p:nvSpPr>
         <p:spPr>
@@ -844,13 +1025,23 @@
           <a:prstGeom prst="rect">
             <a:avLst/>
           </a:prstGeom>
-        </p:spPr>
-        <p:txBody>
-          <a:bodyPr lIns="0" rIns="0" tIns="0" bIns="0">
+          <a:noFill/>
+          <a:ln w="0">
+            <a:noFill/>
+          </a:ln>
+        </p:spPr>
+        <p:txBody>
+          <a:bodyPr lIns="0" rIns="0" tIns="0" bIns="0" anchor="t">
             <a:normAutofit/>
           </a:bodyPr>
           <a:p>
-            <a:endParaRPr b="0" lang="pt-BR" sz="2800" spc="-1" strike="noStrike">
+            <a:pPr indent="0">
+              <a:spcBef>
+                <a:spcPts val="1417"/>
+              </a:spcBef>
+              <a:buNone/>
+            </a:pPr>
+            <a:endParaRPr b="0" lang="pt-BR" sz="3200" spc="-1" strike="noStrike">
               <a:solidFill>
                 <a:srgbClr val="000000"/>
               </a:solidFill>
@@ -866,7 +1057,7 @@
             <a:spLocks noGrp="1"/>
           </p:cNvSpPr>
           <p:nvPr>
-            <p:ph type="body"/>
+            <p:ph/>
           </p:nvPr>
         </p:nvSpPr>
         <p:spPr>
@@ -877,13 +1068,23 @@
           <a:prstGeom prst="rect">
             <a:avLst/>
           </a:prstGeom>
-        </p:spPr>
-        <p:txBody>
-          <a:bodyPr lIns="0" rIns="0" tIns="0" bIns="0">
+          <a:noFill/>
+          <a:ln w="0">
+            <a:noFill/>
+          </a:ln>
+        </p:spPr>
+        <p:txBody>
+          <a:bodyPr lIns="0" rIns="0" tIns="0" bIns="0" anchor="t">
             <a:normAutofit/>
           </a:bodyPr>
           <a:p>
-            <a:endParaRPr b="0" lang="pt-BR" sz="2800" spc="-1" strike="noStrike">
+            <a:pPr indent="0">
+              <a:spcBef>
+                <a:spcPts val="1417"/>
+              </a:spcBef>
+              <a:buNone/>
+            </a:pPr>
+            <a:endParaRPr b="0" lang="pt-BR" sz="3200" spc="-1" strike="noStrike">
               <a:solidFill>
                 <a:srgbClr val="000000"/>
               </a:solidFill>
@@ -932,13 +1133,20 @@
           <a:prstGeom prst="rect">
             <a:avLst/>
           </a:prstGeom>
+          <a:noFill/>
+          <a:ln w="0">
+            <a:noFill/>
+          </a:ln>
         </p:spPr>
         <p:txBody>
           <a:bodyPr lIns="0" rIns="0" tIns="0" bIns="0" anchor="ctr">
             <a:noAutofit/>
           </a:bodyPr>
           <a:p>
-            <a:endParaRPr b="0" lang="pt-BR" sz="1800" spc="-1" strike="noStrike">
+            <a:pPr indent="0" algn="ctr">
+              <a:buNone/>
+            </a:pPr>
+            <a:endParaRPr b="0" lang="pt-BR" sz="4400" spc="-1" strike="noStrike">
               <a:solidFill>
                 <a:srgbClr val="000000"/>
               </a:solidFill>
@@ -987,6 +1195,10 @@
           <a:prstGeom prst="rect">
             <a:avLst/>
           </a:prstGeom>
+          <a:noFill/>
+          <a:ln w="0">
+            <a:noFill/>
+          </a:ln>
         </p:spPr>
         <p:txBody>
           <a:bodyPr lIns="0" rIns="0" tIns="0" bIns="0" anchor="ctr">
@@ -995,6 +1207,9 @@
           <a:p>
             <a:pPr algn="ctr"/>
             <a:endParaRPr b="0" lang="pt-BR" sz="3200" spc="-1" strike="noStrike">
+              <a:solidFill>
+                <a:srgbClr val="000000"/>
+              </a:solidFill>
               <a:latin typeface="Arial"/>
             </a:endParaRPr>
           </a:p>
@@ -1040,13 +1255,20 @@
           <a:prstGeom prst="rect">
             <a:avLst/>
           </a:prstGeom>
+          <a:noFill/>
+          <a:ln w="0">
+            <a:noFill/>
+          </a:ln>
         </p:spPr>
         <p:txBody>
           <a:bodyPr lIns="0" rIns="0" tIns="0" bIns="0" anchor="ctr">
             <a:noAutofit/>
           </a:bodyPr>
           <a:p>
-            <a:endParaRPr b="0" lang="pt-BR" sz="1800" spc="-1" strike="noStrike">
+            <a:pPr indent="0" algn="ctr">
+              <a:buNone/>
+            </a:pPr>
+            <a:endParaRPr b="0" lang="pt-BR" sz="4400" spc="-1" strike="noStrike">
               <a:solidFill>
                 <a:srgbClr val="000000"/>
               </a:solidFill>
@@ -1062,7 +1284,7 @@
             <a:spLocks noGrp="1"/>
           </p:cNvSpPr>
           <p:nvPr>
-            <p:ph type="body"/>
+            <p:ph/>
           </p:nvPr>
         </p:nvSpPr>
         <p:spPr>
@@ -1073,13 +1295,23 @@
           <a:prstGeom prst="rect">
             <a:avLst/>
           </a:prstGeom>
-        </p:spPr>
-        <p:txBody>
-          <a:bodyPr lIns="0" rIns="0" tIns="0" bIns="0">
+          <a:noFill/>
+          <a:ln w="0">
+            <a:noFill/>
+          </a:ln>
+        </p:spPr>
+        <p:txBody>
+          <a:bodyPr lIns="0" rIns="0" tIns="0" bIns="0" anchor="t">
             <a:normAutofit/>
           </a:bodyPr>
           <a:p>
-            <a:endParaRPr b="0" lang="pt-BR" sz="2800" spc="-1" strike="noStrike">
+            <a:pPr indent="0">
+              <a:spcBef>
+                <a:spcPts val="1417"/>
+              </a:spcBef>
+              <a:buNone/>
+            </a:pPr>
+            <a:endParaRPr b="0" lang="pt-BR" sz="3200" spc="-1" strike="noStrike">
               <a:solidFill>
                 <a:srgbClr val="000000"/>
               </a:solidFill>
@@ -1095,7 +1327,7 @@
             <a:spLocks noGrp="1"/>
           </p:cNvSpPr>
           <p:nvPr>
-            <p:ph type="body"/>
+            <p:ph/>
           </p:nvPr>
         </p:nvSpPr>
         <p:spPr>
@@ -1106,13 +1338,23 @@
           <a:prstGeom prst="rect">
             <a:avLst/>
           </a:prstGeom>
-        </p:spPr>
-        <p:txBody>
-          <a:bodyPr lIns="0" rIns="0" tIns="0" bIns="0">
+          <a:noFill/>
+          <a:ln w="0">
+            <a:noFill/>
+          </a:ln>
+        </p:spPr>
+        <p:txBody>
+          <a:bodyPr lIns="0" rIns="0" tIns="0" bIns="0" anchor="t">
             <a:normAutofit/>
           </a:bodyPr>
           <a:p>
-            <a:endParaRPr b="0" lang="pt-BR" sz="2800" spc="-1" strike="noStrike">
+            <a:pPr indent="0">
+              <a:spcBef>
+                <a:spcPts val="1417"/>
+              </a:spcBef>
+              <a:buNone/>
+            </a:pPr>
+            <a:endParaRPr b="0" lang="pt-BR" sz="3200" spc="-1" strike="noStrike">
               <a:solidFill>
                 <a:srgbClr val="000000"/>
               </a:solidFill>
@@ -1128,7 +1370,7 @@
             <a:spLocks noGrp="1"/>
           </p:cNvSpPr>
           <p:nvPr>
-            <p:ph type="body"/>
+            <p:ph/>
           </p:nvPr>
         </p:nvSpPr>
         <p:spPr>
@@ -1139,13 +1381,23 @@
           <a:prstGeom prst="rect">
             <a:avLst/>
           </a:prstGeom>
-        </p:spPr>
-        <p:txBody>
-          <a:bodyPr lIns="0" rIns="0" tIns="0" bIns="0">
+          <a:noFill/>
+          <a:ln w="0">
+            <a:noFill/>
+          </a:ln>
+        </p:spPr>
+        <p:txBody>
+          <a:bodyPr lIns="0" rIns="0" tIns="0" bIns="0" anchor="t">
             <a:normAutofit/>
           </a:bodyPr>
           <a:p>
-            <a:endParaRPr b="0" lang="pt-BR" sz="2800" spc="-1" strike="noStrike">
+            <a:pPr indent="0">
+              <a:spcBef>
+                <a:spcPts val="1417"/>
+              </a:spcBef>
+              <a:buNone/>
+            </a:pPr>
+            <a:endParaRPr b="0" lang="pt-BR" sz="3200" spc="-1" strike="noStrike">
               <a:solidFill>
                 <a:srgbClr val="000000"/>
               </a:solidFill>
@@ -1194,13 +1446,20 @@
           <a:prstGeom prst="rect">
             <a:avLst/>
           </a:prstGeom>
+          <a:noFill/>
+          <a:ln w="0">
+            <a:noFill/>
+          </a:ln>
         </p:spPr>
         <p:txBody>
           <a:bodyPr lIns="0" rIns="0" tIns="0" bIns="0" anchor="ctr">
             <a:noAutofit/>
           </a:bodyPr>
           <a:p>
-            <a:endParaRPr b="0" lang="pt-BR" sz="1800" spc="-1" strike="noStrike">
+            <a:pPr indent="0" algn="ctr">
+              <a:buNone/>
+            </a:pPr>
+            <a:endParaRPr b="0" lang="pt-BR" sz="4400" spc="-1" strike="noStrike">
               <a:solidFill>
                 <a:srgbClr val="000000"/>
               </a:solidFill>
@@ -1216,7 +1475,7 @@
             <a:spLocks noGrp="1"/>
           </p:cNvSpPr>
           <p:nvPr>
-            <p:ph type="body"/>
+            <p:ph/>
           </p:nvPr>
         </p:nvSpPr>
         <p:spPr>
@@ -1227,13 +1486,23 @@
           <a:prstGeom prst="rect">
             <a:avLst/>
           </a:prstGeom>
-        </p:spPr>
-        <p:txBody>
-          <a:bodyPr lIns="0" rIns="0" tIns="0" bIns="0">
+          <a:noFill/>
+          <a:ln w="0">
+            <a:noFill/>
+          </a:ln>
+        </p:spPr>
+        <p:txBody>
+          <a:bodyPr lIns="0" rIns="0" tIns="0" bIns="0" anchor="t">
             <a:normAutofit/>
           </a:bodyPr>
           <a:p>
-            <a:endParaRPr b="0" lang="pt-BR" sz="2800" spc="-1" strike="noStrike">
+            <a:pPr indent="0">
+              <a:spcBef>
+                <a:spcPts val="1417"/>
+              </a:spcBef>
+              <a:buNone/>
+            </a:pPr>
+            <a:endParaRPr b="0" lang="pt-BR" sz="3200" spc="-1" strike="noStrike">
               <a:solidFill>
                 <a:srgbClr val="000000"/>
               </a:solidFill>
@@ -1249,7 +1518,7 @@
             <a:spLocks noGrp="1"/>
           </p:cNvSpPr>
           <p:nvPr>
-            <p:ph type="body"/>
+            <p:ph/>
           </p:nvPr>
         </p:nvSpPr>
         <p:spPr>
@@ -1260,13 +1529,23 @@
           <a:prstGeom prst="rect">
             <a:avLst/>
           </a:prstGeom>
-        </p:spPr>
-        <p:txBody>
-          <a:bodyPr lIns="0" rIns="0" tIns="0" bIns="0">
+          <a:noFill/>
+          <a:ln w="0">
+            <a:noFill/>
+          </a:ln>
+        </p:spPr>
+        <p:txBody>
+          <a:bodyPr lIns="0" rIns="0" tIns="0" bIns="0" anchor="t">
             <a:normAutofit/>
           </a:bodyPr>
           <a:p>
-            <a:endParaRPr b="0" lang="pt-BR" sz="2800" spc="-1" strike="noStrike">
+            <a:pPr indent="0">
+              <a:spcBef>
+                <a:spcPts val="1417"/>
+              </a:spcBef>
+              <a:buNone/>
+            </a:pPr>
+            <a:endParaRPr b="0" lang="pt-BR" sz="3200" spc="-1" strike="noStrike">
               <a:solidFill>
                 <a:srgbClr val="000000"/>
               </a:solidFill>
@@ -1282,7 +1561,7 @@
             <a:spLocks noGrp="1"/>
           </p:cNvSpPr>
           <p:nvPr>
-            <p:ph type="body"/>
+            <p:ph/>
           </p:nvPr>
         </p:nvSpPr>
         <p:spPr>
@@ -1293,13 +1572,23 @@
           <a:prstGeom prst="rect">
             <a:avLst/>
           </a:prstGeom>
-        </p:spPr>
-        <p:txBody>
-          <a:bodyPr lIns="0" rIns="0" tIns="0" bIns="0">
+          <a:noFill/>
+          <a:ln w="0">
+            <a:noFill/>
+          </a:ln>
+        </p:spPr>
+        <p:txBody>
+          <a:bodyPr lIns="0" rIns="0" tIns="0" bIns="0" anchor="t">
             <a:normAutofit/>
           </a:bodyPr>
           <a:p>
-            <a:endParaRPr b="0" lang="pt-BR" sz="2800" spc="-1" strike="noStrike">
+            <a:pPr indent="0">
+              <a:spcBef>
+                <a:spcPts val="1417"/>
+              </a:spcBef>
+              <a:buNone/>
+            </a:pPr>
+            <a:endParaRPr b="0" lang="pt-BR" sz="3200" spc="-1" strike="noStrike">
               <a:solidFill>
                 <a:srgbClr val="000000"/>
               </a:solidFill>
@@ -1348,13 +1637,20 @@
           <a:prstGeom prst="rect">
             <a:avLst/>
           </a:prstGeom>
+          <a:noFill/>
+          <a:ln w="0">
+            <a:noFill/>
+          </a:ln>
         </p:spPr>
         <p:txBody>
           <a:bodyPr lIns="0" rIns="0" tIns="0" bIns="0" anchor="ctr">
             <a:noAutofit/>
           </a:bodyPr>
           <a:p>
-            <a:endParaRPr b="0" lang="pt-BR" sz="1800" spc="-1" strike="noStrike">
+            <a:pPr indent="0" algn="ctr">
+              <a:buNone/>
+            </a:pPr>
+            <a:endParaRPr b="0" lang="pt-BR" sz="4400" spc="-1" strike="noStrike">
               <a:solidFill>
                 <a:srgbClr val="000000"/>
               </a:solidFill>
@@ -1370,7 +1666,7 @@
             <a:spLocks noGrp="1"/>
           </p:cNvSpPr>
           <p:nvPr>
-            <p:ph type="body"/>
+            <p:ph/>
           </p:nvPr>
         </p:nvSpPr>
         <p:spPr>
@@ -1381,13 +1677,23 @@
           <a:prstGeom prst="rect">
             <a:avLst/>
           </a:prstGeom>
-        </p:spPr>
-        <p:txBody>
-          <a:bodyPr lIns="0" rIns="0" tIns="0" bIns="0">
+          <a:noFill/>
+          <a:ln w="0">
+            <a:noFill/>
+          </a:ln>
+        </p:spPr>
+        <p:txBody>
+          <a:bodyPr lIns="0" rIns="0" tIns="0" bIns="0" anchor="t">
             <a:normAutofit/>
           </a:bodyPr>
           <a:p>
-            <a:endParaRPr b="0" lang="pt-BR" sz="2800" spc="-1" strike="noStrike">
+            <a:pPr indent="0">
+              <a:spcBef>
+                <a:spcPts val="1417"/>
+              </a:spcBef>
+              <a:buNone/>
+            </a:pPr>
+            <a:endParaRPr b="0" lang="pt-BR" sz="3200" spc="-1" strike="noStrike">
               <a:solidFill>
                 <a:srgbClr val="000000"/>
               </a:solidFill>
@@ -1403,7 +1709,7 @@
             <a:spLocks noGrp="1"/>
           </p:cNvSpPr>
           <p:nvPr>
-            <p:ph type="body"/>
+            <p:ph/>
           </p:nvPr>
         </p:nvSpPr>
         <p:spPr>
@@ -1414,13 +1720,23 @@
           <a:prstGeom prst="rect">
             <a:avLst/>
           </a:prstGeom>
-        </p:spPr>
-        <p:txBody>
-          <a:bodyPr lIns="0" rIns="0" tIns="0" bIns="0">
+          <a:noFill/>
+          <a:ln w="0">
+            <a:noFill/>
+          </a:ln>
+        </p:spPr>
+        <p:txBody>
+          <a:bodyPr lIns="0" rIns="0" tIns="0" bIns="0" anchor="t">
             <a:normAutofit/>
           </a:bodyPr>
           <a:p>
-            <a:endParaRPr b="0" lang="pt-BR" sz="2800" spc="-1" strike="noStrike">
+            <a:pPr indent="0">
+              <a:spcBef>
+                <a:spcPts val="1417"/>
+              </a:spcBef>
+              <a:buNone/>
+            </a:pPr>
+            <a:endParaRPr b="0" lang="pt-BR" sz="3200" spc="-1" strike="noStrike">
               <a:solidFill>
                 <a:srgbClr val="000000"/>
               </a:solidFill>
@@ -1436,7 +1752,7 @@
             <a:spLocks noGrp="1"/>
           </p:cNvSpPr>
           <p:nvPr>
-            <p:ph type="body"/>
+            <p:ph/>
           </p:nvPr>
         </p:nvSpPr>
         <p:spPr>
@@ -1447,13 +1763,23 @@
           <a:prstGeom prst="rect">
             <a:avLst/>
           </a:prstGeom>
-        </p:spPr>
-        <p:txBody>
-          <a:bodyPr lIns="0" rIns="0" tIns="0" bIns="0">
+          <a:noFill/>
+          <a:ln w="0">
+            <a:noFill/>
+          </a:ln>
+        </p:spPr>
+        <p:txBody>
+          <a:bodyPr lIns="0" rIns="0" tIns="0" bIns="0" anchor="t">
             <a:normAutofit/>
           </a:bodyPr>
           <a:p>
-            <a:endParaRPr b="0" lang="pt-BR" sz="2800" spc="-1" strike="noStrike">
+            <a:pPr indent="0">
+              <a:spcBef>
+                <a:spcPts val="1417"/>
+              </a:spcBef>
+              <a:buNone/>
+            </a:pPr>
+            <a:endParaRPr b="0" lang="pt-BR" sz="3200" spc="-1" strike="noStrike">
               <a:solidFill>
                 <a:srgbClr val="000000"/>
               </a:solidFill>
@@ -1509,14 +1835,21 @@
           <a:prstGeom prst="rect">
             <a:avLst/>
           </a:prstGeom>
+          <a:noFill/>
+          <a:ln w="0">
+            <a:noFill/>
+          </a:ln>
         </p:spPr>
         <p:txBody>
           <a:bodyPr lIns="0" rIns="0" tIns="0" bIns="0" anchor="ctr">
             <a:noAutofit/>
           </a:bodyPr>
           <a:p>
-            <a:r>
-              <a:rPr b="0" lang="pt-BR" sz="1800" spc="-1" strike="noStrike">
+            <a:pPr indent="0" algn="ctr">
+              <a:buNone/>
+            </a:pPr>
+            <a:r>
+              <a:rPr b="0" lang="pt-BR" sz="4400" spc="-1" strike="noStrike">
                 <a:solidFill>
                   <a:srgbClr val="000000"/>
                 </a:solidFill>
@@ -1524,7 +1857,7 @@
               </a:rPr>
               <a:t>Clique para editar o formato do texto do título</a:t>
             </a:r>
-            <a:endParaRPr b="0" lang="pt-BR" sz="1800" spc="-1" strike="noStrike">
+            <a:endParaRPr b="0" lang="pt-BR" sz="4400" spc="-1" strike="noStrike">
               <a:solidFill>
                 <a:srgbClr val="000000"/>
               </a:solidFill>
@@ -1551,13 +1884,17 @@
           <a:prstGeom prst="rect">
             <a:avLst/>
           </a:prstGeom>
-        </p:spPr>
-        <p:txBody>
-          <a:bodyPr lIns="0" rIns="0" tIns="0" bIns="0">
-            <a:normAutofit/>
-          </a:bodyPr>
-          <a:p>
-            <a:pPr marL="432000" indent="-324000">
+          <a:noFill/>
+          <a:ln w="0">
+            <a:noFill/>
+          </a:ln>
+        </p:spPr>
+        <p:txBody>
+          <a:bodyPr lIns="0" rIns="0" tIns="0" bIns="0" anchor="t">
+            <a:normAutofit fontScale="96000"/>
+          </a:bodyPr>
+          <a:p>
+            <a:pPr marL="414720" indent="-311040">
               <a:spcBef>
                 <a:spcPts val="1417"/>
               </a:spcBef>
@@ -1569,7 +1906,7 @@
               <a:buChar char=""/>
             </a:pPr>
             <a:r>
-              <a:rPr b="0" lang="pt-BR" sz="2800" spc="-1" strike="noStrike">
+              <a:rPr b="0" lang="pt-BR" sz="3200" spc="-1" strike="noStrike">
                 <a:solidFill>
                   <a:srgbClr val="000000"/>
                 </a:solidFill>
@@ -1577,15 +1914,15 @@
               </a:rPr>
               <a:t>Clique para editar o formato do texto da estrutura de tópicos</a:t>
             </a:r>
-            <a:endParaRPr b="0" lang="pt-BR" sz="2800" spc="-1" strike="noStrike">
-              <a:solidFill>
-                <a:srgbClr val="000000"/>
-              </a:solidFill>
-              <a:latin typeface="Arial"/>
-            </a:endParaRPr>
-          </a:p>
-          <a:p>
-            <a:pPr lvl="1" marL="864000" indent="-324000">
+            <a:endParaRPr b="0" lang="pt-BR" sz="3200" spc="-1" strike="noStrike">
+              <a:solidFill>
+                <a:srgbClr val="000000"/>
+              </a:solidFill>
+              <a:latin typeface="Arial"/>
+            </a:endParaRPr>
+          </a:p>
+          <a:p>
+            <a:pPr lvl="1" marL="829440" indent="-311040">
               <a:spcBef>
                 <a:spcPts val="1134"/>
               </a:spcBef>
@@ -1597,7 +1934,7 @@
               <a:buChar char=""/>
             </a:pPr>
             <a:r>
-              <a:rPr b="0" lang="pt-BR" sz="2000" spc="-1" strike="noStrike">
+              <a:rPr b="0" lang="pt-BR" sz="2800" spc="-1" strike="noStrike">
                 <a:solidFill>
                   <a:srgbClr val="000000"/>
                 </a:solidFill>
@@ -1605,15 +1942,15 @@
               </a:rPr>
               <a:t>2.º nível da estrutura de tópicos</a:t>
             </a:r>
-            <a:endParaRPr b="0" lang="pt-BR" sz="2000" spc="-1" strike="noStrike">
-              <a:solidFill>
-                <a:srgbClr val="000000"/>
-              </a:solidFill>
-              <a:latin typeface="Arial"/>
-            </a:endParaRPr>
-          </a:p>
-          <a:p>
-            <a:pPr lvl="2" marL="1296000" indent="-288000">
+            <a:endParaRPr b="0" lang="pt-BR" sz="2800" spc="-1" strike="noStrike">
+              <a:solidFill>
+                <a:srgbClr val="000000"/>
+              </a:solidFill>
+              <a:latin typeface="Arial"/>
+            </a:endParaRPr>
+          </a:p>
+          <a:p>
+            <a:pPr lvl="2" marL="1244160" indent="-276480">
               <a:spcBef>
                 <a:spcPts val="850"/>
               </a:spcBef>
@@ -1625,7 +1962,7 @@
               <a:buChar char=""/>
             </a:pPr>
             <a:r>
-              <a:rPr b="0" lang="pt-BR" sz="1800" spc="-1" strike="noStrike">
+              <a:rPr b="0" lang="pt-BR" sz="2400" spc="-1" strike="noStrike">
                 <a:solidFill>
                   <a:srgbClr val="000000"/>
                 </a:solidFill>
@@ -1633,15 +1970,15 @@
               </a:rPr>
               <a:t>3.º nível da estrutura de tópicos</a:t>
             </a:r>
-            <a:endParaRPr b="0" lang="pt-BR" sz="1800" spc="-1" strike="noStrike">
-              <a:solidFill>
-                <a:srgbClr val="000000"/>
-              </a:solidFill>
-              <a:latin typeface="Arial"/>
-            </a:endParaRPr>
-          </a:p>
-          <a:p>
-            <a:pPr lvl="3" marL="1728000" indent="-216000">
+            <a:endParaRPr b="0" lang="pt-BR" sz="2400" spc="-1" strike="noStrike">
+              <a:solidFill>
+                <a:srgbClr val="000000"/>
+              </a:solidFill>
+              <a:latin typeface="Arial"/>
+            </a:endParaRPr>
+          </a:p>
+          <a:p>
+            <a:pPr lvl="3" marL="1658880" indent="-207360">
               <a:spcBef>
                 <a:spcPts val="567"/>
               </a:spcBef>
@@ -1653,7 +1990,7 @@
               <a:buChar char=""/>
             </a:pPr>
             <a:r>
-              <a:rPr b="0" lang="pt-BR" sz="1800" spc="-1" strike="noStrike">
+              <a:rPr b="0" lang="pt-BR" sz="2000" spc="-1" strike="noStrike">
                 <a:solidFill>
                   <a:srgbClr val="000000"/>
                 </a:solidFill>
@@ -1661,15 +1998,15 @@
               </a:rPr>
               <a:t>4.º nível da estrutura de tópicos</a:t>
             </a:r>
-            <a:endParaRPr b="0" lang="pt-BR" sz="1800" spc="-1" strike="noStrike">
-              <a:solidFill>
-                <a:srgbClr val="000000"/>
-              </a:solidFill>
-              <a:latin typeface="Arial"/>
-            </a:endParaRPr>
-          </a:p>
-          <a:p>
-            <a:pPr lvl="4" marL="2160000" indent="-216000">
+            <a:endParaRPr b="0" lang="pt-BR" sz="2000" spc="-1" strike="noStrike">
+              <a:solidFill>
+                <a:srgbClr val="000000"/>
+              </a:solidFill>
+              <a:latin typeface="Arial"/>
+            </a:endParaRPr>
+          </a:p>
+          <a:p>
+            <a:pPr lvl="4" marL="2073600" indent="-207360">
               <a:spcBef>
                 <a:spcPts val="283"/>
               </a:spcBef>
@@ -1697,7 +2034,7 @@
             </a:endParaRPr>
           </a:p>
           <a:p>
-            <a:pPr lvl="5" marL="2592000" indent="-216000">
+            <a:pPr lvl="5" marL="2488320" indent="-207360">
               <a:spcBef>
                 <a:spcPts val="283"/>
               </a:spcBef>
@@ -1725,7 +2062,7 @@
             </a:endParaRPr>
           </a:p>
           <a:p>
-            <a:pPr lvl="6" marL="3024000" indent="-216000">
+            <a:pPr lvl="6" marL="2903040" indent="-207360">
               <a:spcBef>
                 <a:spcPts val="283"/>
               </a:spcBef>
@@ -1806,7 +2143,7 @@
         <p:spPr>
           <a:xfrm>
             <a:off x="3715200" y="919800"/>
-            <a:ext cx="233280" cy="257400"/>
+            <a:ext cx="232200" cy="256320"/>
           </a:xfrm>
           <a:prstGeom prst="rect">
             <a:avLst/>
@@ -1825,7 +2162,7 @@
         <p:spPr>
           <a:xfrm>
             <a:off x="3202920" y="1189440"/>
-            <a:ext cx="1261800" cy="536760"/>
+            <a:ext cx="1260720" cy="535680"/>
           </a:xfrm>
           <a:prstGeom prst="rect">
             <a:avLst/>
@@ -1842,7 +2179,7 @@
           <a:fontRef idx="minor"/>
         </p:style>
         <p:txBody>
-          <a:bodyPr lIns="90000" rIns="90000" tIns="91440" bIns="91440">
+          <a:bodyPr lIns="90000" rIns="90000" tIns="91440" bIns="91440" anchor="t">
             <a:noAutofit/>
           </a:bodyPr>
           <a:p>
@@ -1862,12 +2199,46 @@
                 <a:latin typeface="Nunito Sans"/>
                 <a:ea typeface="Arial"/>
               </a:rPr>
-              <a:t>Novos</a:t>
+              <a:t>New users</a:t>
             </a:r>
             <a:endParaRPr b="0" lang="pt-BR" sz="1000" spc="-1" strike="noStrike">
-              <a:latin typeface="Arial"/>
-            </a:endParaRPr>
-          </a:p>
+              <a:solidFill>
+                <a:srgbClr val="000000"/>
+              </a:solidFill>
+              <a:latin typeface="Arial"/>
+            </a:endParaRPr>
+          </a:p>
+        </p:txBody>
+      </p:sp>
+      <p:sp>
+        <p:nvSpPr>
+          <p:cNvPr id="40" name="Google Shape;166;p3_0"/>
+          <p:cNvSpPr/>
+          <p:nvPr/>
+        </p:nvSpPr>
+        <p:spPr>
+          <a:xfrm>
+            <a:off x="1275480" y="1188000"/>
+            <a:ext cx="839880" cy="447840"/>
+          </a:xfrm>
+          <a:prstGeom prst="rect">
+            <a:avLst/>
+          </a:prstGeom>
+          <a:noFill/>
+          <a:ln w="0">
+            <a:noFill/>
+          </a:ln>
+        </p:spPr>
+        <p:style>
+          <a:lnRef idx="0"/>
+          <a:fillRef idx="0"/>
+          <a:effectRef idx="0"/>
+          <a:fontRef idx="minor"/>
+        </p:style>
+        <p:txBody>
+          <a:bodyPr lIns="90000" rIns="90000" tIns="91440" bIns="91440" anchor="t">
+            <a:noAutofit/>
+          </a:bodyPr>
           <a:p>
             <a:pPr algn="ctr">
               <a:lnSpc>
@@ -1885,24 +2256,52 @@
                 <a:latin typeface="Nunito Sans"/>
                 <a:ea typeface="Arial"/>
               </a:rPr>
-              <a:t>usuários</a:t>
+              <a:t>Active users</a:t>
             </a:r>
             <a:endParaRPr b="0" lang="pt-BR" sz="1000" spc="-1" strike="noStrike">
-              <a:latin typeface="Arial"/>
-            </a:endParaRPr>
-          </a:p>
-        </p:txBody>
-      </p:sp>
-      <p:sp>
-        <p:nvSpPr>
-          <p:cNvPr id="40" name="Google Shape;166;p3_0"/>
+              <a:solidFill>
+                <a:srgbClr val="000000"/>
+              </a:solidFill>
+              <a:latin typeface="Arial"/>
+            </a:endParaRPr>
+          </a:p>
+        </p:txBody>
+      </p:sp>
+      <p:pic>
+        <p:nvPicPr>
+          <p:cNvPr id="41" name="Google Shape;167;p3_0" descr=""/>
+          <p:cNvPicPr/>
+          <p:nvPr/>
+        </p:nvPicPr>
+        <p:blipFill>
+          <a:blip r:embed="rId2">
+            <a:alphaModFix amt="52000"/>
+          </a:blip>
+          <a:stretch/>
+        </p:blipFill>
+        <p:spPr>
+          <a:xfrm>
+            <a:off x="1608120" y="939240"/>
+            <a:ext cx="175680" cy="245160"/>
+          </a:xfrm>
+          <a:prstGeom prst="rect">
+            <a:avLst/>
+          </a:prstGeom>
+          <a:ln w="0">
+            <a:noFill/>
+          </a:ln>
+        </p:spPr>
+      </p:pic>
+      <p:sp>
+        <p:nvSpPr>
+          <p:cNvPr id="42" name="Google Shape;168;p3_0"/>
           <p:cNvSpPr/>
           <p:nvPr/>
         </p:nvSpPr>
         <p:spPr>
           <a:xfrm>
-            <a:off x="1275480" y="1187280"/>
-            <a:ext cx="840960" cy="448920"/>
+            <a:off x="2276280" y="1212480"/>
+            <a:ext cx="919800" cy="442800"/>
           </a:xfrm>
           <a:prstGeom prst="rect">
             <a:avLst/>
@@ -1919,7 +2318,7 @@
           <a:fontRef idx="minor"/>
         </p:style>
         <p:txBody>
-          <a:bodyPr lIns="90000" rIns="90000" tIns="91440" bIns="91440">
+          <a:bodyPr lIns="90000" rIns="90000" tIns="128880" bIns="128880" anchor="ctr">
             <a:noAutofit/>
           </a:bodyPr>
           <a:p>
@@ -1939,12 +2338,71 @@
                 <a:latin typeface="Nunito Sans"/>
                 <a:ea typeface="Arial"/>
               </a:rPr>
-              <a:t>Usuários</a:t>
+              <a:t>Engaged users</a:t>
             </a:r>
             <a:endParaRPr b="0" lang="pt-BR" sz="1000" spc="-1" strike="noStrike">
-              <a:latin typeface="Arial"/>
-            </a:endParaRPr>
-          </a:p>
+              <a:solidFill>
+                <a:srgbClr val="000000"/>
+              </a:solidFill>
+              <a:latin typeface="Arial"/>
+            </a:endParaRPr>
+          </a:p>
+        </p:txBody>
+      </p:sp>
+      <p:pic>
+        <p:nvPicPr>
+          <p:cNvPr id="43" name="Google Shape;169;p3_0" descr=""/>
+          <p:cNvPicPr/>
+          <p:nvPr/>
+        </p:nvPicPr>
+        <p:blipFill>
+          <a:blip r:embed="rId3">
+            <a:alphaModFix amt="52000"/>
+          </a:blip>
+          <a:stretch/>
+        </p:blipFill>
+        <p:spPr>
+          <a:xfrm>
+            <a:off x="2571840" y="851760"/>
+            <a:ext cx="338400" cy="324000"/>
+          </a:xfrm>
+          <a:prstGeom prst="rect">
+            <a:avLst/>
+          </a:prstGeom>
+          <a:ln w="0">
+            <a:noFill/>
+          </a:ln>
+        </p:spPr>
+      </p:pic>
+      <p:sp>
+        <p:nvSpPr>
+          <p:cNvPr id="44" name="Google Shape;170;p3_0"/>
+          <p:cNvSpPr/>
+          <p:nvPr/>
+        </p:nvSpPr>
+        <p:spPr>
+          <a:xfrm>
+            <a:off x="4300200" y="1191600"/>
+            <a:ext cx="1295640" cy="507240"/>
+          </a:xfrm>
+          <a:prstGeom prst="rect">
+            <a:avLst/>
+          </a:prstGeom>
+          <a:noFill/>
+          <a:ln w="0">
+            <a:noFill/>
+          </a:ln>
+        </p:spPr>
+        <p:style>
+          <a:lnRef idx="0"/>
+          <a:fillRef idx="0"/>
+          <a:effectRef idx="0"/>
+          <a:fontRef idx="minor"/>
+        </p:style>
+        <p:txBody>
+          <a:bodyPr lIns="90000" rIns="90000" tIns="91440" bIns="91440" anchor="t">
+            <a:noAutofit/>
+          </a:bodyPr>
           <a:p>
             <a:pPr algn="ctr">
               <a:lnSpc>
@@ -1962,9 +2420,12 @@
                 <a:latin typeface="Nunito Sans"/>
                 <a:ea typeface="Arial"/>
               </a:rPr>
-              <a:t>ativos</a:t>
+              <a:t>Total messages</a:t>
             </a:r>
             <a:endParaRPr b="0" lang="pt-BR" sz="1000" spc="-1" strike="noStrike">
+              <a:solidFill>
+                <a:srgbClr val="000000"/>
+              </a:solidFill>
               <a:latin typeface="Arial"/>
             </a:endParaRPr>
           </a:p>
@@ -1972,20 +2433,20 @@
       </p:sp>
       <p:pic>
         <p:nvPicPr>
-          <p:cNvPr id="41" name="Google Shape;167;p3_0" descr=""/>
+          <p:cNvPr id="45" name="Google Shape;171;p3_0" descr=""/>
           <p:cNvPicPr/>
           <p:nvPr/>
         </p:nvPicPr>
         <p:blipFill>
-          <a:blip r:embed="rId2">
+          <a:blip r:embed="rId4">
             <a:alphaModFix amt="52000"/>
           </a:blip>
           <a:stretch/>
         </p:blipFill>
         <p:spPr>
           <a:xfrm>
-            <a:off x="1608120" y="939240"/>
-            <a:ext cx="176760" cy="246240"/>
+            <a:off x="4790160" y="898560"/>
+            <a:ext cx="338400" cy="294120"/>
           </a:xfrm>
           <a:prstGeom prst="rect">
             <a:avLst/>
@@ -1997,14 +2458,14 @@
       </p:pic>
       <p:sp>
         <p:nvSpPr>
-          <p:cNvPr id="42" name="Google Shape;168;p3_0"/>
+          <p:cNvPr id="46" name="Google Shape;172;p3_0"/>
           <p:cNvSpPr/>
           <p:nvPr/>
         </p:nvSpPr>
         <p:spPr>
           <a:xfrm>
-            <a:off x="2276280" y="1191600"/>
-            <a:ext cx="920880" cy="257400"/>
+            <a:off x="3356640" y="1595160"/>
+            <a:ext cx="919800" cy="404280"/>
           </a:xfrm>
           <a:prstGeom prst="rect">
             <a:avLst/>
@@ -2021,7 +2482,218 @@
           <a:fontRef idx="minor"/>
         </p:style>
         <p:txBody>
-          <a:bodyPr lIns="90000" rIns="90000" tIns="258480" bIns="258480">
+          <a:bodyPr lIns="90000" rIns="90000" tIns="91440" bIns="91440" anchor="t">
+            <a:noAutofit/>
+          </a:bodyPr>
+          <a:p>
+            <a:pPr algn="ctr">
+              <a:lnSpc>
+                <a:spcPct val="115000"/>
+              </a:lnSpc>
+              <a:tabLst>
+                <a:tab algn="l" pos="0"/>
+              </a:tabLst>
+            </a:pPr>
+            <a:r>
+              <a:rPr b="1" lang="pt-BR" sz="1000" spc="-1" strike="noStrike">
+                <a:solidFill>
+                  <a:srgbClr val="434343"/>
+                </a:solidFill>
+                <a:latin typeface="Nunito Sans"/>
+                <a:ea typeface="Arial"/>
+              </a:rPr>
+              <a:t>1,150</a:t>
+            </a:r>
+            <a:endParaRPr b="0" lang="pt-BR" sz="1000" spc="-1" strike="noStrike">
+              <a:solidFill>
+                <a:srgbClr val="000000"/>
+              </a:solidFill>
+              <a:latin typeface="Arial"/>
+            </a:endParaRPr>
+          </a:p>
+          <a:p>
+            <a:pPr algn="ctr">
+              <a:lnSpc>
+                <a:spcPct val="115000"/>
+              </a:lnSpc>
+              <a:tabLst>
+                <a:tab algn="l" pos="0"/>
+              </a:tabLst>
+            </a:pPr>
+            <a:r>
+              <a:rPr b="1" lang="pt-BR" sz="700" spc="-1" strike="noStrike">
+                <a:solidFill>
+                  <a:srgbClr val="434343"/>
+                </a:solidFill>
+                <a:latin typeface="Nunito Sans"/>
+                <a:ea typeface="Arial"/>
+              </a:rPr>
+              <a:t>     </a:t>
+            </a:r>
+            <a:r>
+              <a:rPr b="1" lang="pt-BR" sz="700" spc="-1" strike="noStrike">
+                <a:solidFill>
+                  <a:srgbClr val="434343"/>
+                </a:solidFill>
+                <a:latin typeface="Nunito Sans"/>
+                <a:ea typeface="Arial"/>
+              </a:rPr>
+              <a:t>3.50%</a:t>
+            </a:r>
+            <a:endParaRPr b="0" lang="pt-BR" sz="700" spc="-1" strike="noStrike">
+              <a:solidFill>
+                <a:srgbClr val="000000"/>
+              </a:solidFill>
+              <a:latin typeface="Arial"/>
+            </a:endParaRPr>
+          </a:p>
+        </p:txBody>
+      </p:sp>
+      <p:sp>
+        <p:nvSpPr>
+          <p:cNvPr id="47" name="Google Shape;173;p3_0"/>
+          <p:cNvSpPr/>
+          <p:nvPr/>
+        </p:nvSpPr>
+        <p:spPr>
+          <a:xfrm>
+            <a:off x="4312080" y="1597680"/>
+            <a:ext cx="1295640" cy="404280"/>
+          </a:xfrm>
+          <a:prstGeom prst="rect">
+            <a:avLst/>
+          </a:prstGeom>
+          <a:noFill/>
+          <a:ln w="0">
+            <a:noFill/>
+          </a:ln>
+        </p:spPr>
+        <p:style>
+          <a:lnRef idx="0"/>
+          <a:fillRef idx="0"/>
+          <a:effectRef idx="0"/>
+          <a:fontRef idx="minor"/>
+        </p:style>
+        <p:txBody>
+          <a:bodyPr lIns="90000" rIns="90000" tIns="91440" bIns="91440" anchor="t">
+            <a:noAutofit/>
+          </a:bodyPr>
+          <a:p>
+            <a:pPr algn="ctr">
+              <a:lnSpc>
+                <a:spcPct val="115000"/>
+              </a:lnSpc>
+              <a:tabLst>
+                <a:tab algn="l" pos="0"/>
+              </a:tabLst>
+            </a:pPr>
+            <a:r>
+              <a:rPr b="1" lang="pt-BR" sz="1000" spc="-1" strike="noStrike">
+                <a:solidFill>
+                  <a:srgbClr val="434343"/>
+                </a:solidFill>
+                <a:latin typeface="Nunito Sans"/>
+                <a:ea typeface="Arial"/>
+              </a:rPr>
+              <a:t>100,000</a:t>
+            </a:r>
+            <a:endParaRPr b="0" lang="pt-BR" sz="1000" spc="-1" strike="noStrike">
+              <a:solidFill>
+                <a:srgbClr val="000000"/>
+              </a:solidFill>
+              <a:latin typeface="Arial"/>
+            </a:endParaRPr>
+          </a:p>
+          <a:p>
+            <a:pPr algn="ctr">
+              <a:lnSpc>
+                <a:spcPct val="115000"/>
+              </a:lnSpc>
+              <a:tabLst>
+                <a:tab algn="l" pos="0"/>
+              </a:tabLst>
+            </a:pPr>
+            <a:r>
+              <a:rPr b="1" lang="pt-BR" sz="700" spc="-1" strike="noStrike">
+                <a:solidFill>
+                  <a:srgbClr val="434343"/>
+                </a:solidFill>
+                <a:latin typeface="Nunito Sans"/>
+                <a:ea typeface="Arial"/>
+              </a:rPr>
+              <a:t>     </a:t>
+            </a:r>
+            <a:r>
+              <a:rPr b="1" lang="pt-BR" sz="700" spc="-1" strike="noStrike">
+                <a:solidFill>
+                  <a:srgbClr val="434343"/>
+                </a:solidFill>
+                <a:latin typeface="Nunito Sans"/>
+                <a:ea typeface="Arial"/>
+              </a:rPr>
+              <a:t>4.00%</a:t>
+            </a:r>
+            <a:endParaRPr b="0" lang="pt-BR" sz="700" spc="-1" strike="noStrike">
+              <a:solidFill>
+                <a:srgbClr val="000000"/>
+              </a:solidFill>
+              <a:latin typeface="Arial"/>
+            </a:endParaRPr>
+          </a:p>
+        </p:txBody>
+      </p:sp>
+      <p:pic>
+        <p:nvPicPr>
+          <p:cNvPr id="48" name="Google Shape;174;p3_0" descr=""/>
+          <p:cNvPicPr/>
+          <p:nvPr/>
+        </p:nvPicPr>
+        <p:blipFill>
+          <a:blip r:embed="rId5">
+            <a:alphaModFix amt="52000"/>
+          </a:blip>
+          <a:stretch/>
+        </p:blipFill>
+        <p:spPr>
+          <a:xfrm>
+            <a:off x="5986080" y="927360"/>
+            <a:ext cx="285840" cy="254160"/>
+          </a:xfrm>
+          <a:prstGeom prst="rect">
+            <a:avLst/>
+          </a:prstGeom>
+          <a:ln w="0">
+            <a:noFill/>
+          </a:ln>
+        </p:spPr>
+      </p:pic>
+      <p:sp>
+        <p:nvSpPr>
+          <p:cNvPr id="49" name="Google Shape;175;p3_0"/>
+          <p:cNvSpPr/>
+          <p:nvPr/>
+        </p:nvSpPr>
+        <p:spPr>
+          <a:xfrm>
+            <a:off x="5658840" y="1190880"/>
+            <a:ext cx="957600" cy="379440"/>
+          </a:xfrm>
+          <a:prstGeom prst="rect">
+            <a:avLst/>
+          </a:prstGeom>
+          <a:noFill/>
+          <a:ln w="0">
+            <a:noFill/>
+          </a:ln>
+        </p:spPr>
+        <p:style>
+          <a:lnRef idx="0"/>
+          <a:fillRef idx="0"/>
+          <a:effectRef idx="0"/>
+          <a:fontRef idx="minor"/>
+        </p:style>
+        <p:txBody>
+          <a:bodyPr lIns="90000" rIns="90000" tIns="91440" bIns="91440" anchor="t">
             <a:noAutofit/>
           </a:bodyPr>
           <a:p>
@@ -2041,12 +2713,325 @@
                 <a:latin typeface="Nunito Sans"/>
                 <a:ea typeface="Arial"/>
               </a:rPr>
-              <a:t>Usuários</a:t>
+              <a:t>Recurrence</a:t>
             </a:r>
             <a:endParaRPr b="0" lang="pt-BR" sz="1000" spc="-1" strike="noStrike">
-              <a:latin typeface="Arial"/>
-            </a:endParaRPr>
-          </a:p>
+              <a:solidFill>
+                <a:srgbClr val="000000"/>
+              </a:solidFill>
+              <a:latin typeface="Arial"/>
+            </a:endParaRPr>
+          </a:p>
+        </p:txBody>
+      </p:sp>
+      <p:sp>
+        <p:nvSpPr>
+          <p:cNvPr id="50" name="Google Shape;176;p3_0"/>
+          <p:cNvSpPr/>
+          <p:nvPr/>
+        </p:nvSpPr>
+        <p:spPr>
+          <a:xfrm>
+            <a:off x="2282760" y="1595880"/>
+            <a:ext cx="919800" cy="447840"/>
+          </a:xfrm>
+          <a:prstGeom prst="rect">
+            <a:avLst/>
+          </a:prstGeom>
+          <a:noFill/>
+          <a:ln w="0">
+            <a:noFill/>
+          </a:ln>
+        </p:spPr>
+        <p:style>
+          <a:lnRef idx="0"/>
+          <a:fillRef idx="0"/>
+          <a:effectRef idx="0"/>
+          <a:fontRef idx="minor"/>
+        </p:style>
+        <p:txBody>
+          <a:bodyPr lIns="90000" rIns="90000" tIns="91440" bIns="91440" anchor="t">
+            <a:noAutofit/>
+          </a:bodyPr>
+          <a:p>
+            <a:pPr algn="ctr">
+              <a:lnSpc>
+                <a:spcPct val="115000"/>
+              </a:lnSpc>
+              <a:tabLst>
+                <a:tab algn="l" pos="0"/>
+              </a:tabLst>
+            </a:pPr>
+            <a:r>
+              <a:rPr b="1" lang="pt-BR" sz="1000" spc="-1" strike="noStrike">
+                <a:solidFill>
+                  <a:srgbClr val="434343"/>
+                </a:solidFill>
+                <a:latin typeface="Nunito Sans"/>
+                <a:ea typeface="Arial"/>
+              </a:rPr>
+              <a:t>22,190</a:t>
+            </a:r>
+            <a:endParaRPr b="0" lang="pt-BR" sz="1000" spc="-1" strike="noStrike">
+              <a:solidFill>
+                <a:srgbClr val="000000"/>
+              </a:solidFill>
+              <a:latin typeface="Arial"/>
+            </a:endParaRPr>
+          </a:p>
+          <a:p>
+            <a:pPr algn="ctr">
+              <a:lnSpc>
+                <a:spcPct val="115000"/>
+              </a:lnSpc>
+              <a:tabLst>
+                <a:tab algn="l" pos="0"/>
+              </a:tabLst>
+            </a:pPr>
+            <a:r>
+              <a:rPr b="1" lang="pt-BR" sz="700" spc="-1" strike="noStrike">
+                <a:solidFill>
+                  <a:srgbClr val="434343"/>
+                </a:solidFill>
+                <a:latin typeface="Nunito Sans"/>
+                <a:ea typeface="Arial"/>
+              </a:rPr>
+              <a:t>    </a:t>
+            </a:r>
+            <a:r>
+              <a:rPr b="1" lang="pt-BR" sz="700" spc="-1" strike="noStrike">
+                <a:solidFill>
+                  <a:srgbClr val="434343"/>
+                </a:solidFill>
+                <a:latin typeface="Nunito Sans"/>
+                <a:ea typeface="Arial"/>
+              </a:rPr>
+              <a:t>-2.20%</a:t>
+            </a:r>
+            <a:endParaRPr b="0" lang="pt-BR" sz="700" spc="-1" strike="noStrike">
+              <a:solidFill>
+                <a:srgbClr val="000000"/>
+              </a:solidFill>
+              <a:latin typeface="Arial"/>
+            </a:endParaRPr>
+          </a:p>
+        </p:txBody>
+      </p:sp>
+      <p:sp>
+        <p:nvSpPr>
+          <p:cNvPr id="51" name="Google Shape;177;p3_0"/>
+          <p:cNvSpPr/>
+          <p:nvPr/>
+        </p:nvSpPr>
+        <p:spPr>
+          <a:xfrm>
+            <a:off x="1327320" y="1604160"/>
+            <a:ext cx="710280" cy="447840"/>
+          </a:xfrm>
+          <a:prstGeom prst="rect">
+            <a:avLst/>
+          </a:prstGeom>
+          <a:noFill/>
+          <a:ln w="0">
+            <a:noFill/>
+          </a:ln>
+        </p:spPr>
+        <p:style>
+          <a:lnRef idx="0"/>
+          <a:fillRef idx="0"/>
+          <a:effectRef idx="0"/>
+          <a:fontRef idx="minor"/>
+        </p:style>
+        <p:txBody>
+          <a:bodyPr lIns="90000" rIns="90000" tIns="91440" bIns="91440" anchor="t">
+            <a:noAutofit/>
+          </a:bodyPr>
+          <a:p>
+            <a:pPr algn="ctr">
+              <a:lnSpc>
+                <a:spcPct val="115000"/>
+              </a:lnSpc>
+              <a:tabLst>
+                <a:tab algn="l" pos="0"/>
+              </a:tabLst>
+            </a:pPr>
+            <a:r>
+              <a:rPr b="1" lang="pt-BR" sz="1000" spc="-1" strike="noStrike">
+                <a:solidFill>
+                  <a:srgbClr val="434343"/>
+                </a:solidFill>
+                <a:latin typeface="Nunito Sans"/>
+                <a:ea typeface="Arial"/>
+              </a:rPr>
+              <a:t>25,670</a:t>
+            </a:r>
+            <a:endParaRPr b="0" lang="pt-BR" sz="1000" spc="-1" strike="noStrike">
+              <a:solidFill>
+                <a:srgbClr val="000000"/>
+              </a:solidFill>
+              <a:latin typeface="Arial"/>
+            </a:endParaRPr>
+          </a:p>
+          <a:p>
+            <a:pPr algn="ctr">
+              <a:lnSpc>
+                <a:spcPct val="115000"/>
+              </a:lnSpc>
+              <a:tabLst>
+                <a:tab algn="l" pos="0"/>
+              </a:tabLst>
+            </a:pPr>
+            <a:r>
+              <a:rPr b="1" lang="pt-BR" sz="700" spc="-1" strike="noStrike">
+                <a:solidFill>
+                  <a:srgbClr val="434343"/>
+                </a:solidFill>
+                <a:latin typeface="Nunito Sans"/>
+                <a:ea typeface="Arial"/>
+              </a:rPr>
+              <a:t>   </a:t>
+            </a:r>
+            <a:r>
+              <a:rPr b="1" lang="pt-BR" sz="700" spc="-1" strike="noStrike">
+                <a:solidFill>
+                  <a:srgbClr val="434343"/>
+                </a:solidFill>
+                <a:latin typeface="Nunito Sans"/>
+                <a:ea typeface="Arial"/>
+              </a:rPr>
+              <a:t>-4.40%</a:t>
+            </a:r>
+            <a:endParaRPr b="0" lang="pt-BR" sz="700" spc="-1" strike="noStrike">
+              <a:solidFill>
+                <a:srgbClr val="000000"/>
+              </a:solidFill>
+              <a:latin typeface="Arial"/>
+            </a:endParaRPr>
+          </a:p>
+        </p:txBody>
+      </p:sp>
+      <p:sp>
+        <p:nvSpPr>
+          <p:cNvPr id="52" name="Google Shape;178;p3_0"/>
+          <p:cNvSpPr/>
+          <p:nvPr/>
+        </p:nvSpPr>
+        <p:spPr>
+          <a:xfrm>
+            <a:off x="5726160" y="1598400"/>
+            <a:ext cx="839880" cy="404280"/>
+          </a:xfrm>
+          <a:prstGeom prst="rect">
+            <a:avLst/>
+          </a:prstGeom>
+          <a:noFill/>
+          <a:ln w="0">
+            <a:noFill/>
+          </a:ln>
+        </p:spPr>
+        <p:style>
+          <a:lnRef idx="0"/>
+          <a:fillRef idx="0"/>
+          <a:effectRef idx="0"/>
+          <a:fontRef idx="minor"/>
+        </p:style>
+        <p:txBody>
+          <a:bodyPr lIns="90000" rIns="90000" tIns="91440" bIns="91440" anchor="t">
+            <a:noAutofit/>
+          </a:bodyPr>
+          <a:p>
+            <a:pPr algn="ctr">
+              <a:lnSpc>
+                <a:spcPct val="115000"/>
+              </a:lnSpc>
+              <a:tabLst>
+                <a:tab algn="l" pos="0"/>
+              </a:tabLst>
+            </a:pPr>
+            <a:r>
+              <a:rPr b="1" lang="pt-BR" sz="1000" spc="-1" strike="noStrike">
+                <a:solidFill>
+                  <a:srgbClr val="434343"/>
+                </a:solidFill>
+                <a:latin typeface="Nunito Sans"/>
+                <a:ea typeface="Arial"/>
+              </a:rPr>
+              <a:t>60.00%</a:t>
+            </a:r>
+            <a:endParaRPr b="0" lang="pt-BR" sz="1000" spc="-1" strike="noStrike">
+              <a:solidFill>
+                <a:srgbClr val="000000"/>
+              </a:solidFill>
+              <a:latin typeface="Arial"/>
+            </a:endParaRPr>
+          </a:p>
+          <a:p>
+            <a:pPr algn="ctr">
+              <a:lnSpc>
+                <a:spcPct val="115000"/>
+              </a:lnSpc>
+              <a:tabLst>
+                <a:tab algn="l" pos="0"/>
+              </a:tabLst>
+            </a:pPr>
+            <a:r>
+              <a:rPr b="1" lang="pt-BR" sz="700" spc="-1" strike="noStrike">
+                <a:solidFill>
+                  <a:srgbClr val="434343"/>
+                </a:solidFill>
+                <a:latin typeface="Nunito Sans"/>
+                <a:ea typeface="Arial"/>
+              </a:rPr>
+              <a:t>  </a:t>
+            </a:r>
+            <a:r>
+              <a:rPr b="1" lang="pt-BR" sz="700" spc="-1" strike="noStrike">
+                <a:solidFill>
+                  <a:srgbClr val="434343"/>
+                </a:solidFill>
+                <a:latin typeface="Nunito Sans"/>
+                <a:ea typeface="Arial"/>
+              </a:rPr>
+              <a:t>-8.00%</a:t>
+            </a:r>
+            <a:endParaRPr b="0" lang="pt-BR" sz="700" spc="-1" strike="noStrike">
+              <a:solidFill>
+                <a:srgbClr val="000000"/>
+              </a:solidFill>
+              <a:latin typeface="Arial"/>
+            </a:endParaRPr>
+          </a:p>
+        </p:txBody>
+      </p:sp>
+      <p:sp>
+        <p:nvSpPr>
+          <p:cNvPr id="53" name="Google Shape;179;p3_0"/>
+          <p:cNvSpPr/>
+          <p:nvPr/>
+        </p:nvSpPr>
+        <p:spPr>
+          <a:xfrm>
+            <a:off x="3243960" y="290520"/>
+            <a:ext cx="2508840" cy="487440"/>
+          </a:xfrm>
+          <a:prstGeom prst="rect">
+            <a:avLst/>
+          </a:prstGeom>
+          <a:noFill/>
+          <a:ln w="0">
+            <a:noFill/>
+          </a:ln>
+        </p:spPr>
+        <p:style>
+          <a:lnRef idx="0"/>
+          <a:fillRef idx="0"/>
+          <a:effectRef idx="0"/>
+          <a:fontRef idx="minor"/>
+        </p:style>
+        <p:txBody>
+          <a:bodyPr lIns="90000" rIns="90000" tIns="91440" bIns="91440" anchor="t">
+            <a:noAutofit/>
+          </a:bodyPr>
           <a:p>
             <a:pPr algn="ctr">
               <a:lnSpc>
@@ -2057,56 +3042,34 @@
               </a:tabLst>
             </a:pPr>
             <a:r>
-              <a:rPr b="1" lang="pt-BR" sz="1000" spc="-1" strike="noStrike">
+              <a:rPr b="1" lang="pt-BR" sz="2200" spc="-1" strike="noStrike">
                 <a:solidFill>
                   <a:srgbClr val="434343"/>
                 </a:solidFill>
                 <a:latin typeface="Nunito Sans"/>
                 <a:ea typeface="Arial"/>
               </a:rPr>
-              <a:t>engajados</a:t>
-            </a:r>
-            <a:endParaRPr b="0" lang="pt-BR" sz="1000" spc="-1" strike="noStrike">
-              <a:latin typeface="Arial"/>
-            </a:endParaRPr>
-          </a:p>
-        </p:txBody>
-      </p:sp>
-      <p:pic>
-        <p:nvPicPr>
-          <p:cNvPr id="43" name="Google Shape;169;p3_0" descr=""/>
-          <p:cNvPicPr/>
-          <p:nvPr/>
-        </p:nvPicPr>
-        <p:blipFill>
-          <a:blip r:embed="rId3">
-            <a:alphaModFix amt="52000"/>
-          </a:blip>
-          <a:stretch/>
-        </p:blipFill>
-        <p:spPr>
-          <a:xfrm>
-            <a:off x="2643840" y="851760"/>
-            <a:ext cx="339480" cy="325080"/>
-          </a:xfrm>
-          <a:prstGeom prst="rect">
-            <a:avLst/>
-          </a:prstGeom>
-          <a:ln w="0">
-            <a:noFill/>
-          </a:ln>
-        </p:spPr>
-      </p:pic>
-      <p:sp>
-        <p:nvSpPr>
-          <p:cNvPr id="44" name="Google Shape;170;p3_0"/>
+              <a:t>OVERVIEW</a:t>
+            </a:r>
+            <a:endParaRPr b="0" lang="pt-BR" sz="2200" spc="-1" strike="noStrike">
+              <a:solidFill>
+                <a:srgbClr val="000000"/>
+              </a:solidFill>
+              <a:latin typeface="Arial"/>
+            </a:endParaRPr>
+          </a:p>
+        </p:txBody>
+      </p:sp>
+      <p:sp>
+        <p:nvSpPr>
+          <p:cNvPr id="54" name="Google Shape;197;p3_0"/>
           <p:cNvSpPr/>
           <p:nvPr/>
         </p:nvSpPr>
         <p:spPr>
           <a:xfrm>
-            <a:off x="4300200" y="1191600"/>
-            <a:ext cx="1296720" cy="508320"/>
+            <a:off x="6982200" y="1593720"/>
+            <a:ext cx="658440" cy="476280"/>
           </a:xfrm>
           <a:prstGeom prst="rect">
             <a:avLst/>
@@ -2123,7 +3086,90 @@
           <a:fontRef idx="minor"/>
         </p:style>
         <p:txBody>
-          <a:bodyPr lIns="90000" rIns="90000" tIns="91440" bIns="91440">
+          <a:bodyPr lIns="90000" rIns="90000" tIns="91440" bIns="91440" anchor="t">
+            <a:noAutofit/>
+          </a:bodyPr>
+          <a:p>
+            <a:pPr>
+              <a:lnSpc>
+                <a:spcPct val="115000"/>
+              </a:lnSpc>
+              <a:tabLst>
+                <a:tab algn="l" pos="0"/>
+              </a:tabLst>
+            </a:pPr>
+            <a:r>
+              <a:rPr b="1" lang="pt-BR" sz="1000" spc="-1" strike="noStrike">
+                <a:solidFill>
+                  <a:srgbClr val="434343"/>
+                </a:solidFill>
+                <a:latin typeface="Nunito Sans"/>
+                <a:ea typeface="Arial"/>
+              </a:rPr>
+              <a:t>90.00%</a:t>
+            </a:r>
+            <a:endParaRPr b="0" lang="pt-BR" sz="1000" spc="-1" strike="noStrike">
+              <a:solidFill>
+                <a:srgbClr val="000000"/>
+              </a:solidFill>
+              <a:latin typeface="Arial"/>
+            </a:endParaRPr>
+          </a:p>
+          <a:p>
+            <a:pPr algn="ctr">
+              <a:lnSpc>
+                <a:spcPct val="115000"/>
+              </a:lnSpc>
+              <a:tabLst>
+                <a:tab algn="l" pos="0"/>
+              </a:tabLst>
+            </a:pPr>
+            <a:r>
+              <a:rPr b="1" lang="pt-BR" sz="700" spc="-1" strike="noStrike">
+                <a:solidFill>
+                  <a:srgbClr val="434343"/>
+                </a:solidFill>
+                <a:latin typeface="Nunito Sans"/>
+                <a:ea typeface="Arial"/>
+              </a:rPr>
+              <a:t>2.70%</a:t>
+            </a:r>
+            <a:endParaRPr b="0" lang="pt-BR" sz="700" spc="-1" strike="noStrike">
+              <a:solidFill>
+                <a:srgbClr val="000000"/>
+              </a:solidFill>
+              <a:latin typeface="Arial"/>
+            </a:endParaRPr>
+          </a:p>
+        </p:txBody>
+      </p:sp>
+      <p:sp>
+        <p:nvSpPr>
+          <p:cNvPr id="55" name="Google Shape;198;p3_0"/>
+          <p:cNvSpPr/>
+          <p:nvPr/>
+        </p:nvSpPr>
+        <p:spPr>
+          <a:xfrm>
+            <a:off x="6391800" y="1190880"/>
+            <a:ext cx="1738800" cy="467280"/>
+          </a:xfrm>
+          <a:prstGeom prst="rect">
+            <a:avLst/>
+          </a:prstGeom>
+          <a:noFill/>
+          <a:ln w="0">
+            <a:noFill/>
+          </a:ln>
+        </p:spPr>
+        <p:style>
+          <a:lnRef idx="0"/>
+          <a:fillRef idx="0"/>
+          <a:effectRef idx="0"/>
+          <a:fontRef idx="minor"/>
+        </p:style>
+        <p:txBody>
+          <a:bodyPr lIns="90000" rIns="90000" tIns="91440" bIns="91440" anchor="t">
             <a:noAutofit/>
           </a:bodyPr>
           <a:p>
@@ -2143,19 +3189,12 @@
                 <a:latin typeface="Nunito Sans"/>
                 <a:ea typeface="Arial"/>
               </a:rPr>
-              <a:t> </a:t>
-            </a:r>
-            <a:r>
-              <a:rPr b="1" lang="pt-BR" sz="1000" spc="-1" strike="noStrike">
-                <a:solidFill>
-                  <a:srgbClr val="434343"/>
-                </a:solidFill>
-                <a:latin typeface="Nunito Sans"/>
-                <a:ea typeface="Arial"/>
-              </a:rPr>
-              <a:t>Mgs</a:t>
+              <a:t>Engagement</a:t>
             </a:r>
             <a:endParaRPr b="0" lang="pt-BR" sz="1000" spc="-1" strike="noStrike">
+              <a:solidFill>
+                <a:srgbClr val="000000"/>
+              </a:solidFill>
               <a:latin typeface="Arial"/>
             </a:endParaRPr>
           </a:p>
@@ -2176,9 +3215,12 @@
                 <a:latin typeface="Nunito Sans"/>
                 <a:ea typeface="Arial"/>
               </a:rPr>
-              <a:t>trafegadas</a:t>
+              <a:t>rate</a:t>
             </a:r>
             <a:endParaRPr b="0" lang="pt-BR" sz="1000" spc="-1" strike="noStrike">
+              <a:solidFill>
+                <a:srgbClr val="000000"/>
+              </a:solidFill>
               <a:latin typeface="Arial"/>
             </a:endParaRPr>
           </a:p>
@@ -2186,20 +3228,20 @@
       </p:sp>
       <p:pic>
         <p:nvPicPr>
-          <p:cNvPr id="45" name="Google Shape;171;p3_0" descr=""/>
+          <p:cNvPr id="56" name="Google Shape;199;p3_0" descr=""/>
           <p:cNvPicPr/>
           <p:nvPr/>
         </p:nvPicPr>
         <p:blipFill>
-          <a:blip r:embed="rId4">
+          <a:blip r:embed="rId6">
             <a:alphaModFix amt="52000"/>
           </a:blip>
           <a:stretch/>
         </p:blipFill>
         <p:spPr>
           <a:xfrm>
-            <a:off x="4790160" y="898560"/>
-            <a:ext cx="339480" cy="295200"/>
+            <a:off x="7130160" y="919800"/>
+            <a:ext cx="285480" cy="268200"/>
           </a:xfrm>
           <a:prstGeom prst="rect">
             <a:avLst/>
@@ -2211,14 +3253,14 @@
       </p:pic>
       <p:sp>
         <p:nvSpPr>
-          <p:cNvPr id="46" name="Google Shape;172;p3_0"/>
+          <p:cNvPr id="57" name="Google Shape;200;p3_0"/>
           <p:cNvSpPr/>
           <p:nvPr/>
         </p:nvSpPr>
         <p:spPr>
           <a:xfrm>
-            <a:off x="3356640" y="1523160"/>
-            <a:ext cx="920880" cy="405360"/>
+            <a:off x="7935480" y="1208520"/>
+            <a:ext cx="957600" cy="446760"/>
           </a:xfrm>
           <a:prstGeom prst="rect">
             <a:avLst/>
@@ -2235,9 +3277,92 @@
           <a:fontRef idx="minor"/>
         </p:style>
         <p:txBody>
-          <a:bodyPr lIns="90000" rIns="90000" tIns="91440" bIns="91440">
+          <a:bodyPr lIns="90000" rIns="90000" tIns="162720" bIns="162720" anchor="ctr">
             <a:noAutofit/>
           </a:bodyPr>
+          <a:p>
+            <a:pPr algn="ctr">
+              <a:lnSpc>
+                <a:spcPct val="100000"/>
+              </a:lnSpc>
+              <a:tabLst>
+                <a:tab algn="l" pos="0"/>
+              </a:tabLst>
+            </a:pPr>
+            <a:r>
+              <a:rPr b="1" lang="pt-BR" sz="1000" spc="-1" strike="noStrike">
+                <a:solidFill>
+                  <a:srgbClr val="434343"/>
+                </a:solidFill>
+                <a:latin typeface="Nunito Sans"/>
+                <a:ea typeface="Arial"/>
+              </a:rPr>
+              <a:t>Monthly return</a:t>
+            </a:r>
+            <a:endParaRPr b="0" lang="pt-BR" sz="1000" spc="-1" strike="noStrike">
+              <a:solidFill>
+                <a:srgbClr val="000000"/>
+              </a:solidFill>
+              <a:latin typeface="Arial"/>
+            </a:endParaRPr>
+          </a:p>
+        </p:txBody>
+      </p:sp>
+      <p:sp>
+        <p:nvSpPr>
+          <p:cNvPr id="58" name="Google Shape;201;p3_0"/>
+          <p:cNvSpPr/>
+          <p:nvPr/>
+        </p:nvSpPr>
+        <p:spPr>
+          <a:xfrm>
+            <a:off x="8079480" y="1613160"/>
+            <a:ext cx="669240" cy="515160"/>
+          </a:xfrm>
+          <a:prstGeom prst="rect">
+            <a:avLst/>
+          </a:prstGeom>
+          <a:noFill/>
+          <a:ln w="0">
+            <a:noFill/>
+          </a:ln>
+        </p:spPr>
+        <p:style>
+          <a:lnRef idx="0"/>
+          <a:fillRef idx="0"/>
+          <a:effectRef idx="0"/>
+          <a:fontRef idx="minor"/>
+        </p:style>
+        <p:txBody>
+          <a:bodyPr lIns="90000" rIns="90000" tIns="91440" bIns="91440" anchor="t">
+            <a:noAutofit/>
+          </a:bodyPr>
+          <a:p>
+            <a:pPr>
+              <a:lnSpc>
+                <a:spcPct val="115000"/>
+              </a:lnSpc>
+              <a:tabLst>
+                <a:tab algn="l" pos="0"/>
+              </a:tabLst>
+            </a:pPr>
+            <a:r>
+              <a:rPr b="1" lang="pt-BR" sz="1000" spc="-1" strike="noStrike">
+                <a:solidFill>
+                  <a:srgbClr val="434343"/>
+                </a:solidFill>
+                <a:latin typeface="Nunito Sans"/>
+                <a:ea typeface="Arial"/>
+              </a:rPr>
+              <a:t>80.00%</a:t>
+            </a:r>
+            <a:endParaRPr b="0" lang="pt-BR" sz="1000" spc="-1" strike="noStrike">
+              <a:solidFill>
+                <a:srgbClr val="000000"/>
+              </a:solidFill>
+              <a:latin typeface="Arial"/>
+            </a:endParaRPr>
+          </a:p>
           <a:p>
             <a:pPr algn="ctr">
               <a:lnSpc>
@@ -2248,19 +3373,78 @@
               </a:tabLst>
             </a:pPr>
             <a:r>
-              <a:rPr b="1" lang="pt-BR" sz="1000" spc="-1" strike="noStrike">
+              <a:rPr b="1" lang="pt-BR" sz="700" spc="-1" strike="noStrike">
                 <a:solidFill>
                   <a:srgbClr val="434343"/>
                 </a:solidFill>
                 <a:latin typeface="Nunito Sans"/>
                 <a:ea typeface="Arial"/>
               </a:rPr>
-              <a:t>1.150</a:t>
-            </a:r>
-            <a:endParaRPr b="0" lang="pt-BR" sz="1000" spc="-1" strike="noStrike">
-              <a:latin typeface="Arial"/>
-            </a:endParaRPr>
-          </a:p>
+              <a:t>0.90%</a:t>
+            </a:r>
+            <a:endParaRPr b="0" lang="pt-BR" sz="700" spc="-1" strike="noStrike">
+              <a:solidFill>
+                <a:srgbClr val="000000"/>
+              </a:solidFill>
+              <a:latin typeface="Arial"/>
+            </a:endParaRPr>
+          </a:p>
+        </p:txBody>
+      </p:sp>
+      <p:pic>
+        <p:nvPicPr>
+          <p:cNvPr id="59" name="Google Shape;202;p3_0" descr=""/>
+          <p:cNvPicPr/>
+          <p:nvPr/>
+        </p:nvPicPr>
+        <p:blipFill>
+          <a:blip r:embed="rId7">
+            <a:alphaModFix amt="52000"/>
+          </a:blip>
+          <a:stretch/>
+        </p:blipFill>
+        <p:spPr>
+          <a:xfrm flipH="1" rot="10800000">
+            <a:off x="8265240" y="911880"/>
+            <a:ext cx="271080" cy="256680"/>
+          </a:xfrm>
+          <a:prstGeom prst="rect">
+            <a:avLst/>
+          </a:prstGeom>
+          <a:ln w="0">
+            <a:noFill/>
+          </a:ln>
+        </p:spPr>
+      </p:pic>
+      <p:sp>
+        <p:nvSpPr>
+          <p:cNvPr id="60" name="Google Shape;204;p3_0"/>
+          <p:cNvSpPr/>
+          <p:nvPr/>
+        </p:nvSpPr>
+        <p:spPr>
+          <a:xfrm>
+            <a:off x="264960" y="1541880"/>
+            <a:ext cx="861840" cy="301680"/>
+          </a:xfrm>
+          <a:prstGeom prst="rect">
+            <a:avLst/>
+          </a:prstGeom>
+          <a:noFill/>
+          <a:ln w="0">
+            <a:noFill/>
+          </a:ln>
+        </p:spPr>
+        <p:style>
+          <a:lnRef idx="0"/>
+          <a:fillRef idx="0"/>
+          <a:effectRef idx="0"/>
+          <a:fontRef idx="minor"/>
+        </p:style>
+        <p:txBody>
+          <a:bodyPr lIns="90000" rIns="90000" tIns="150840" bIns="150840" anchor="t">
+            <a:noAutofit/>
+          </a:bodyPr>
           <a:p>
             <a:pPr algn="ctr">
               <a:lnSpc>
@@ -2271,41 +3455,34 @@
               </a:tabLst>
             </a:pPr>
             <a:r>
-              <a:rPr b="1" lang="pt-BR" sz="700" spc="-1" strike="noStrike">
+              <a:rPr b="1" lang="pt-BR" sz="1000" spc="-1" strike="noStrike">
                 <a:solidFill>
                   <a:srgbClr val="434343"/>
                 </a:solidFill>
                 <a:latin typeface="Nunito Sans"/>
                 <a:ea typeface="Arial"/>
               </a:rPr>
-              <a:t>     </a:t>
-            </a:r>
-            <a:r>
-              <a:rPr b="1" lang="pt-BR" sz="700" spc="-1" strike="noStrike">
-                <a:solidFill>
-                  <a:srgbClr val="434343"/>
-                </a:solidFill>
-                <a:latin typeface="Nunito Sans"/>
-                <a:ea typeface="Arial"/>
-              </a:rPr>
-              <a:t>3,50%</a:t>
-            </a:r>
-            <a:endParaRPr b="0" lang="pt-BR" sz="700" spc="-1" strike="noStrike">
-              <a:latin typeface="Arial"/>
-            </a:endParaRPr>
-          </a:p>
-        </p:txBody>
-      </p:sp>
-      <p:sp>
-        <p:nvSpPr>
-          <p:cNvPr id="47" name="Google Shape;173;p3_0"/>
+              <a:t>30,000</a:t>
+            </a:r>
+            <a:endParaRPr b="0" lang="pt-BR" sz="1000" spc="-1" strike="noStrike">
+              <a:solidFill>
+                <a:srgbClr val="000000"/>
+              </a:solidFill>
+              <a:latin typeface="Arial"/>
+            </a:endParaRPr>
+          </a:p>
+        </p:txBody>
+      </p:sp>
+      <p:sp>
+        <p:nvSpPr>
+          <p:cNvPr id="61" name="Google Shape;205;p3_0"/>
           <p:cNvSpPr/>
           <p:nvPr/>
         </p:nvSpPr>
         <p:spPr>
           <a:xfrm>
-            <a:off x="4312080" y="1525680"/>
-            <a:ext cx="1296720" cy="405360"/>
+            <a:off x="496800" y="1756080"/>
+            <a:ext cx="543600" cy="257040"/>
           </a:xfrm>
           <a:prstGeom prst="rect">
             <a:avLst/>
@@ -2322,62 +3499,32 @@
           <a:fontRef idx="minor"/>
         </p:style>
         <p:txBody>
-          <a:bodyPr lIns="90000" rIns="90000" tIns="91440" bIns="91440">
+          <a:bodyPr lIns="90000" rIns="90000" tIns="128520" bIns="128520" anchor="t">
             <a:noAutofit/>
           </a:bodyPr>
           <a:p>
-            <a:pPr algn="ctr">
+            <a:pPr>
               <a:lnSpc>
-                <a:spcPct val="115000"/>
+                <a:spcPct val="100000"/>
               </a:lnSpc>
               <a:tabLst>
                 <a:tab algn="l" pos="0"/>
               </a:tabLst>
             </a:pPr>
             <a:r>
-              <a:rPr b="1" lang="pt-BR" sz="1000" spc="-1" strike="noStrike">
+              <a:rPr b="1" lang="pt-BR" sz="700" spc="-1" strike="noStrike">
                 <a:solidFill>
                   <a:srgbClr val="434343"/>
                 </a:solidFill>
                 <a:latin typeface="Nunito Sans"/>
                 <a:ea typeface="Arial"/>
               </a:rPr>
-              <a:t>100.000</a:t>
-            </a:r>
-            <a:endParaRPr b="0" lang="pt-BR" sz="1000" spc="-1" strike="noStrike">
-              <a:latin typeface="Arial"/>
-            </a:endParaRPr>
-          </a:p>
-          <a:p>
-            <a:pPr algn="ctr">
-              <a:lnSpc>
-                <a:spcPct val="115000"/>
-              </a:lnSpc>
-              <a:tabLst>
-                <a:tab algn="l" pos="0"/>
-              </a:tabLst>
-            </a:pPr>
-            <a:r>
-              <a:rPr b="1" lang="pt-BR" sz="700" spc="-1" strike="noStrike">
-                <a:solidFill>
-                  <a:srgbClr val="434343"/>
-                </a:solidFill>
-                <a:latin typeface="Nunito Sans"/>
-                <a:ea typeface="Arial"/>
-              </a:rPr>
-              <a:t>     </a:t>
-            </a:r>
-            <a:r>
-              <a:rPr b="1" lang="pt-BR" sz="700" spc="-1" strike="noStrike">
-                <a:solidFill>
-                  <a:srgbClr val="434343"/>
-                </a:solidFill>
-                <a:latin typeface="Nunito Sans"/>
-                <a:ea typeface="Arial"/>
-              </a:rPr>
-              <a:t>4,00%</a:t>
+              <a:t>12.00%</a:t>
             </a:r>
             <a:endParaRPr b="0" lang="pt-BR" sz="700" spc="-1" strike="noStrike">
+              <a:solidFill>
+                <a:srgbClr val="000000"/>
+              </a:solidFill>
               <a:latin typeface="Arial"/>
             </a:endParaRPr>
           </a:p>
@@ -2385,20 +3532,43 @@
       </p:sp>
       <p:pic>
         <p:nvPicPr>
-          <p:cNvPr id="48" name="Google Shape;174;p3_0" descr=""/>
+          <p:cNvPr id="62" name="Google Shape;206;p3_0" descr=""/>
           <p:cNvPicPr/>
           <p:nvPr/>
         </p:nvPicPr>
         <p:blipFill>
-          <a:blip r:embed="rId5">
-            <a:alphaModFix amt="52000"/>
+          <a:blip r:embed="rId8"/>
+          <a:stretch/>
+        </p:blipFill>
+        <p:spPr>
+          <a:xfrm>
+            <a:off x="478080" y="811440"/>
+            <a:ext cx="447480" cy="447840"/>
+          </a:xfrm>
+          <a:prstGeom prst="rect">
+            <a:avLst/>
+          </a:prstGeom>
+          <a:ln w="0">
+            <a:noFill/>
+          </a:ln>
+        </p:spPr>
+      </p:pic>
+      <p:pic>
+        <p:nvPicPr>
+          <p:cNvPr id="63" name="Google Shape;207;p3_0" descr=""/>
+          <p:cNvPicPr/>
+          <p:nvPr/>
+        </p:nvPicPr>
+        <p:blipFill>
+          <a:blip r:embed="rId9">
+            <a:alphaModFix amt="60000"/>
           </a:blip>
           <a:stretch/>
         </p:blipFill>
         <p:spPr>
           <a:xfrm>
-            <a:off x="5986080" y="927360"/>
-            <a:ext cx="286920" cy="255240"/>
+            <a:off x="1439280" y="1907280"/>
+            <a:ext cx="84240" cy="84600"/>
           </a:xfrm>
           <a:prstGeom prst="rect">
             <a:avLst/>
@@ -2408,16 +3578,191 @@
           </a:ln>
         </p:spPr>
       </p:pic>
-      <p:sp>
-        <p:nvSpPr>
-          <p:cNvPr id="49" name="Google Shape;175;p3_0"/>
+      <p:pic>
+        <p:nvPicPr>
+          <p:cNvPr id="64" name="Google Shape;208;p3_0" descr=""/>
+          <p:cNvPicPr/>
+          <p:nvPr/>
+        </p:nvPicPr>
+        <p:blipFill>
+          <a:blip r:embed="rId10">
+            <a:alphaModFix amt="60000"/>
+          </a:blip>
+          <a:stretch/>
+        </p:blipFill>
+        <p:spPr>
+          <a:xfrm>
+            <a:off x="2508840" y="1891080"/>
+            <a:ext cx="84240" cy="84600"/>
+          </a:xfrm>
+          <a:prstGeom prst="rect">
+            <a:avLst/>
+          </a:prstGeom>
+          <a:ln w="0">
+            <a:noFill/>
+          </a:ln>
+        </p:spPr>
+      </p:pic>
+      <p:pic>
+        <p:nvPicPr>
+          <p:cNvPr id="65" name="Google Shape;221;p3_0" descr=""/>
+          <p:cNvPicPr/>
+          <p:nvPr/>
+        </p:nvPicPr>
+        <p:blipFill>
+          <a:blip r:embed="rId11">
+            <a:alphaModFix amt="60000"/>
+          </a:blip>
+          <a:stretch/>
+        </p:blipFill>
+        <p:spPr>
+          <a:xfrm>
+            <a:off x="3597120" y="1905120"/>
+            <a:ext cx="88560" cy="84600"/>
+          </a:xfrm>
+          <a:prstGeom prst="rect">
+            <a:avLst/>
+          </a:prstGeom>
+          <a:ln w="0">
+            <a:noFill/>
+          </a:ln>
+        </p:spPr>
+      </p:pic>
+      <p:pic>
+        <p:nvPicPr>
+          <p:cNvPr id="66" name="Google Shape;222;p3_0" descr=""/>
+          <p:cNvPicPr/>
+          <p:nvPr/>
+        </p:nvPicPr>
+        <p:blipFill>
+          <a:blip r:embed="rId12">
+            <a:alphaModFix amt="60000"/>
+          </a:blip>
+          <a:stretch/>
+        </p:blipFill>
+        <p:spPr>
+          <a:xfrm>
+            <a:off x="5893560" y="1888200"/>
+            <a:ext cx="84240" cy="84600"/>
+          </a:xfrm>
+          <a:prstGeom prst="rect">
+            <a:avLst/>
+          </a:prstGeom>
+          <a:ln w="0">
+            <a:noFill/>
+          </a:ln>
+        </p:spPr>
+      </p:pic>
+      <p:pic>
+        <p:nvPicPr>
+          <p:cNvPr id="67" name="Google Shape;223;p3_0" descr=""/>
+          <p:cNvPicPr/>
+          <p:nvPr/>
+        </p:nvPicPr>
+        <p:blipFill>
+          <a:blip r:embed="rId13">
+            <a:alphaModFix amt="60000"/>
+          </a:blip>
+          <a:stretch/>
+        </p:blipFill>
+        <p:spPr>
+          <a:xfrm>
+            <a:off x="445680" y="1891440"/>
+            <a:ext cx="88560" cy="84600"/>
+          </a:xfrm>
+          <a:prstGeom prst="rect">
+            <a:avLst/>
+          </a:prstGeom>
+          <a:ln w="0">
+            <a:noFill/>
+          </a:ln>
+        </p:spPr>
+      </p:pic>
+      <p:pic>
+        <p:nvPicPr>
+          <p:cNvPr id="68" name="Google Shape;224;p3_0" descr=""/>
+          <p:cNvPicPr/>
+          <p:nvPr/>
+        </p:nvPicPr>
+        <p:blipFill>
+          <a:blip r:embed="rId14">
+            <a:alphaModFix amt="60000"/>
+          </a:blip>
+          <a:stretch/>
+        </p:blipFill>
+        <p:spPr>
+          <a:xfrm>
+            <a:off x="4745520" y="1873080"/>
+            <a:ext cx="88560" cy="84600"/>
+          </a:xfrm>
+          <a:prstGeom prst="rect">
+            <a:avLst/>
+          </a:prstGeom>
+          <a:ln w="0">
+            <a:noFill/>
+          </a:ln>
+        </p:spPr>
+      </p:pic>
+      <p:pic>
+        <p:nvPicPr>
+          <p:cNvPr id="69" name="Google Shape;225;p3_0" descr=""/>
+          <p:cNvPicPr/>
+          <p:nvPr/>
+        </p:nvPicPr>
+        <p:blipFill>
+          <a:blip r:embed="rId15">
+            <a:alphaModFix amt="60000"/>
+          </a:blip>
+          <a:stretch/>
+        </p:blipFill>
+        <p:spPr>
+          <a:xfrm>
+            <a:off x="8151120" y="1900080"/>
+            <a:ext cx="88560" cy="84600"/>
+          </a:xfrm>
+          <a:prstGeom prst="rect">
+            <a:avLst/>
+          </a:prstGeom>
+          <a:ln w="0">
+            <a:noFill/>
+          </a:ln>
+        </p:spPr>
+      </p:pic>
+      <p:pic>
+        <p:nvPicPr>
+          <p:cNvPr id="70" name="Google Shape;226;p3_0" descr=""/>
+          <p:cNvPicPr/>
+          <p:nvPr/>
+        </p:nvPicPr>
+        <p:blipFill>
+          <a:blip r:embed="rId16">
+            <a:alphaModFix amt="60000"/>
+          </a:blip>
+          <a:stretch/>
+        </p:blipFill>
+        <p:spPr>
+          <a:xfrm>
+            <a:off x="7020000" y="1872360"/>
+            <a:ext cx="88560" cy="84600"/>
+          </a:xfrm>
+          <a:prstGeom prst="rect">
+            <a:avLst/>
+          </a:prstGeom>
+          <a:ln w="0">
+            <a:noFill/>
+          </a:ln>
+        </p:spPr>
+      </p:pic>
+      <p:sp>
+        <p:nvSpPr>
+          <p:cNvPr id="71" name="Google Shape;166;p3_1"/>
           <p:cNvSpPr/>
           <p:nvPr/>
         </p:nvSpPr>
         <p:spPr>
           <a:xfrm>
-            <a:off x="5658840" y="1190880"/>
-            <a:ext cx="958680" cy="380520"/>
+            <a:off x="286920" y="1260000"/>
+            <a:ext cx="839880" cy="447840"/>
           </a:xfrm>
           <a:prstGeom prst="rect">
             <a:avLst/>
@@ -2434,7 +3779,7 @@
           <a:fontRef idx="minor"/>
         </p:style>
         <p:txBody>
-          <a:bodyPr lIns="90000" rIns="90000" tIns="91440" bIns="91440">
+          <a:bodyPr lIns="90000" rIns="90000" tIns="91440" bIns="91440" anchor="t">
             <a:noAutofit/>
           </a:bodyPr>
           <a:p>
@@ -2454,24 +3799,27 @@
                 <a:latin typeface="Nunito Sans"/>
                 <a:ea typeface="Arial"/>
               </a:rPr>
-              <a:t>Recorrência</a:t>
+              <a:t>Visits</a:t>
             </a:r>
             <a:endParaRPr b="0" lang="pt-BR" sz="1000" spc="-1" strike="noStrike">
-              <a:latin typeface="Arial"/>
-            </a:endParaRPr>
-          </a:p>
-        </p:txBody>
-      </p:sp>
-      <p:sp>
-        <p:nvSpPr>
-          <p:cNvPr id="50" name="Google Shape;176;p3_0"/>
+              <a:solidFill>
+                <a:srgbClr val="000000"/>
+              </a:solidFill>
+              <a:latin typeface="Arial"/>
+            </a:endParaRPr>
+          </a:p>
+        </p:txBody>
+      </p:sp>
+      <p:sp>
+        <p:nvSpPr>
+          <p:cNvPr id="72" name="Google Shape;181;p3_1"/>
           <p:cNvSpPr/>
           <p:nvPr/>
         </p:nvSpPr>
         <p:spPr>
           <a:xfrm>
-            <a:off x="2282760" y="1523880"/>
-            <a:ext cx="920880" cy="448920"/>
+            <a:off x="5040000" y="4528440"/>
+            <a:ext cx="1148040" cy="345960"/>
           </a:xfrm>
           <a:prstGeom prst="rect">
             <a:avLst/>
@@ -2488,268 +3836,7 @@
           <a:fontRef idx="minor"/>
         </p:style>
         <p:txBody>
-          <a:bodyPr lIns="90000" rIns="90000" tIns="91440" bIns="91440">
-            <a:noAutofit/>
-          </a:bodyPr>
-          <a:p>
-            <a:pPr algn="ctr">
-              <a:lnSpc>
-                <a:spcPct val="115000"/>
-              </a:lnSpc>
-              <a:tabLst>
-                <a:tab algn="l" pos="0"/>
-              </a:tabLst>
-            </a:pPr>
-            <a:r>
-              <a:rPr b="1" lang="pt-BR" sz="1000" spc="-1" strike="noStrike">
-                <a:solidFill>
-                  <a:srgbClr val="434343"/>
-                </a:solidFill>
-                <a:latin typeface="Nunito Sans"/>
-                <a:ea typeface="Arial"/>
-              </a:rPr>
-              <a:t>22.190</a:t>
-            </a:r>
-            <a:endParaRPr b="0" lang="pt-BR" sz="1000" spc="-1" strike="noStrike">
-              <a:latin typeface="Arial"/>
-            </a:endParaRPr>
-          </a:p>
-          <a:p>
-            <a:pPr algn="ctr">
-              <a:lnSpc>
-                <a:spcPct val="115000"/>
-              </a:lnSpc>
-              <a:tabLst>
-                <a:tab algn="l" pos="0"/>
-              </a:tabLst>
-            </a:pPr>
-            <a:r>
-              <a:rPr b="1" lang="pt-BR" sz="700" spc="-1" strike="noStrike">
-                <a:solidFill>
-                  <a:srgbClr val="434343"/>
-                </a:solidFill>
-                <a:latin typeface="Nunito Sans"/>
-                <a:ea typeface="Arial"/>
-              </a:rPr>
-              <a:t>    </a:t>
-            </a:r>
-            <a:r>
-              <a:rPr b="1" lang="pt-BR" sz="700" spc="-1" strike="noStrike">
-                <a:solidFill>
-                  <a:srgbClr val="434343"/>
-                </a:solidFill>
-                <a:latin typeface="Nunito Sans"/>
-                <a:ea typeface="Arial"/>
-              </a:rPr>
-              <a:t>-2,20%</a:t>
-            </a:r>
-            <a:endParaRPr b="0" lang="pt-BR" sz="700" spc="-1" strike="noStrike">
-              <a:latin typeface="Arial"/>
-            </a:endParaRPr>
-          </a:p>
-        </p:txBody>
-      </p:sp>
-      <p:sp>
-        <p:nvSpPr>
-          <p:cNvPr id="51" name="Google Shape;177;p3_0"/>
-          <p:cNvSpPr/>
-          <p:nvPr/>
-        </p:nvSpPr>
-        <p:spPr>
-          <a:xfrm>
-            <a:off x="1327320" y="1532160"/>
-            <a:ext cx="711360" cy="448920"/>
-          </a:xfrm>
-          <a:prstGeom prst="rect">
-            <a:avLst/>
-          </a:prstGeom>
-          <a:noFill/>
-          <a:ln w="0">
-            <a:noFill/>
-          </a:ln>
-        </p:spPr>
-        <p:style>
-          <a:lnRef idx="0"/>
-          <a:fillRef idx="0"/>
-          <a:effectRef idx="0"/>
-          <a:fontRef idx="minor"/>
-        </p:style>
-        <p:txBody>
-          <a:bodyPr lIns="90000" rIns="90000" tIns="91440" bIns="91440">
-            <a:noAutofit/>
-          </a:bodyPr>
-          <a:p>
-            <a:pPr>
-              <a:lnSpc>
-                <a:spcPct val="115000"/>
-              </a:lnSpc>
-              <a:tabLst>
-                <a:tab algn="l" pos="0"/>
-              </a:tabLst>
-            </a:pPr>
-            <a:r>
-              <a:rPr b="1" lang="pt-BR" sz="1000" spc="-1" strike="noStrike">
-                <a:solidFill>
-                  <a:srgbClr val="434343"/>
-                </a:solidFill>
-                <a:latin typeface="Nunito Sans"/>
-                <a:ea typeface="Arial"/>
-              </a:rPr>
-              <a:t>25.670</a:t>
-            </a:r>
-            <a:endParaRPr b="0" lang="pt-BR" sz="1000" spc="-1" strike="noStrike">
-              <a:latin typeface="Arial"/>
-            </a:endParaRPr>
-          </a:p>
-          <a:p>
-            <a:pPr algn="ctr">
-              <a:lnSpc>
-                <a:spcPct val="115000"/>
-              </a:lnSpc>
-              <a:tabLst>
-                <a:tab algn="l" pos="0"/>
-              </a:tabLst>
-            </a:pPr>
-            <a:r>
-              <a:rPr b="1" lang="pt-BR" sz="700" spc="-1" strike="noStrike">
-                <a:solidFill>
-                  <a:srgbClr val="434343"/>
-                </a:solidFill>
-                <a:latin typeface="Nunito Sans"/>
-                <a:ea typeface="Arial"/>
-              </a:rPr>
-              <a:t>   </a:t>
-            </a:r>
-            <a:r>
-              <a:rPr b="1" lang="pt-BR" sz="700" spc="-1" strike="noStrike">
-                <a:solidFill>
-                  <a:srgbClr val="434343"/>
-                </a:solidFill>
-                <a:latin typeface="Nunito Sans"/>
-                <a:ea typeface="Arial"/>
-              </a:rPr>
-              <a:t>-4,40%</a:t>
-            </a:r>
-            <a:endParaRPr b="0" lang="pt-BR" sz="700" spc="-1" strike="noStrike">
-              <a:latin typeface="Arial"/>
-            </a:endParaRPr>
-          </a:p>
-        </p:txBody>
-      </p:sp>
-      <p:sp>
-        <p:nvSpPr>
-          <p:cNvPr id="52" name="Google Shape;178;p3_0"/>
-          <p:cNvSpPr/>
-          <p:nvPr/>
-        </p:nvSpPr>
-        <p:spPr>
-          <a:xfrm>
-            <a:off x="5726160" y="1526400"/>
-            <a:ext cx="840960" cy="405360"/>
-          </a:xfrm>
-          <a:prstGeom prst="rect">
-            <a:avLst/>
-          </a:prstGeom>
-          <a:noFill/>
-          <a:ln w="0">
-            <a:noFill/>
-          </a:ln>
-        </p:spPr>
-        <p:style>
-          <a:lnRef idx="0"/>
-          <a:fillRef idx="0"/>
-          <a:effectRef idx="0"/>
-          <a:fontRef idx="minor"/>
-        </p:style>
-        <p:txBody>
-          <a:bodyPr lIns="90000" rIns="90000" tIns="91440" bIns="91440">
-            <a:noAutofit/>
-          </a:bodyPr>
-          <a:p>
-            <a:pPr algn="ctr">
-              <a:lnSpc>
-                <a:spcPct val="115000"/>
-              </a:lnSpc>
-              <a:tabLst>
-                <a:tab algn="l" pos="0"/>
-              </a:tabLst>
-            </a:pPr>
-            <a:r>
-              <a:rPr b="1" lang="pt-BR" sz="1000" spc="-1" strike="noStrike">
-                <a:solidFill>
-                  <a:srgbClr val="434343"/>
-                </a:solidFill>
-                <a:latin typeface="Nunito Sans"/>
-                <a:ea typeface="Arial"/>
-              </a:rPr>
-              <a:t>60,00%</a:t>
-            </a:r>
-            <a:endParaRPr b="0" lang="pt-BR" sz="1000" spc="-1" strike="noStrike">
-              <a:latin typeface="Arial"/>
-            </a:endParaRPr>
-          </a:p>
-          <a:p>
-            <a:pPr algn="ctr">
-              <a:lnSpc>
-                <a:spcPct val="115000"/>
-              </a:lnSpc>
-              <a:tabLst>
-                <a:tab algn="l" pos="0"/>
-              </a:tabLst>
-            </a:pPr>
-            <a:r>
-              <a:rPr b="1" lang="pt-BR" sz="700" spc="-1" strike="noStrike">
-                <a:solidFill>
-                  <a:srgbClr val="434343"/>
-                </a:solidFill>
-                <a:latin typeface="Nunito Sans"/>
-                <a:ea typeface="Arial"/>
-              </a:rPr>
-              <a:t>  </a:t>
-            </a:r>
-            <a:r>
-              <a:rPr b="1" lang="pt-BR" sz="700" spc="-1" strike="noStrike">
-                <a:solidFill>
-                  <a:srgbClr val="434343"/>
-                </a:solidFill>
-                <a:latin typeface="Nunito Sans"/>
-                <a:ea typeface="Arial"/>
-              </a:rPr>
-              <a:t>-8,00%</a:t>
-            </a:r>
-            <a:endParaRPr b="0" lang="pt-BR" sz="700" spc="-1" strike="noStrike">
-              <a:latin typeface="Arial"/>
-            </a:endParaRPr>
-          </a:p>
-        </p:txBody>
-      </p:sp>
-      <p:sp>
-        <p:nvSpPr>
-          <p:cNvPr id="53" name="Google Shape;179;p3_0"/>
-          <p:cNvSpPr/>
-          <p:nvPr/>
-        </p:nvSpPr>
-        <p:spPr>
-          <a:xfrm>
-            <a:off x="3243960" y="290520"/>
-            <a:ext cx="2509920" cy="488520"/>
-          </a:xfrm>
-          <a:prstGeom prst="rect">
-            <a:avLst/>
-          </a:prstGeom>
-          <a:noFill/>
-          <a:ln w="0">
-            <a:noFill/>
-          </a:ln>
-        </p:spPr>
-        <p:style>
-          <a:lnRef idx="0"/>
-          <a:fillRef idx="0"/>
-          <a:effectRef idx="0"/>
-          <a:fontRef idx="minor"/>
-        </p:style>
-        <p:txBody>
-          <a:bodyPr lIns="90000" rIns="90000" tIns="91440" bIns="91440">
+          <a:bodyPr lIns="90000" rIns="90000" tIns="173160" bIns="173160" anchor="t">
             <a:noAutofit/>
           </a:bodyPr>
           <a:p>
@@ -2762,31 +3849,34 @@
               </a:tabLst>
             </a:pPr>
             <a:r>
-              <a:rPr b="1" lang="pt-BR" sz="2200" spc="-1" strike="noStrike">
-                <a:solidFill>
-                  <a:srgbClr val="434343"/>
+              <a:rPr b="1" lang="pt-BR" sz="1300" spc="-1" strike="noStrike">
+                <a:solidFill>
+                  <a:srgbClr val="252423"/>
                 </a:solidFill>
                 <a:latin typeface="Nunito Sans"/>
                 <a:ea typeface="Arial"/>
               </a:rPr>
-              <a:t>OVERVIEW</a:t>
-            </a:r>
-            <a:endParaRPr b="0" lang="pt-BR" sz="2200" spc="-1" strike="noStrike">
-              <a:latin typeface="Arial"/>
-            </a:endParaRPr>
-          </a:p>
-        </p:txBody>
-      </p:sp>
-      <p:sp>
-        <p:nvSpPr>
-          <p:cNvPr id="54" name="Google Shape;197;p3_0"/>
+              <a:t>0.15%</a:t>
+            </a:r>
+            <a:endParaRPr b="0" lang="pt-BR" sz="1300" spc="-1" strike="noStrike">
+              <a:solidFill>
+                <a:srgbClr val="000000"/>
+              </a:solidFill>
+              <a:latin typeface="Arial"/>
+            </a:endParaRPr>
+          </a:p>
+        </p:txBody>
+      </p:sp>
+      <p:sp>
+        <p:nvSpPr>
+          <p:cNvPr id="73" name="Google Shape;182;p3_1"/>
           <p:cNvSpPr/>
           <p:nvPr/>
         </p:nvSpPr>
         <p:spPr>
           <a:xfrm>
-            <a:off x="6982200" y="1521720"/>
-            <a:ext cx="659520" cy="477360"/>
+            <a:off x="1082520" y="4528440"/>
+            <a:ext cx="5022360" cy="379440"/>
           </a:xfrm>
           <a:prstGeom prst="rect">
             <a:avLst/>
@@ -2803,186 +3893,7 @@
           <a:fontRef idx="minor"/>
         </p:style>
         <p:txBody>
-          <a:bodyPr lIns="90000" rIns="90000" tIns="91440" bIns="91440">
-            <a:noAutofit/>
-          </a:bodyPr>
-          <a:p>
-            <a:pPr>
-              <a:lnSpc>
-                <a:spcPct val="115000"/>
-              </a:lnSpc>
-              <a:tabLst>
-                <a:tab algn="l" pos="0"/>
-              </a:tabLst>
-            </a:pPr>
-            <a:r>
-              <a:rPr b="1" lang="pt-BR" sz="1000" spc="-1" strike="noStrike">
-                <a:solidFill>
-                  <a:srgbClr val="434343"/>
-                </a:solidFill>
-                <a:latin typeface="Nunito Sans"/>
-                <a:ea typeface="Arial"/>
-              </a:rPr>
-              <a:t>90,00%</a:t>
-            </a:r>
-            <a:endParaRPr b="0" lang="pt-BR" sz="1000" spc="-1" strike="noStrike">
-              <a:latin typeface="Arial"/>
-            </a:endParaRPr>
-          </a:p>
-          <a:p>
-            <a:pPr algn="ctr">
-              <a:lnSpc>
-                <a:spcPct val="115000"/>
-              </a:lnSpc>
-              <a:tabLst>
-                <a:tab algn="l" pos="0"/>
-              </a:tabLst>
-            </a:pPr>
-            <a:r>
-              <a:rPr b="1" lang="pt-BR" sz="700" spc="-1" strike="noStrike">
-                <a:solidFill>
-                  <a:srgbClr val="434343"/>
-                </a:solidFill>
-                <a:latin typeface="Nunito Sans"/>
-                <a:ea typeface="Arial"/>
-              </a:rPr>
-              <a:t>2,70%</a:t>
-            </a:r>
-            <a:endParaRPr b="0" lang="pt-BR" sz="700" spc="-1" strike="noStrike">
-              <a:latin typeface="Arial"/>
-            </a:endParaRPr>
-          </a:p>
-        </p:txBody>
-      </p:sp>
-      <p:sp>
-        <p:nvSpPr>
-          <p:cNvPr id="55" name="Google Shape;198;p3_0"/>
-          <p:cNvSpPr/>
-          <p:nvPr/>
-        </p:nvSpPr>
-        <p:spPr>
-          <a:xfrm>
-            <a:off x="6391800" y="1190880"/>
-            <a:ext cx="1739880" cy="468360"/>
-          </a:xfrm>
-          <a:prstGeom prst="rect">
-            <a:avLst/>
-          </a:prstGeom>
-          <a:noFill/>
-          <a:ln w="0">
-            <a:noFill/>
-          </a:ln>
-        </p:spPr>
-        <p:style>
-          <a:lnRef idx="0"/>
-          <a:fillRef idx="0"/>
-          <a:effectRef idx="0"/>
-          <a:fontRef idx="minor"/>
-        </p:style>
-        <p:txBody>
-          <a:bodyPr lIns="90000" rIns="90000" tIns="91440" bIns="91440">
-            <a:noAutofit/>
-          </a:bodyPr>
-          <a:p>
-            <a:pPr algn="ctr">
-              <a:lnSpc>
-                <a:spcPct val="100000"/>
-              </a:lnSpc>
-              <a:tabLst>
-                <a:tab algn="l" pos="0"/>
-              </a:tabLst>
-            </a:pPr>
-            <a:r>
-              <a:rPr b="1" lang="pt-BR" sz="1000" spc="-1" strike="noStrike">
-                <a:solidFill>
-                  <a:srgbClr val="434343"/>
-                </a:solidFill>
-                <a:latin typeface="Nunito Sans"/>
-                <a:ea typeface="Arial"/>
-              </a:rPr>
-              <a:t>Taxa de</a:t>
-            </a:r>
-            <a:endParaRPr b="0" lang="pt-BR" sz="1000" spc="-1" strike="noStrike">
-              <a:latin typeface="Arial"/>
-            </a:endParaRPr>
-          </a:p>
-          <a:p>
-            <a:pPr algn="ctr">
-              <a:lnSpc>
-                <a:spcPct val="100000"/>
-              </a:lnSpc>
-              <a:tabLst>
-                <a:tab algn="l" pos="0"/>
-              </a:tabLst>
-            </a:pPr>
-            <a:r>
-              <a:rPr b="1" lang="pt-BR" sz="1000" spc="-1" strike="noStrike">
-                <a:solidFill>
-                  <a:srgbClr val="434343"/>
-                </a:solidFill>
-                <a:latin typeface="Nunito Sans"/>
-                <a:ea typeface="Arial"/>
-              </a:rPr>
-              <a:t>engajamento</a:t>
-            </a:r>
-            <a:endParaRPr b="0" lang="pt-BR" sz="1000" spc="-1" strike="noStrike">
-              <a:latin typeface="Arial"/>
-            </a:endParaRPr>
-          </a:p>
-        </p:txBody>
-      </p:sp>
-      <p:pic>
-        <p:nvPicPr>
-          <p:cNvPr id="56" name="Google Shape;199;p3_0" descr=""/>
-          <p:cNvPicPr/>
-          <p:nvPr/>
-        </p:nvPicPr>
-        <p:blipFill>
-          <a:blip r:embed="rId6">
-            <a:alphaModFix amt="52000"/>
-          </a:blip>
-          <a:stretch/>
-        </p:blipFill>
-        <p:spPr>
-          <a:xfrm>
-            <a:off x="7130160" y="919800"/>
-            <a:ext cx="286560" cy="269280"/>
-          </a:xfrm>
-          <a:prstGeom prst="rect">
-            <a:avLst/>
-          </a:prstGeom>
-          <a:ln w="0">
-            <a:noFill/>
-          </a:ln>
-        </p:spPr>
-      </p:pic>
-      <p:sp>
-        <p:nvSpPr>
-          <p:cNvPr id="57" name="Google Shape;200;p3_0"/>
-          <p:cNvSpPr/>
-          <p:nvPr/>
-        </p:nvSpPr>
-        <p:spPr>
-          <a:xfrm>
-            <a:off x="7935480" y="1172520"/>
-            <a:ext cx="958680" cy="325080"/>
-          </a:xfrm>
-          <a:prstGeom prst="rect">
-            <a:avLst/>
-          </a:prstGeom>
-          <a:noFill/>
-          <a:ln w="0">
-            <a:noFill/>
-          </a:ln>
-        </p:spPr>
-        <p:style>
-          <a:lnRef idx="0"/>
-          <a:fillRef idx="0"/>
-          <a:effectRef idx="0"/>
-          <a:fontRef idx="minor"/>
-        </p:style>
-        <p:txBody>
-          <a:bodyPr lIns="90000" rIns="90000" tIns="326160" bIns="326160">
+          <a:bodyPr lIns="90000" rIns="90000" tIns="91440" bIns="91440" anchor="t">
             <a:noAutofit/>
           </a:bodyPr>
           <a:p>
@@ -2995,206 +3906,42 @@
               </a:tabLst>
             </a:pPr>
             <a:r>
-              <a:rPr b="1" lang="pt-BR" sz="1000" spc="-1" strike="noStrike">
-                <a:solidFill>
-                  <a:srgbClr val="434343"/>
+              <a:rPr b="0" lang="pt-BR" sz="800" spc="-1" strike="noStrike">
+                <a:solidFill>
+                  <a:srgbClr val="000000"/>
                 </a:solidFill>
                 <a:latin typeface="Nunito Sans"/>
                 <a:ea typeface="Arial"/>
               </a:rPr>
-              <a:t>Retorno no mesmo mês</a:t>
-            </a:r>
-            <a:endParaRPr b="0" lang="pt-BR" sz="1000" spc="-1" strike="noStrike">
-              <a:latin typeface="Arial"/>
-            </a:endParaRPr>
-          </a:p>
-        </p:txBody>
-      </p:sp>
-      <p:sp>
-        <p:nvSpPr>
-          <p:cNvPr id="58" name="Google Shape;201;p3_0"/>
-          <p:cNvSpPr/>
-          <p:nvPr/>
-        </p:nvSpPr>
-        <p:spPr>
-          <a:xfrm>
-            <a:off x="8079480" y="1505160"/>
-            <a:ext cx="670320" cy="516240"/>
-          </a:xfrm>
-          <a:prstGeom prst="rect">
-            <a:avLst/>
-          </a:prstGeom>
-          <a:noFill/>
-          <a:ln w="0">
-            <a:noFill/>
-          </a:ln>
-        </p:spPr>
-        <p:style>
-          <a:lnRef idx="0"/>
-          <a:fillRef idx="0"/>
-          <a:effectRef idx="0"/>
-          <a:fontRef idx="minor"/>
-        </p:style>
-        <p:txBody>
-          <a:bodyPr lIns="90000" rIns="90000" tIns="91440" bIns="91440">
-            <a:noAutofit/>
-          </a:bodyPr>
-          <a:p>
-            <a:pPr>
-              <a:lnSpc>
-                <a:spcPct val="115000"/>
-              </a:lnSpc>
-              <a:tabLst>
-                <a:tab algn="l" pos="0"/>
-              </a:tabLst>
-            </a:pPr>
-            <a:r>
-              <a:rPr b="1" lang="pt-BR" sz="1000" spc="-1" strike="noStrike">
-                <a:solidFill>
-                  <a:srgbClr val="434343"/>
+              <a:t>Until October, the engaged users database got </a:t>
+            </a:r>
+            <a:r>
+              <a:rPr b="1" lang="pt-BR" sz="800" spc="-1" strike="noStrike">
+                <a:solidFill>
+                  <a:srgbClr val="000000"/>
                 </a:solidFill>
                 <a:latin typeface="Nunito Sans"/>
                 <a:ea typeface="Arial"/>
               </a:rPr>
-              <a:t>80,00%</a:t>
-            </a:r>
-            <a:endParaRPr b="0" lang="pt-BR" sz="1000" spc="-1" strike="noStrike">
-              <a:latin typeface="Arial"/>
-            </a:endParaRPr>
-          </a:p>
-          <a:p>
-            <a:pPr algn="ctr">
-              <a:lnSpc>
-                <a:spcPct val="115000"/>
-              </a:lnSpc>
-              <a:tabLst>
-                <a:tab algn="l" pos="0"/>
-              </a:tabLst>
-            </a:pPr>
-            <a:r>
-              <a:rPr b="1" lang="pt-BR" sz="700" spc="-1" strike="noStrike">
-                <a:solidFill>
-                  <a:srgbClr val="434343"/>
+              <a:t>200,000 users</a:t>
+            </a:r>
+            <a:r>
+              <a:rPr b="0" lang="pt-BR" sz="800" spc="-1" strike="noStrike">
+                <a:solidFill>
+                  <a:srgbClr val="000000"/>
                 </a:solidFill>
                 <a:latin typeface="Nunito Sans"/>
                 <a:ea typeface="Arial"/>
               </a:rPr>
-              <a:t>0,90%</a:t>
-            </a:r>
-            <a:endParaRPr b="0" lang="pt-BR" sz="700" spc="-1" strike="noStrike">
-              <a:latin typeface="Arial"/>
-            </a:endParaRPr>
-          </a:p>
-        </p:txBody>
-      </p:sp>
-      <p:pic>
-        <p:nvPicPr>
-          <p:cNvPr id="59" name="Google Shape;202;p3_0" descr=""/>
-          <p:cNvPicPr/>
-          <p:nvPr/>
-        </p:nvPicPr>
-        <p:blipFill>
-          <a:blip r:embed="rId7">
-            <a:alphaModFix amt="52000"/>
-          </a:blip>
-          <a:stretch/>
-        </p:blipFill>
-        <p:spPr>
-          <a:xfrm flipH="1" rot="10800000">
-            <a:off x="8265240" y="910800"/>
-            <a:ext cx="272160" cy="257760"/>
-          </a:xfrm>
-          <a:prstGeom prst="rect">
-            <a:avLst/>
-          </a:prstGeom>
-          <a:ln w="0">
-            <a:noFill/>
-          </a:ln>
-        </p:spPr>
-      </p:pic>
-      <p:sp>
-        <p:nvSpPr>
-          <p:cNvPr id="60" name="Google Shape;204;p3_0"/>
-          <p:cNvSpPr/>
-          <p:nvPr/>
-        </p:nvSpPr>
-        <p:spPr>
-          <a:xfrm>
-            <a:off x="264960" y="1491480"/>
-            <a:ext cx="862920" cy="302760"/>
-          </a:xfrm>
-          <a:prstGeom prst="rect">
-            <a:avLst/>
-          </a:prstGeom>
-          <a:noFill/>
-          <a:ln w="0">
-            <a:noFill/>
-          </a:ln>
-        </p:spPr>
-        <p:style>
-          <a:lnRef idx="0"/>
-          <a:fillRef idx="0"/>
-          <a:effectRef idx="0"/>
-          <a:fontRef idx="minor"/>
-        </p:style>
-        <p:txBody>
-          <a:bodyPr lIns="90000" rIns="90000" tIns="303840" bIns="303840">
-            <a:noAutofit/>
-          </a:bodyPr>
-          <a:p>
-            <a:pPr algn="ctr">
-              <a:lnSpc>
-                <a:spcPct val="115000"/>
-              </a:lnSpc>
-              <a:tabLst>
-                <a:tab algn="l" pos="0"/>
-              </a:tabLst>
-            </a:pPr>
-            <a:r>
-              <a:rPr b="1" lang="pt-BR" sz="1000" spc="-1" strike="noStrike">
-                <a:solidFill>
-                  <a:srgbClr val="434343"/>
-                </a:solidFill>
-                <a:latin typeface="Nunito Sans"/>
-                <a:ea typeface="Arial"/>
-              </a:rPr>
-              <a:t>30.000</a:t>
-            </a:r>
-            <a:endParaRPr b="0" lang="pt-BR" sz="1000" spc="-1" strike="noStrike">
-              <a:latin typeface="Arial"/>
-            </a:endParaRPr>
-          </a:p>
-        </p:txBody>
-      </p:sp>
-      <p:sp>
-        <p:nvSpPr>
-          <p:cNvPr id="61" name="Google Shape;205;p3_0"/>
-          <p:cNvSpPr/>
-          <p:nvPr/>
-        </p:nvSpPr>
-        <p:spPr>
-          <a:xfrm>
-            <a:off x="496800" y="1705680"/>
-            <a:ext cx="544680" cy="258120"/>
-          </a:xfrm>
-          <a:prstGeom prst="rect">
-            <a:avLst/>
-          </a:prstGeom>
-          <a:noFill/>
-          <a:ln w="0">
-            <a:noFill/>
-          </a:ln>
-        </p:spPr>
-        <p:style>
-          <a:lnRef idx="0"/>
-          <a:fillRef idx="0"/>
-          <a:effectRef idx="0"/>
-          <a:fontRef idx="minor"/>
-        </p:style>
-        <p:txBody>
-          <a:bodyPr lIns="90000" rIns="90000" tIns="259200" bIns="259200">
-            <a:noAutofit/>
-          </a:bodyPr>
+              <a:t>. </a:t>
+            </a:r>
+            <a:endParaRPr b="0" lang="pt-BR" sz="800" spc="-1" strike="noStrike">
+              <a:solidFill>
+                <a:srgbClr val="000000"/>
+              </a:solidFill>
+              <a:latin typeface="Arial"/>
+            </a:endParaRPr>
+          </a:p>
           <a:p>
             <a:pPr>
               <a:lnSpc>
@@ -3205,381 +3952,42 @@
               </a:tabLst>
             </a:pPr>
             <a:r>
-              <a:rPr b="1" lang="pt-BR" sz="700" spc="-1" strike="noStrike">
-                <a:solidFill>
-                  <a:srgbClr val="434343"/>
+              <a:rPr b="0" lang="pt-BR" sz="800" spc="-1" strike="noStrike">
+                <a:solidFill>
+                  <a:srgbClr val="000000"/>
                 </a:solidFill>
                 <a:latin typeface="Nunito Sans"/>
                 <a:ea typeface="Arial"/>
               </a:rPr>
-              <a:t>12,00%</a:t>
-            </a:r>
-            <a:endParaRPr b="0" lang="pt-BR" sz="700" spc="-1" strike="noStrike">
-              <a:latin typeface="Arial"/>
-            </a:endParaRPr>
-          </a:p>
-        </p:txBody>
-      </p:sp>
-      <p:pic>
-        <p:nvPicPr>
-          <p:cNvPr id="62" name="Google Shape;206;p3_0" descr=""/>
-          <p:cNvPicPr/>
-          <p:nvPr/>
-        </p:nvPicPr>
-        <p:blipFill>
-          <a:blip r:embed="rId8"/>
-          <a:stretch/>
-        </p:blipFill>
-        <p:spPr>
-          <a:xfrm>
-            <a:off x="478080" y="874800"/>
-            <a:ext cx="448560" cy="448920"/>
-          </a:xfrm>
-          <a:prstGeom prst="rect">
-            <a:avLst/>
-          </a:prstGeom>
-          <a:ln w="0">
-            <a:noFill/>
-          </a:ln>
-        </p:spPr>
-      </p:pic>
-      <p:pic>
-        <p:nvPicPr>
-          <p:cNvPr id="63" name="Google Shape;207;p3_0" descr=""/>
-          <p:cNvPicPr/>
-          <p:nvPr/>
-        </p:nvPicPr>
-        <p:blipFill>
-          <a:blip r:embed="rId9">
-            <a:alphaModFix amt="60000"/>
-          </a:blip>
-          <a:stretch/>
-        </p:blipFill>
-        <p:spPr>
-          <a:xfrm>
-            <a:off x="1459440" y="1820880"/>
-            <a:ext cx="85320" cy="85680"/>
-          </a:xfrm>
-          <a:prstGeom prst="rect">
-            <a:avLst/>
-          </a:prstGeom>
-          <a:ln w="0">
-            <a:noFill/>
-          </a:ln>
-        </p:spPr>
-      </p:pic>
-      <p:pic>
-        <p:nvPicPr>
-          <p:cNvPr id="64" name="Google Shape;208;p3_0" descr=""/>
-          <p:cNvPicPr/>
-          <p:nvPr/>
-        </p:nvPicPr>
-        <p:blipFill>
-          <a:blip r:embed="rId10">
-            <a:alphaModFix amt="60000"/>
-          </a:blip>
-          <a:stretch/>
-        </p:blipFill>
-        <p:spPr>
-          <a:xfrm>
-            <a:off x="2508840" y="1804680"/>
-            <a:ext cx="85320" cy="85680"/>
-          </a:xfrm>
-          <a:prstGeom prst="rect">
-            <a:avLst/>
-          </a:prstGeom>
-          <a:ln w="0">
-            <a:noFill/>
-          </a:ln>
-        </p:spPr>
-      </p:pic>
-      <p:pic>
-        <p:nvPicPr>
-          <p:cNvPr id="65" name="Google Shape;221;p3_0" descr=""/>
-          <p:cNvPicPr/>
-          <p:nvPr/>
-        </p:nvPicPr>
-        <p:blipFill>
-          <a:blip r:embed="rId11">
-            <a:alphaModFix amt="60000"/>
-          </a:blip>
-          <a:stretch/>
-        </p:blipFill>
-        <p:spPr>
-          <a:xfrm>
-            <a:off x="3597120" y="1797120"/>
-            <a:ext cx="89640" cy="85680"/>
-          </a:xfrm>
-          <a:prstGeom prst="rect">
-            <a:avLst/>
-          </a:prstGeom>
-          <a:ln w="0">
-            <a:noFill/>
-          </a:ln>
-        </p:spPr>
-      </p:pic>
-      <p:pic>
-        <p:nvPicPr>
-          <p:cNvPr id="66" name="Google Shape;222;p3_0" descr=""/>
-          <p:cNvPicPr/>
-          <p:nvPr/>
-        </p:nvPicPr>
-        <p:blipFill>
-          <a:blip r:embed="rId12">
-            <a:alphaModFix amt="60000"/>
-          </a:blip>
-          <a:stretch/>
-        </p:blipFill>
-        <p:spPr>
-          <a:xfrm>
-            <a:off x="5893560" y="1816200"/>
-            <a:ext cx="85320" cy="85680"/>
-          </a:xfrm>
-          <a:prstGeom prst="rect">
-            <a:avLst/>
-          </a:prstGeom>
-          <a:ln w="0">
-            <a:noFill/>
-          </a:ln>
-        </p:spPr>
-      </p:pic>
-      <p:pic>
-        <p:nvPicPr>
-          <p:cNvPr id="67" name="Google Shape;223;p3_0" descr=""/>
-          <p:cNvPicPr/>
-          <p:nvPr/>
-        </p:nvPicPr>
-        <p:blipFill>
-          <a:blip r:embed="rId13">
-            <a:alphaModFix amt="60000"/>
-          </a:blip>
-          <a:stretch/>
-        </p:blipFill>
-        <p:spPr>
-          <a:xfrm>
-            <a:off x="445680" y="1805040"/>
-            <a:ext cx="89640" cy="85680"/>
-          </a:xfrm>
-          <a:prstGeom prst="rect">
-            <a:avLst/>
-          </a:prstGeom>
-          <a:ln w="0">
-            <a:noFill/>
-          </a:ln>
-        </p:spPr>
-      </p:pic>
-      <p:pic>
-        <p:nvPicPr>
-          <p:cNvPr id="68" name="Google Shape;224;p3_0" descr=""/>
-          <p:cNvPicPr/>
-          <p:nvPr/>
-        </p:nvPicPr>
-        <p:blipFill>
-          <a:blip r:embed="rId14">
-            <a:alphaModFix amt="60000"/>
-          </a:blip>
-          <a:stretch/>
-        </p:blipFill>
-        <p:spPr>
-          <a:xfrm>
-            <a:off x="4745520" y="1801080"/>
-            <a:ext cx="89640" cy="85680"/>
-          </a:xfrm>
-          <a:prstGeom prst="rect">
-            <a:avLst/>
-          </a:prstGeom>
-          <a:ln w="0">
-            <a:noFill/>
-          </a:ln>
-        </p:spPr>
-      </p:pic>
-      <p:pic>
-        <p:nvPicPr>
-          <p:cNvPr id="69" name="Google Shape;225;p3_0" descr=""/>
-          <p:cNvPicPr/>
-          <p:nvPr/>
-        </p:nvPicPr>
-        <p:blipFill>
-          <a:blip r:embed="rId15">
-            <a:alphaModFix amt="60000"/>
-          </a:blip>
-          <a:stretch/>
-        </p:blipFill>
-        <p:spPr>
-          <a:xfrm>
-            <a:off x="8151120" y="1792080"/>
-            <a:ext cx="89640" cy="85680"/>
-          </a:xfrm>
-          <a:prstGeom prst="rect">
-            <a:avLst/>
-          </a:prstGeom>
-          <a:ln w="0">
-            <a:noFill/>
-          </a:ln>
-        </p:spPr>
-      </p:pic>
-      <p:pic>
-        <p:nvPicPr>
-          <p:cNvPr id="70" name="Google Shape;226;p3_0" descr=""/>
-          <p:cNvPicPr/>
-          <p:nvPr/>
-        </p:nvPicPr>
-        <p:blipFill>
-          <a:blip r:embed="rId16">
-            <a:alphaModFix amt="60000"/>
-          </a:blip>
-          <a:stretch/>
-        </p:blipFill>
-        <p:spPr>
-          <a:xfrm>
-            <a:off x="7020000" y="1800360"/>
-            <a:ext cx="89640" cy="85680"/>
-          </a:xfrm>
-          <a:prstGeom prst="rect">
-            <a:avLst/>
-          </a:prstGeom>
-          <a:ln w="0">
-            <a:noFill/>
-          </a:ln>
-        </p:spPr>
-      </p:pic>
-      <p:sp>
-        <p:nvSpPr>
-          <p:cNvPr id="71" name="Google Shape;166;p3_1"/>
-          <p:cNvSpPr/>
-          <p:nvPr/>
-        </p:nvSpPr>
-        <p:spPr>
-          <a:xfrm>
-            <a:off x="286920" y="1260000"/>
-            <a:ext cx="840960" cy="448920"/>
-          </a:xfrm>
-          <a:prstGeom prst="rect">
-            <a:avLst/>
-          </a:prstGeom>
-          <a:noFill/>
-          <a:ln w="0">
-            <a:noFill/>
-          </a:ln>
-        </p:spPr>
-        <p:style>
-          <a:lnRef idx="0"/>
-          <a:fillRef idx="0"/>
-          <a:effectRef idx="0"/>
-          <a:fontRef idx="minor"/>
-        </p:style>
-        <p:txBody>
-          <a:bodyPr lIns="90000" rIns="90000" tIns="91440" bIns="91440">
-            <a:noAutofit/>
-          </a:bodyPr>
-          <a:p>
-            <a:pPr algn="ctr">
-              <a:lnSpc>
-                <a:spcPct val="100000"/>
-              </a:lnSpc>
-              <a:tabLst>
-                <a:tab algn="l" pos="0"/>
-              </a:tabLst>
-            </a:pPr>
-            <a:r>
-              <a:rPr b="1" lang="pt-BR" sz="1000" spc="-1" strike="noStrike">
-                <a:solidFill>
-                  <a:srgbClr val="434343"/>
+              <a:t>As a result, the number of new users at October reached a </a:t>
+            </a:r>
+            <a:r>
+              <a:rPr b="1" lang="pt-BR" sz="800" spc="-1" strike="noStrike">
+                <a:solidFill>
+                  <a:srgbClr val="000000"/>
                 </a:solidFill>
                 <a:latin typeface="Nunito Sans"/>
                 <a:ea typeface="Arial"/>
               </a:rPr>
-              <a:t>Visitas</a:t>
-            </a:r>
-            <a:endParaRPr b="0" lang="pt-BR" sz="1000" spc="-1" strike="noStrike">
-              <a:latin typeface="Arial"/>
-            </a:endParaRPr>
-          </a:p>
-        </p:txBody>
-      </p:sp>
-      <p:sp>
-        <p:nvSpPr>
-          <p:cNvPr id="72" name="Google Shape;181;p3_1"/>
-          <p:cNvSpPr/>
-          <p:nvPr/>
-        </p:nvSpPr>
-        <p:spPr>
-          <a:xfrm>
-            <a:off x="5916600" y="4571640"/>
-            <a:ext cx="1149120" cy="347040"/>
-          </a:xfrm>
-          <a:prstGeom prst="rect">
-            <a:avLst/>
-          </a:prstGeom>
-          <a:noFill/>
-          <a:ln w="0">
-            <a:noFill/>
-          </a:ln>
-        </p:spPr>
-        <p:style>
-          <a:lnRef idx="0"/>
-          <a:fillRef idx="0"/>
-          <a:effectRef idx="0"/>
-          <a:fontRef idx="minor"/>
-        </p:style>
-        <p:txBody>
-          <a:bodyPr lIns="90000" rIns="90000" tIns="347760" bIns="347760">
-            <a:noAutofit/>
-          </a:bodyPr>
-          <a:p>
-            <a:pPr algn="ctr">
-              <a:lnSpc>
-                <a:spcPct val="100000"/>
-              </a:lnSpc>
-              <a:tabLst>
-                <a:tab algn="l" pos="0"/>
-              </a:tabLst>
-            </a:pPr>
-            <a:r>
-              <a:rPr b="1" lang="pt-BR" sz="1300" spc="-1" strike="noStrike">
-                <a:solidFill>
-                  <a:srgbClr val="252423"/>
+              <a:t>database increase</a:t>
+            </a:r>
+            <a:r>
+              <a:rPr b="0" lang="pt-BR" sz="800" spc="-1" strike="noStrike">
+                <a:solidFill>
+                  <a:srgbClr val="000000"/>
                 </a:solidFill>
                 <a:latin typeface="Nunito Sans"/>
                 <a:ea typeface="Arial"/>
               </a:rPr>
-              <a:t>0,15%</a:t>
-            </a:r>
-            <a:endParaRPr b="0" lang="pt-BR" sz="1300" spc="-1" strike="noStrike">
-              <a:latin typeface="Arial"/>
-            </a:endParaRPr>
-          </a:p>
-        </p:txBody>
-      </p:sp>
-      <p:sp>
-        <p:nvSpPr>
-          <p:cNvPr id="73" name="Google Shape;182;p3_1"/>
-          <p:cNvSpPr/>
-          <p:nvPr/>
-        </p:nvSpPr>
-        <p:spPr>
-          <a:xfrm>
-            <a:off x="1082520" y="4528440"/>
-            <a:ext cx="5023440" cy="380520"/>
-          </a:xfrm>
-          <a:prstGeom prst="rect">
-            <a:avLst/>
-          </a:prstGeom>
-          <a:noFill/>
-          <a:ln w="0">
-            <a:noFill/>
-          </a:ln>
-        </p:spPr>
-        <p:style>
-          <a:lnRef idx="0"/>
-          <a:fillRef idx="0"/>
-          <a:effectRef idx="0"/>
-          <a:fontRef idx="minor"/>
-        </p:style>
-        <p:txBody>
-          <a:bodyPr lIns="90000" rIns="90000" tIns="91440" bIns="91440">
-            <a:noAutofit/>
-          </a:bodyPr>
+              <a:t> of:</a:t>
+            </a:r>
+            <a:endParaRPr b="0" lang="pt-BR" sz="800" spc="-1" strike="noStrike">
+              <a:solidFill>
+                <a:srgbClr val="000000"/>
+              </a:solidFill>
+              <a:latin typeface="Arial"/>
+            </a:endParaRPr>
+          </a:p>
           <a:p>
             <a:pPr>
               <a:lnSpc>
@@ -3589,103 +3997,10 @@
                 <a:tab algn="l" pos="0"/>
               </a:tabLst>
             </a:pPr>
-            <a:r>
-              <a:rPr b="0" lang="pt-BR" sz="800" spc="-1" strike="noStrike">
-                <a:solidFill>
-                  <a:srgbClr val="000000"/>
-                </a:solidFill>
-                <a:latin typeface="Nunito Sans"/>
-                <a:ea typeface="Arial"/>
-              </a:rPr>
-              <a:t>A base de usuários engajados até Outubro somou </a:t>
-            </a:r>
-            <a:r>
-              <a:rPr b="1" lang="pt-BR" sz="800" spc="-1" strike="noStrike">
-                <a:solidFill>
-                  <a:srgbClr val="000000"/>
-                </a:solidFill>
-                <a:latin typeface="Nunito Sans"/>
-                <a:ea typeface="Arial"/>
-              </a:rPr>
-              <a:t>200.000  usuários</a:t>
-            </a:r>
-            <a:r>
-              <a:rPr b="0" lang="pt-BR" sz="800" spc="-1" strike="noStrike">
-                <a:solidFill>
-                  <a:srgbClr val="000000"/>
-                </a:solidFill>
-                <a:latin typeface="Nunito Sans"/>
-                <a:ea typeface="Arial"/>
-              </a:rPr>
-              <a:t>. </a:t>
-            </a:r>
             <a:endParaRPr b="0" lang="pt-BR" sz="800" spc="-1" strike="noStrike">
-              <a:latin typeface="Arial"/>
-            </a:endParaRPr>
-          </a:p>
-          <a:p>
-            <a:pPr>
-              <a:lnSpc>
-                <a:spcPct val="100000"/>
-              </a:lnSpc>
-              <a:tabLst>
-                <a:tab algn="l" pos="0"/>
-              </a:tabLst>
-            </a:pPr>
-            <a:r>
-              <a:rPr b="0" lang="pt-BR" sz="800" spc="-1" strike="noStrike">
-                <a:solidFill>
-                  <a:srgbClr val="000000"/>
-                </a:solidFill>
-                <a:latin typeface="Nunito Sans"/>
-                <a:ea typeface="Arial"/>
-              </a:rPr>
-              <a:t>Assim, o número de novos usuários em Outubro representou um </a:t>
-            </a:r>
-            <a:r>
-              <a:rPr b="1" lang="pt-BR" sz="800" spc="-1" strike="noStrike">
-                <a:solidFill>
-                  <a:srgbClr val="000000"/>
-                </a:solidFill>
-                <a:latin typeface="Nunito Sans"/>
-                <a:ea typeface="Arial"/>
-              </a:rPr>
-              <a:t>crescimento de base</a:t>
-            </a:r>
-            <a:r>
-              <a:rPr b="1" lang="pt-BR" sz="800" spc="-1" strike="noStrike">
-                <a:solidFill>
-                  <a:srgbClr val="f57300"/>
-                </a:solidFill>
-                <a:latin typeface="Nunito Sans"/>
-                <a:ea typeface="Arial"/>
-              </a:rPr>
-              <a:t> </a:t>
-            </a:r>
-            <a:r>
-              <a:rPr b="0" lang="pt-BR" sz="800" spc="-1" strike="noStrike">
-                <a:solidFill>
-                  <a:srgbClr val="000000"/>
-                </a:solidFill>
-                <a:latin typeface="Nunito Sans"/>
-                <a:ea typeface="Arial"/>
-              </a:rPr>
-              <a:t>de:</a:t>
-            </a:r>
-            <a:endParaRPr b="0" lang="pt-BR" sz="800" spc="-1" strike="noStrike">
-              <a:latin typeface="Arial"/>
-            </a:endParaRPr>
-          </a:p>
-          <a:p>
-            <a:pPr>
-              <a:lnSpc>
-                <a:spcPct val="100000"/>
-              </a:lnSpc>
-              <a:tabLst>
-                <a:tab algn="l" pos="0"/>
-              </a:tabLst>
-            </a:pPr>
-            <a:endParaRPr b="0" lang="pt-BR" sz="800" spc="-1" strike="noStrike">
+              <a:solidFill>
+                <a:srgbClr val="000000"/>
+              </a:solidFill>
               <a:latin typeface="Arial"/>
             </a:endParaRPr>
           </a:p>
@@ -3693,7 +4008,7 @@
       </p:sp>
       <p:pic>
         <p:nvPicPr>
-          <p:cNvPr id="74" name="Imagem 73" descr=""/>
+          <p:cNvPr id="74" name="" descr=""/>
           <p:cNvPicPr/>
           <p:nvPr/>
         </p:nvPicPr>
@@ -3703,8 +4018,8 @@
         </p:blipFill>
         <p:spPr>
           <a:xfrm>
-            <a:off x="359640" y="2160000"/>
-            <a:ext cx="3957480" cy="1977120"/>
+            <a:off x="432000" y="2214360"/>
+            <a:ext cx="3960000" cy="1980000"/>
           </a:xfrm>
           <a:prstGeom prst="rect">
             <a:avLst/>
@@ -3716,7 +4031,7 @@
       </p:pic>
       <p:pic>
         <p:nvPicPr>
-          <p:cNvPr id="75" name="Imagem 74" descr=""/>
+          <p:cNvPr id="75" name="" descr=""/>
           <p:cNvPicPr/>
           <p:nvPr/>
         </p:nvPicPr>
@@ -3726,8 +4041,8 @@
         </p:blipFill>
         <p:spPr>
           <a:xfrm>
-            <a:off x="4680000" y="2160000"/>
-            <a:ext cx="4101480" cy="2049480"/>
+            <a:off x="4644000" y="2252160"/>
+            <a:ext cx="3919680" cy="1959840"/>
           </a:xfrm>
           <a:prstGeom prst="rect">
             <a:avLst/>
@@ -3776,7 +4091,7 @@
         <p:spPr>
           <a:xfrm>
             <a:off x="3420000" y="180000"/>
-            <a:ext cx="2337840" cy="504360"/>
+            <a:ext cx="2336760" cy="503280"/>
           </a:xfrm>
           <a:prstGeom prst="rect">
             <a:avLst/>
@@ -3793,7 +4108,7 @@
           <a:fontRef idx="minor"/>
         </p:style>
         <p:txBody>
-          <a:bodyPr lIns="90000" rIns="90000" tIns="45000" bIns="45000">
+          <a:bodyPr lIns="90000" rIns="90000" tIns="45000" bIns="45000" anchor="t">
             <a:noAutofit/>
           </a:bodyPr>
           <a:p>
@@ -3810,9 +4125,12 @@
                 <a:latin typeface="Nunito Sans Black"/>
                 <a:ea typeface="DejaVu Sans"/>
               </a:rPr>
-              <a:t>VENDAS</a:t>
+              <a:t>SALES</a:t>
             </a:r>
             <a:endParaRPr b="0" lang="pt-BR" sz="2400" spc="-1" strike="noStrike">
+              <a:solidFill>
+                <a:srgbClr val="000000"/>
+              </a:solidFill>
               <a:latin typeface="Arial"/>
             </a:endParaRPr>
           </a:p>
@@ -3827,7 +4145,7 @@
         <p:spPr>
           <a:xfrm>
             <a:off x="1080000" y="1116360"/>
-            <a:ext cx="1617840" cy="502920"/>
+            <a:ext cx="1616760" cy="501840"/>
           </a:xfrm>
           <a:prstGeom prst="rect">
             <a:avLst/>
@@ -3844,7 +4162,7 @@
           <a:fontRef idx="minor"/>
         </p:style>
         <p:txBody>
-          <a:bodyPr lIns="90000" rIns="90000" tIns="45000" bIns="45000">
+          <a:bodyPr lIns="90000" rIns="90000" tIns="45000" bIns="45000" anchor="t">
             <a:noAutofit/>
           </a:bodyPr>
           <a:p>
@@ -3861,9 +4179,12 @@
                 <a:latin typeface="Nunito Sans"/>
                 <a:ea typeface="DejaVu Sans"/>
               </a:rPr>
-              <a:t>Número de propostas vendidas</a:t>
+              <a:t>Number of proposals sold</a:t>
             </a:r>
             <a:endParaRPr b="0" lang="pt-BR" sz="1200" spc="-1" strike="noStrike">
+              <a:solidFill>
+                <a:srgbClr val="000000"/>
+              </a:solidFill>
               <a:latin typeface="Arial"/>
             </a:endParaRPr>
           </a:p>
@@ -3878,7 +4199,7 @@
         <p:spPr>
           <a:xfrm>
             <a:off x="1080000" y="1621440"/>
-            <a:ext cx="1617840" cy="469080"/>
+            <a:ext cx="1616760" cy="468000"/>
           </a:xfrm>
           <a:prstGeom prst="rect">
             <a:avLst/>
@@ -3895,7 +4216,7 @@
           <a:fontRef idx="minor"/>
         </p:style>
         <p:txBody>
-          <a:bodyPr lIns="90000" rIns="90000" tIns="45000" bIns="45000">
+          <a:bodyPr lIns="90000" rIns="90000" tIns="45000" bIns="45000" anchor="t">
             <a:noAutofit/>
           </a:bodyPr>
           <a:p>
@@ -3912,9 +4233,12 @@
                 <a:latin typeface="Nunito Sans Black"/>
                 <a:ea typeface="DejaVu Sans"/>
               </a:rPr>
-              <a:t>1.500</a:t>
+              <a:t>1,500</a:t>
             </a:r>
             <a:endParaRPr b="0" lang="pt-BR" sz="2200" spc="-1" strike="noStrike">
+              <a:solidFill>
+                <a:srgbClr val="000000"/>
+              </a:solidFill>
               <a:latin typeface="Arial"/>
             </a:endParaRPr>
           </a:p>
@@ -3929,7 +4253,7 @@
         <p:spPr>
           <a:xfrm>
             <a:off x="1080000" y="2078640"/>
-            <a:ext cx="1617840" cy="295560"/>
+            <a:ext cx="1616760" cy="294480"/>
           </a:xfrm>
           <a:prstGeom prst="rect">
             <a:avLst/>
@@ -3946,7 +4270,7 @@
           <a:fontRef idx="minor"/>
         </p:style>
         <p:txBody>
-          <a:bodyPr lIns="90000" rIns="90000" tIns="45000" bIns="45000">
+          <a:bodyPr lIns="90000" rIns="90000" tIns="45000" bIns="45000" anchor="t">
             <a:noAutofit/>
           </a:bodyPr>
           <a:p>
@@ -3966,6 +4290,9 @@
               <a:t>15%</a:t>
             </a:r>
             <a:endParaRPr b="0" lang="pt-BR" sz="1200" spc="-1" strike="noStrike">
+              <a:solidFill>
+                <a:srgbClr val="000000"/>
+              </a:solidFill>
               <a:latin typeface="Arial"/>
             </a:endParaRPr>
           </a:p>
@@ -3980,9 +4307,9 @@
         <p:grpSpPr>
           <a:xfrm>
             <a:off x="1477800" y="2121840"/>
-            <a:ext cx="130680" cy="177120"/>
+            <a:ext cx="129600" cy="176040"/>
             <a:chOff x="1477800" y="2121840"/>
-            <a:chExt cx="130680" cy="177120"/>
+            <a:chExt cx="129600" cy="176040"/>
           </a:xfrm>
         </p:grpSpPr>
         <p:sp>
@@ -3994,7 +4321,7 @@
           <p:spPr>
             <a:xfrm>
               <a:off x="1511280" y="2168280"/>
-              <a:ext cx="64440" cy="130680"/>
+              <a:ext cx="63360" cy="129600"/>
             </a:xfrm>
             <a:prstGeom prst="rect">
               <a:avLst/>
@@ -4014,6 +4341,25 @@
             <a:effectRef idx="0"/>
             <a:fontRef idx="minor"/>
           </p:style>
+          <p:txBody>
+            <a:bodyPr lIns="90000" rIns="90000" tIns="45000" bIns="45000" anchor="t">
+              <a:noAutofit/>
+            </a:bodyPr>
+            <a:p>
+              <a:pPr>
+                <a:lnSpc>
+                  <a:spcPct val="100000"/>
+                </a:lnSpc>
+              </a:pPr>
+              <a:endParaRPr b="0" lang="pt-BR" sz="1800" spc="-1" strike="noStrike">
+                <a:solidFill>
+                  <a:srgbClr val="000000"/>
+                </a:solidFill>
+                <a:latin typeface="Arial"/>
+                <a:ea typeface="DejaVu Sans"/>
+              </a:endParaRPr>
+            </a:p>
+          </p:txBody>
         </p:sp>
         <p:sp>
           <p:nvSpPr>
@@ -4024,13 +4370,18 @@
           <p:spPr>
             <a:xfrm>
               <a:off x="1477800" y="2121840"/>
-              <a:ext cx="130680" cy="64440"/>
+              <a:ext cx="129600" cy="63360"/>
             </a:xfrm>
             <a:custGeom>
               <a:avLst/>
-              <a:gdLst/>
+              <a:gdLst>
+                <a:gd name="textAreaLeft" fmla="*/ 0 w 129600"/>
+                <a:gd name="textAreaRight" fmla="*/ 130680 w 129600"/>
+                <a:gd name="textAreaTop" fmla="*/ 0 h 63360"/>
+                <a:gd name="textAreaBottom" fmla="*/ 64440 h 63360"/>
+              </a:gdLst>
               <a:ahLst/>
-              <a:rect l="l" t="t" r="r" b="b"/>
+              <a:rect l="textAreaLeft" t="textAreaTop" r="textAreaRight" b="textAreaBottom"/>
               <a:pathLst>
                 <a:path w="371" h="187">
                   <a:moveTo>
@@ -4061,6 +4412,25 @@
             <a:effectRef idx="0"/>
             <a:fontRef idx="minor"/>
           </p:style>
+          <p:txBody>
+            <a:bodyPr lIns="90000" rIns="90000" tIns="19440" bIns="19440" anchor="t">
+              <a:noAutofit/>
+            </a:bodyPr>
+            <a:p>
+              <a:pPr>
+                <a:lnSpc>
+                  <a:spcPct val="100000"/>
+                </a:lnSpc>
+              </a:pPr>
+              <a:endParaRPr b="0" lang="pt-BR" sz="1800" spc="-1" strike="noStrike">
+                <a:solidFill>
+                  <a:srgbClr val="000000"/>
+                </a:solidFill>
+                <a:latin typeface="Arial"/>
+                <a:ea typeface="DejaVu Sans"/>
+              </a:endParaRPr>
+            </a:p>
+          </p:txBody>
         </p:sp>
       </p:grpSp>
       <p:sp>
@@ -4071,8 +4441,8 @@
         </p:nvSpPr>
         <p:spPr>
           <a:xfrm>
-            <a:off x="2880000" y="1332360"/>
-            <a:ext cx="1617840" cy="295560"/>
+            <a:off x="2880000" y="1260360"/>
+            <a:ext cx="1616760" cy="294480"/>
           </a:xfrm>
           <a:prstGeom prst="rect">
             <a:avLst/>
@@ -4089,7 +4459,7 @@
           <a:fontRef idx="minor"/>
         </p:style>
         <p:txBody>
-          <a:bodyPr lIns="90000" rIns="90000" tIns="45000" bIns="45000">
+          <a:bodyPr lIns="90000" rIns="90000" tIns="45000" bIns="45000" anchor="t">
             <a:noAutofit/>
           </a:bodyPr>
           <a:p>
@@ -4106,9 +4476,12 @@
                 <a:latin typeface="Nunito Sans"/>
                 <a:ea typeface="DejaVu Sans"/>
               </a:rPr>
-              <a:t>Valor total vendido</a:t>
+              <a:t>Total amount sold</a:t>
             </a:r>
             <a:endParaRPr b="0" lang="pt-BR" sz="1200" spc="-1" strike="noStrike">
+              <a:solidFill>
+                <a:srgbClr val="000000"/>
+              </a:solidFill>
               <a:latin typeface="Arial"/>
             </a:endParaRPr>
           </a:p>
@@ -4123,7 +4496,7 @@
         <p:spPr>
           <a:xfrm>
             <a:off x="2736000" y="1621440"/>
-            <a:ext cx="1797840" cy="469080"/>
+            <a:ext cx="1796760" cy="468000"/>
           </a:xfrm>
           <a:prstGeom prst="rect">
             <a:avLst/>
@@ -4140,7 +4513,7 @@
           <a:fontRef idx="minor"/>
         </p:style>
         <p:txBody>
-          <a:bodyPr lIns="90000" rIns="90000" tIns="45000" bIns="45000">
+          <a:bodyPr lIns="90000" rIns="90000" tIns="45000" bIns="45000" anchor="t">
             <a:noAutofit/>
           </a:bodyPr>
           <a:p>
@@ -4157,9 +4530,12 @@
                 <a:latin typeface="Nunito Sans Black"/>
                 <a:ea typeface="DejaVu Sans"/>
               </a:rPr>
-              <a:t>R$ 20 Mil</a:t>
+              <a:t>$ 20 K</a:t>
             </a:r>
             <a:endParaRPr b="0" lang="pt-BR" sz="2200" spc="-1" strike="noStrike">
+              <a:solidFill>
+                <a:srgbClr val="000000"/>
+              </a:solidFill>
               <a:latin typeface="Arial"/>
             </a:endParaRPr>
           </a:p>
@@ -4174,7 +4550,7 @@
         <p:spPr>
           <a:xfrm>
             <a:off x="2880000" y="2078640"/>
-            <a:ext cx="1617840" cy="295560"/>
+            <a:ext cx="1616760" cy="294480"/>
           </a:xfrm>
           <a:prstGeom prst="rect">
             <a:avLst/>
@@ -4191,7 +4567,7 @@
           <a:fontRef idx="minor"/>
         </p:style>
         <p:txBody>
-          <a:bodyPr lIns="90000" rIns="90000" tIns="45000" bIns="45000">
+          <a:bodyPr lIns="90000" rIns="90000" tIns="45000" bIns="45000" anchor="t">
             <a:noAutofit/>
           </a:bodyPr>
           <a:p>
@@ -4211,6 +4587,9 @@
               <a:t>20%</a:t>
             </a:r>
             <a:endParaRPr b="0" lang="pt-BR" sz="1200" spc="-1" strike="noStrike">
+              <a:solidFill>
+                <a:srgbClr val="000000"/>
+              </a:solidFill>
               <a:latin typeface="Arial"/>
             </a:endParaRPr>
           </a:p>
@@ -4225,9 +4604,9 @@
         <p:grpSpPr>
           <a:xfrm>
             <a:off x="3277800" y="2121840"/>
-            <a:ext cx="130680" cy="177120"/>
+            <a:ext cx="129600" cy="176040"/>
             <a:chOff x="3277800" y="2121840"/>
-            <a:chExt cx="130680" cy="177120"/>
+            <a:chExt cx="129600" cy="176040"/>
           </a:xfrm>
         </p:grpSpPr>
         <p:sp>
@@ -4239,7 +4618,7 @@
           <p:spPr>
             <a:xfrm>
               <a:off x="3311280" y="2168280"/>
-              <a:ext cx="64440" cy="130680"/>
+              <a:ext cx="63360" cy="129600"/>
             </a:xfrm>
             <a:prstGeom prst="rect">
               <a:avLst/>
@@ -4259,6 +4638,25 @@
             <a:effectRef idx="0"/>
             <a:fontRef idx="minor"/>
           </p:style>
+          <p:txBody>
+            <a:bodyPr lIns="90000" rIns="90000" tIns="45000" bIns="45000" anchor="t">
+              <a:noAutofit/>
+            </a:bodyPr>
+            <a:p>
+              <a:pPr>
+                <a:lnSpc>
+                  <a:spcPct val="100000"/>
+                </a:lnSpc>
+              </a:pPr>
+              <a:endParaRPr b="0" lang="pt-BR" sz="1800" spc="-1" strike="noStrike">
+                <a:solidFill>
+                  <a:srgbClr val="000000"/>
+                </a:solidFill>
+                <a:latin typeface="Arial"/>
+                <a:ea typeface="DejaVu Sans"/>
+              </a:endParaRPr>
+            </a:p>
+          </p:txBody>
         </p:sp>
         <p:sp>
           <p:nvSpPr>
@@ -4269,13 +4667,18 @@
           <p:spPr>
             <a:xfrm>
               <a:off x="3277800" y="2121840"/>
-              <a:ext cx="130680" cy="64440"/>
+              <a:ext cx="129600" cy="63360"/>
             </a:xfrm>
             <a:custGeom>
               <a:avLst/>
-              <a:gdLst/>
+              <a:gdLst>
+                <a:gd name="textAreaLeft" fmla="*/ 0 w 129600"/>
+                <a:gd name="textAreaRight" fmla="*/ 130680 w 129600"/>
+                <a:gd name="textAreaTop" fmla="*/ 0 h 63360"/>
+                <a:gd name="textAreaBottom" fmla="*/ 64440 h 63360"/>
+              </a:gdLst>
               <a:ahLst/>
-              <a:rect l="l" t="t" r="r" b="b"/>
+              <a:rect l="textAreaLeft" t="textAreaTop" r="textAreaRight" b="textAreaBottom"/>
               <a:pathLst>
                 <a:path w="371" h="187">
                   <a:moveTo>
@@ -4306,6 +4709,25 @@
             <a:effectRef idx="0"/>
             <a:fontRef idx="minor"/>
           </p:style>
+          <p:txBody>
+            <a:bodyPr lIns="90000" rIns="90000" tIns="19440" bIns="19440" anchor="t">
+              <a:noAutofit/>
+            </a:bodyPr>
+            <a:p>
+              <a:pPr>
+                <a:lnSpc>
+                  <a:spcPct val="100000"/>
+                </a:lnSpc>
+              </a:pPr>
+              <a:endParaRPr b="0" lang="pt-BR" sz="1800" spc="-1" strike="noStrike">
+                <a:solidFill>
+                  <a:srgbClr val="000000"/>
+                </a:solidFill>
+                <a:latin typeface="Arial"/>
+                <a:ea typeface="DejaVu Sans"/>
+              </a:endParaRPr>
+            </a:p>
+          </p:txBody>
         </p:sp>
       </p:grpSp>
       <p:sp>
@@ -4316,8 +4738,8 @@
         </p:nvSpPr>
         <p:spPr>
           <a:xfrm>
-            <a:off x="4644000" y="1110600"/>
-            <a:ext cx="1617840" cy="502920"/>
+            <a:off x="4644000" y="1146600"/>
+            <a:ext cx="1616760" cy="501840"/>
           </a:xfrm>
           <a:prstGeom prst="rect">
             <a:avLst/>
@@ -4334,7 +4756,7 @@
           <a:fontRef idx="minor"/>
         </p:style>
         <p:txBody>
-          <a:bodyPr lIns="90000" rIns="90000" tIns="45000" bIns="45000">
+          <a:bodyPr lIns="90000" rIns="90000" tIns="45000" bIns="45000" anchor="ctr">
             <a:noAutofit/>
           </a:bodyPr>
           <a:p>
@@ -4351,9 +4773,12 @@
                 <a:latin typeface="Nunito Sans"/>
                 <a:ea typeface="DejaVu Sans"/>
               </a:rPr>
-              <a:t>Taxa de conversão geral</a:t>
+              <a:t>Conversion rate</a:t>
             </a:r>
             <a:endParaRPr b="0" lang="pt-BR" sz="1200" spc="-1" strike="noStrike">
+              <a:solidFill>
+                <a:srgbClr val="000000"/>
+              </a:solidFill>
               <a:latin typeface="Arial"/>
             </a:endParaRPr>
           </a:p>
@@ -4368,7 +4793,7 @@
         <p:spPr>
           <a:xfrm>
             <a:off x="4644000" y="1615680"/>
-            <a:ext cx="1617840" cy="469080"/>
+            <a:ext cx="1616760" cy="468000"/>
           </a:xfrm>
           <a:prstGeom prst="rect">
             <a:avLst/>
@@ -4385,7 +4810,7 @@
           <a:fontRef idx="minor"/>
         </p:style>
         <p:txBody>
-          <a:bodyPr lIns="90000" rIns="90000" tIns="45000" bIns="45000">
+          <a:bodyPr lIns="90000" rIns="90000" tIns="45000" bIns="45000" anchor="t">
             <a:noAutofit/>
           </a:bodyPr>
           <a:p>
@@ -4405,6 +4830,9 @@
               <a:t>60%</a:t>
             </a:r>
             <a:endParaRPr b="0" lang="pt-BR" sz="2200" spc="-1" strike="noStrike">
+              <a:solidFill>
+                <a:srgbClr val="000000"/>
+              </a:solidFill>
               <a:latin typeface="Arial"/>
             </a:endParaRPr>
           </a:p>
@@ -4419,7 +4847,7 @@
         <p:spPr>
           <a:xfrm>
             <a:off x="4644000" y="2072880"/>
-            <a:ext cx="1617840" cy="295560"/>
+            <a:ext cx="1616760" cy="294480"/>
           </a:xfrm>
           <a:prstGeom prst="rect">
             <a:avLst/>
@@ -4436,7 +4864,7 @@
           <a:fontRef idx="minor"/>
         </p:style>
         <p:txBody>
-          <a:bodyPr lIns="90000" rIns="90000" tIns="45000" bIns="45000">
+          <a:bodyPr lIns="90000" rIns="90000" tIns="45000" bIns="45000" anchor="t">
             <a:noAutofit/>
           </a:bodyPr>
           <a:p>
@@ -4453,9 +4881,12 @@
                 <a:latin typeface="Nunito Sans"/>
                 <a:ea typeface="DejaVu Sans"/>
               </a:rPr>
-              <a:t>15 p.p.</a:t>
+              <a:t>15 pp.</a:t>
             </a:r>
             <a:endParaRPr b="0" lang="pt-BR" sz="1200" spc="-1" strike="noStrike">
+              <a:solidFill>
+                <a:srgbClr val="000000"/>
+              </a:solidFill>
               <a:latin typeface="Arial"/>
             </a:endParaRPr>
           </a:p>
@@ -4470,9 +4901,9 @@
         <p:grpSpPr>
           <a:xfrm>
             <a:off x="5041800" y="2116080"/>
-            <a:ext cx="130680" cy="177120"/>
+            <a:ext cx="129600" cy="176040"/>
             <a:chOff x="5041800" y="2116080"/>
-            <a:chExt cx="130680" cy="177120"/>
+            <a:chExt cx="129600" cy="176040"/>
           </a:xfrm>
         </p:grpSpPr>
         <p:sp>
@@ -4484,7 +4915,7 @@
           <p:spPr>
             <a:xfrm>
               <a:off x="5075280" y="2162520"/>
-              <a:ext cx="64440" cy="130680"/>
+              <a:ext cx="63360" cy="129600"/>
             </a:xfrm>
             <a:prstGeom prst="rect">
               <a:avLst/>
@@ -4504,6 +4935,25 @@
             <a:effectRef idx="0"/>
             <a:fontRef idx="minor"/>
           </p:style>
+          <p:txBody>
+            <a:bodyPr lIns="90000" rIns="90000" tIns="45000" bIns="45000" anchor="t">
+              <a:noAutofit/>
+            </a:bodyPr>
+            <a:p>
+              <a:pPr>
+                <a:lnSpc>
+                  <a:spcPct val="100000"/>
+                </a:lnSpc>
+              </a:pPr>
+              <a:endParaRPr b="0" lang="pt-BR" sz="1800" spc="-1" strike="noStrike">
+                <a:solidFill>
+                  <a:srgbClr val="000000"/>
+                </a:solidFill>
+                <a:latin typeface="Arial"/>
+                <a:ea typeface="DejaVu Sans"/>
+              </a:endParaRPr>
+            </a:p>
+          </p:txBody>
         </p:sp>
         <p:sp>
           <p:nvSpPr>
@@ -4514,13 +4964,18 @@
           <p:spPr>
             <a:xfrm>
               <a:off x="5041800" y="2116080"/>
-              <a:ext cx="130680" cy="64440"/>
+              <a:ext cx="129600" cy="63360"/>
             </a:xfrm>
             <a:custGeom>
               <a:avLst/>
-              <a:gdLst/>
+              <a:gdLst>
+                <a:gd name="textAreaLeft" fmla="*/ 0 w 129600"/>
+                <a:gd name="textAreaRight" fmla="*/ 130680 w 129600"/>
+                <a:gd name="textAreaTop" fmla="*/ 0 h 63360"/>
+                <a:gd name="textAreaBottom" fmla="*/ 64440 h 63360"/>
+              </a:gdLst>
               <a:ahLst/>
-              <a:rect l="l" t="t" r="r" b="b"/>
+              <a:rect l="textAreaLeft" t="textAreaTop" r="textAreaRight" b="textAreaBottom"/>
               <a:pathLst>
                 <a:path w="371" h="187">
                   <a:moveTo>
@@ -4551,6 +5006,25 @@
             <a:effectRef idx="0"/>
             <a:fontRef idx="minor"/>
           </p:style>
+          <p:txBody>
+            <a:bodyPr lIns="90000" rIns="90000" tIns="19440" bIns="19440" anchor="t">
+              <a:noAutofit/>
+            </a:bodyPr>
+            <a:p>
+              <a:pPr>
+                <a:lnSpc>
+                  <a:spcPct val="100000"/>
+                </a:lnSpc>
+              </a:pPr>
+              <a:endParaRPr b="0" lang="pt-BR" sz="1800" spc="-1" strike="noStrike">
+                <a:solidFill>
+                  <a:srgbClr val="000000"/>
+                </a:solidFill>
+                <a:latin typeface="Arial"/>
+                <a:ea typeface="DejaVu Sans"/>
+              </a:endParaRPr>
+            </a:p>
+          </p:txBody>
         </p:sp>
       </p:grpSp>
       <p:sp>
@@ -4562,7 +5036,7 @@
         <p:spPr>
           <a:xfrm>
             <a:off x="6444000" y="1110600"/>
-            <a:ext cx="1617840" cy="502920"/>
+            <a:ext cx="1616760" cy="501840"/>
           </a:xfrm>
           <a:prstGeom prst="rect">
             <a:avLst/>
@@ -4579,7 +5053,7 @@
           <a:fontRef idx="minor"/>
         </p:style>
         <p:txBody>
-          <a:bodyPr lIns="90000" rIns="90000" tIns="45000" bIns="45000">
+          <a:bodyPr lIns="90000" rIns="90000" tIns="45000" bIns="45000" anchor="t">
             <a:noAutofit/>
           </a:bodyPr>
           <a:p>
@@ -4596,9 +5070,12 @@
                 <a:latin typeface="Nunito Sans"/>
                 <a:ea typeface="DejaVu Sans"/>
               </a:rPr>
-              <a:t>Taxa de sucesso nas chamadas de API</a:t>
+              <a:t>API calls success rate</a:t>
             </a:r>
             <a:endParaRPr b="0" lang="pt-BR" sz="1200" spc="-1" strike="noStrike">
+              <a:solidFill>
+                <a:srgbClr val="000000"/>
+              </a:solidFill>
               <a:latin typeface="Arial"/>
             </a:endParaRPr>
           </a:p>
@@ -4613,7 +5090,7 @@
         <p:spPr>
           <a:xfrm>
             <a:off x="6300000" y="1615680"/>
-            <a:ext cx="1797840" cy="469080"/>
+            <a:ext cx="1796760" cy="468000"/>
           </a:xfrm>
           <a:prstGeom prst="rect">
             <a:avLst/>
@@ -4630,7 +5107,7 @@
           <a:fontRef idx="minor"/>
         </p:style>
         <p:txBody>
-          <a:bodyPr lIns="90000" rIns="90000" tIns="45000" bIns="45000">
+          <a:bodyPr lIns="90000" rIns="90000" tIns="45000" bIns="45000" anchor="t">
             <a:noAutofit/>
           </a:bodyPr>
           <a:p>
@@ -4650,6 +5127,9 @@
               <a:t>90%</a:t>
             </a:r>
             <a:endParaRPr b="0" lang="pt-BR" sz="2200" spc="-1" strike="noStrike">
+              <a:solidFill>
+                <a:srgbClr val="000000"/>
+              </a:solidFill>
               <a:latin typeface="Arial"/>
             </a:endParaRPr>
           </a:p>
@@ -4664,7 +5144,7 @@
         <p:spPr>
           <a:xfrm>
             <a:off x="6444000" y="2072880"/>
-            <a:ext cx="1617840" cy="295560"/>
+            <a:ext cx="1616760" cy="294480"/>
           </a:xfrm>
           <a:prstGeom prst="rect">
             <a:avLst/>
@@ -4681,7 +5161,7 @@
           <a:fontRef idx="minor"/>
         </p:style>
         <p:txBody>
-          <a:bodyPr lIns="90000" rIns="90000" tIns="45000" bIns="45000">
+          <a:bodyPr lIns="90000" rIns="90000" tIns="45000" bIns="45000" anchor="t">
             <a:noAutofit/>
           </a:bodyPr>
           <a:p>
@@ -4698,9 +5178,12 @@
                 <a:latin typeface="Nunito Sans"/>
                 <a:ea typeface="DejaVu Sans"/>
               </a:rPr>
-              <a:t>40 p.p.</a:t>
+              <a:t>40 pp.</a:t>
             </a:r>
             <a:endParaRPr b="0" lang="pt-BR" sz="1200" spc="-1" strike="noStrike">
+              <a:solidFill>
+                <a:srgbClr val="000000"/>
+              </a:solidFill>
               <a:latin typeface="Arial"/>
             </a:endParaRPr>
           </a:p>
@@ -4715,9 +5198,9 @@
         <p:grpSpPr>
           <a:xfrm>
             <a:off x="6841800" y="2116080"/>
-            <a:ext cx="130680" cy="177120"/>
+            <a:ext cx="129600" cy="176040"/>
             <a:chOff x="6841800" y="2116080"/>
-            <a:chExt cx="130680" cy="177120"/>
+            <a:chExt cx="129600" cy="176040"/>
           </a:xfrm>
         </p:grpSpPr>
         <p:sp>
@@ -4729,7 +5212,7 @@
           <p:spPr>
             <a:xfrm>
               <a:off x="6875280" y="2162520"/>
-              <a:ext cx="64440" cy="130680"/>
+              <a:ext cx="63360" cy="129600"/>
             </a:xfrm>
             <a:prstGeom prst="rect">
               <a:avLst/>
@@ -4749,6 +5232,25 @@
             <a:effectRef idx="0"/>
             <a:fontRef idx="minor"/>
           </p:style>
+          <p:txBody>
+            <a:bodyPr lIns="90000" rIns="90000" tIns="45000" bIns="45000" anchor="t">
+              <a:noAutofit/>
+            </a:bodyPr>
+            <a:p>
+              <a:pPr>
+                <a:lnSpc>
+                  <a:spcPct val="100000"/>
+                </a:lnSpc>
+              </a:pPr>
+              <a:endParaRPr b="0" lang="pt-BR" sz="1800" spc="-1" strike="noStrike">
+                <a:solidFill>
+                  <a:srgbClr val="000000"/>
+                </a:solidFill>
+                <a:latin typeface="Arial"/>
+                <a:ea typeface="DejaVu Sans"/>
+              </a:endParaRPr>
+            </a:p>
+          </p:txBody>
         </p:sp>
         <p:sp>
           <p:nvSpPr>
@@ -4759,13 +5261,18 @@
           <p:spPr>
             <a:xfrm>
               <a:off x="6841800" y="2116080"/>
-              <a:ext cx="130680" cy="64440"/>
+              <a:ext cx="129600" cy="63360"/>
             </a:xfrm>
             <a:custGeom>
               <a:avLst/>
-              <a:gdLst/>
+              <a:gdLst>
+                <a:gd name="textAreaLeft" fmla="*/ 0 w 129600"/>
+                <a:gd name="textAreaRight" fmla="*/ 130680 w 129600"/>
+                <a:gd name="textAreaTop" fmla="*/ 0 h 63360"/>
+                <a:gd name="textAreaBottom" fmla="*/ 64440 h 63360"/>
+              </a:gdLst>
               <a:ahLst/>
-              <a:rect l="l" t="t" r="r" b="b"/>
+              <a:rect l="textAreaLeft" t="textAreaTop" r="textAreaRight" b="textAreaBottom"/>
               <a:pathLst>
                 <a:path w="371" h="187">
                   <a:moveTo>
@@ -4796,6 +5303,25 @@
             <a:effectRef idx="0"/>
             <a:fontRef idx="minor"/>
           </p:style>
+          <p:txBody>
+            <a:bodyPr lIns="90000" rIns="90000" tIns="19440" bIns="19440" anchor="t">
+              <a:noAutofit/>
+            </a:bodyPr>
+            <a:p>
+              <a:pPr>
+                <a:lnSpc>
+                  <a:spcPct val="100000"/>
+                </a:lnSpc>
+              </a:pPr>
+              <a:endParaRPr b="0" lang="pt-BR" sz="1800" spc="-1" strike="noStrike">
+                <a:solidFill>
+                  <a:srgbClr val="000000"/>
+                </a:solidFill>
+                <a:latin typeface="Arial"/>
+                <a:ea typeface="DejaVu Sans"/>
+              </a:endParaRPr>
+            </a:p>
+          </p:txBody>
         </p:sp>
       </p:grpSp>
       <p:sp>
@@ -4807,7 +5333,7 @@
         <p:spPr>
           <a:xfrm>
             <a:off x="1548000" y="3240360"/>
-            <a:ext cx="1617840" cy="295560"/>
+            <a:ext cx="1616760" cy="294480"/>
           </a:xfrm>
           <a:prstGeom prst="rect">
             <a:avLst/>
@@ -4824,7 +5350,7 @@
           <a:fontRef idx="minor"/>
         </p:style>
         <p:txBody>
-          <a:bodyPr lIns="90000" rIns="90000" tIns="45000" bIns="45000">
+          <a:bodyPr lIns="90000" rIns="90000" tIns="45000" bIns="45000" anchor="t">
             <a:noAutofit/>
           </a:bodyPr>
           <a:p>
@@ -4841,9 +5367,12 @@
                 <a:latin typeface="Nunito Sans"/>
                 <a:ea typeface="DejaVu Sans"/>
               </a:rPr>
-              <a:t>Empréstimo Consignado</a:t>
+              <a:t>Payroll loan</a:t>
             </a:r>
             <a:endParaRPr b="0" lang="pt-BR" sz="1200" spc="-1" strike="noStrike">
+              <a:solidFill>
+                <a:srgbClr val="000000"/>
+              </a:solidFill>
               <a:latin typeface="Arial"/>
             </a:endParaRPr>
           </a:p>
@@ -4858,7 +5387,7 @@
         <p:spPr>
           <a:xfrm>
             <a:off x="1404000" y="3637440"/>
-            <a:ext cx="1797840" cy="469080"/>
+            <a:ext cx="1796760" cy="468000"/>
           </a:xfrm>
           <a:prstGeom prst="rect">
             <a:avLst/>
@@ -4875,7 +5404,7 @@
           <a:fontRef idx="minor"/>
         </p:style>
         <p:txBody>
-          <a:bodyPr lIns="90000" rIns="90000" tIns="45000" bIns="45000">
+          <a:bodyPr lIns="90000" rIns="90000" tIns="45000" bIns="45000" anchor="t">
             <a:noAutofit/>
           </a:bodyPr>
           <a:p>
@@ -4892,9 +5421,12 @@
                 <a:latin typeface="Nunito Sans Black"/>
                 <a:ea typeface="DejaVu Sans"/>
               </a:rPr>
-              <a:t>R$ 8 Mil</a:t>
+              <a:t>$ 8 K</a:t>
             </a:r>
             <a:endParaRPr b="0" lang="pt-BR" sz="2200" spc="-1" strike="noStrike">
+              <a:solidFill>
+                <a:srgbClr val="000000"/>
+              </a:solidFill>
               <a:latin typeface="Arial"/>
             </a:endParaRPr>
           </a:p>
@@ -4909,7 +5441,7 @@
         <p:spPr>
           <a:xfrm>
             <a:off x="1548000" y="4094640"/>
-            <a:ext cx="1617840" cy="295560"/>
+            <a:ext cx="1616760" cy="294480"/>
           </a:xfrm>
           <a:prstGeom prst="rect">
             <a:avLst/>
@@ -4926,7 +5458,7 @@
           <a:fontRef idx="minor"/>
         </p:style>
         <p:txBody>
-          <a:bodyPr lIns="90000" rIns="90000" tIns="45000" bIns="45000">
+          <a:bodyPr lIns="90000" rIns="90000" tIns="45000" bIns="45000" anchor="t">
             <a:noAutofit/>
           </a:bodyPr>
           <a:p>
@@ -4946,6 +5478,9 @@
               <a:t>5%</a:t>
             </a:r>
             <a:endParaRPr b="0" lang="pt-BR" sz="1200" spc="-1" strike="noStrike">
+              <a:solidFill>
+                <a:srgbClr val="000000"/>
+              </a:solidFill>
               <a:latin typeface="Arial"/>
             </a:endParaRPr>
           </a:p>
@@ -4959,10 +5494,10 @@
         </p:nvGrpSpPr>
         <p:grpSpPr>
           <a:xfrm>
-            <a:off x="2017800" y="4135680"/>
-            <a:ext cx="130680" cy="178920"/>
-            <a:chOff x="2017800" y="4135680"/>
-            <a:chExt cx="130680" cy="178920"/>
+            <a:off x="2017800" y="4134600"/>
+            <a:ext cx="129600" cy="178920"/>
+            <a:chOff x="2017800" y="4134600"/>
+            <a:chExt cx="129600" cy="178920"/>
           </a:xfrm>
         </p:grpSpPr>
         <p:sp>
@@ -4973,8 +5508,8 @@
           </p:nvSpPr>
           <p:spPr>
             <a:xfrm flipV="1">
-              <a:off x="2051280" y="4135320"/>
-              <a:ext cx="64440" cy="130680"/>
+              <a:off x="2051280" y="4134600"/>
+              <a:ext cx="63360" cy="129600"/>
             </a:xfrm>
             <a:prstGeom prst="rect">
               <a:avLst/>
@@ -4994,6 +5529,25 @@
             <a:effectRef idx="0"/>
             <a:fontRef idx="minor"/>
           </p:style>
+          <p:txBody>
+            <a:bodyPr lIns="90000" rIns="90000" tIns="45000" bIns="45000" anchor="t">
+              <a:noAutofit/>
+            </a:bodyPr>
+            <a:p>
+              <a:pPr>
+                <a:lnSpc>
+                  <a:spcPct val="100000"/>
+                </a:lnSpc>
+              </a:pPr>
+              <a:endParaRPr b="0" lang="pt-BR" sz="1800" spc="-1" strike="noStrike">
+                <a:solidFill>
+                  <a:srgbClr val="000000"/>
+                </a:solidFill>
+                <a:latin typeface="Arial"/>
+                <a:ea typeface="DejaVu Sans"/>
+              </a:endParaRPr>
+            </a:p>
+          </p:txBody>
         </p:sp>
         <p:sp>
           <p:nvSpPr>
@@ -5004,13 +5558,18 @@
           <p:spPr>
             <a:xfrm>
               <a:off x="2017800" y="4250160"/>
-              <a:ext cx="130680" cy="64440"/>
+              <a:ext cx="129600" cy="63360"/>
             </a:xfrm>
             <a:custGeom>
               <a:avLst/>
-              <a:gdLst/>
+              <a:gdLst>
+                <a:gd name="textAreaLeft" fmla="*/ 0 w 129600"/>
+                <a:gd name="textAreaRight" fmla="*/ 130680 w 129600"/>
+                <a:gd name="textAreaTop" fmla="*/ 0 h 63360"/>
+                <a:gd name="textAreaBottom" fmla="*/ 64440 h 63360"/>
+              </a:gdLst>
               <a:ahLst/>
-              <a:rect l="l" t="t" r="r" b="b"/>
+              <a:rect l="textAreaLeft" t="textAreaTop" r="textAreaRight" b="textAreaBottom"/>
               <a:pathLst>
                 <a:path w="371" h="187">
                   <a:moveTo>
@@ -5041,6 +5600,25 @@
             <a:effectRef idx="0"/>
             <a:fontRef idx="minor"/>
           </p:style>
+          <p:txBody>
+            <a:bodyPr lIns="90000" rIns="90000" tIns="19440" bIns="19440" anchor="t">
+              <a:noAutofit/>
+            </a:bodyPr>
+            <a:p>
+              <a:pPr>
+                <a:lnSpc>
+                  <a:spcPct val="100000"/>
+                </a:lnSpc>
+              </a:pPr>
+              <a:endParaRPr b="0" lang="pt-BR" sz="1800" spc="-1" strike="noStrike">
+                <a:solidFill>
+                  <a:srgbClr val="000000"/>
+                </a:solidFill>
+                <a:latin typeface="Arial"/>
+                <a:ea typeface="DejaVu Sans"/>
+              </a:endParaRPr>
+            </a:p>
+          </p:txBody>
         </p:sp>
       </p:grpSp>
       <p:sp>
@@ -5052,7 +5630,7 @@
         <p:spPr>
           <a:xfrm>
             <a:off x="3600000" y="3132000"/>
-            <a:ext cx="2050920" cy="502920"/>
+            <a:ext cx="2049840" cy="501840"/>
           </a:xfrm>
           <a:prstGeom prst="rect">
             <a:avLst/>
@@ -5069,7 +5647,7 @@
           <a:fontRef idx="minor"/>
         </p:style>
         <p:txBody>
-          <a:bodyPr lIns="90000" rIns="90000" tIns="45000" bIns="45000">
+          <a:bodyPr lIns="90000" rIns="90000" tIns="45000" bIns="45000" anchor="t">
             <a:noAutofit/>
           </a:bodyPr>
           <a:p>
@@ -5086,9 +5664,12 @@
                 <a:latin typeface="Nunito Sans"/>
                 <a:ea typeface="DejaVu Sans"/>
               </a:rPr>
-              <a:t>Empréstimo com garantia</a:t>
+              <a:t>Secured loan</a:t>
             </a:r>
             <a:endParaRPr b="0" lang="pt-BR" sz="1200" spc="-1" strike="noStrike">
+              <a:solidFill>
+                <a:srgbClr val="000000"/>
+              </a:solidFill>
               <a:latin typeface="Arial"/>
             </a:endParaRPr>
           </a:p>
@@ -5106,9 +5687,12 @@
                 <a:latin typeface="Nunito Sans"/>
                 <a:ea typeface="DejaVu Sans"/>
               </a:rPr>
-              <a:t>sobre veículos</a:t>
+              <a:t>over vehicles</a:t>
             </a:r>
             <a:endParaRPr b="0" lang="pt-BR" sz="1200" spc="-1" strike="noStrike">
+              <a:solidFill>
+                <a:srgbClr val="000000"/>
+              </a:solidFill>
               <a:latin typeface="Arial"/>
             </a:endParaRPr>
           </a:p>
@@ -5123,7 +5707,7 @@
         <p:spPr>
           <a:xfrm>
             <a:off x="3744000" y="3565440"/>
-            <a:ext cx="1797840" cy="469080"/>
+            <a:ext cx="1796760" cy="468000"/>
           </a:xfrm>
           <a:prstGeom prst="rect">
             <a:avLst/>
@@ -5140,7 +5724,7 @@
           <a:fontRef idx="minor"/>
         </p:style>
         <p:txBody>
-          <a:bodyPr lIns="90000" rIns="90000" tIns="45000" bIns="45000">
+          <a:bodyPr lIns="90000" rIns="90000" tIns="45000" bIns="45000" anchor="t">
             <a:noAutofit/>
           </a:bodyPr>
           <a:p>
@@ -5157,9 +5741,12 @@
                 <a:latin typeface="Nunito Sans Black"/>
                 <a:ea typeface="DejaVu Sans"/>
               </a:rPr>
-              <a:t>R$ 12 Mil</a:t>
+              <a:t>$ 12 K</a:t>
             </a:r>
             <a:endParaRPr b="0" lang="pt-BR" sz="2200" spc="-1" strike="noStrike">
+              <a:solidFill>
+                <a:srgbClr val="000000"/>
+              </a:solidFill>
               <a:latin typeface="Arial"/>
             </a:endParaRPr>
           </a:p>
@@ -5174,7 +5761,7 @@
         <p:spPr>
           <a:xfrm>
             <a:off x="3888000" y="4022640"/>
-            <a:ext cx="1617840" cy="295560"/>
+            <a:ext cx="1616760" cy="294480"/>
           </a:xfrm>
           <a:prstGeom prst="rect">
             <a:avLst/>
@@ -5191,7 +5778,7 @@
           <a:fontRef idx="minor"/>
         </p:style>
         <p:txBody>
-          <a:bodyPr lIns="90000" rIns="90000" tIns="45000" bIns="45000">
+          <a:bodyPr lIns="90000" rIns="90000" tIns="45000" bIns="45000" anchor="t">
             <a:noAutofit/>
           </a:bodyPr>
           <a:p>
@@ -5211,6 +5798,9 @@
               <a:t>100%</a:t>
             </a:r>
             <a:endParaRPr b="0" lang="pt-BR" sz="1200" spc="-1" strike="noStrike">
+              <a:solidFill>
+                <a:srgbClr val="000000"/>
+              </a:solidFill>
               <a:latin typeface="Arial"/>
             </a:endParaRPr>
           </a:p>
@@ -5225,9 +5815,9 @@
         <p:grpSpPr>
           <a:xfrm>
             <a:off x="4285800" y="4065840"/>
-            <a:ext cx="130680" cy="177120"/>
+            <a:ext cx="129600" cy="176040"/>
             <a:chOff x="4285800" y="4065840"/>
-            <a:chExt cx="130680" cy="177120"/>
+            <a:chExt cx="129600" cy="176040"/>
           </a:xfrm>
         </p:grpSpPr>
         <p:sp>
@@ -5239,7 +5829,7 @@
           <p:spPr>
             <a:xfrm>
               <a:off x="4319280" y="4112280"/>
-              <a:ext cx="64440" cy="130680"/>
+              <a:ext cx="63360" cy="129600"/>
             </a:xfrm>
             <a:prstGeom prst="rect">
               <a:avLst/>
@@ -5259,6 +5849,25 @@
             <a:effectRef idx="0"/>
             <a:fontRef idx="minor"/>
           </p:style>
+          <p:txBody>
+            <a:bodyPr lIns="90000" rIns="90000" tIns="45000" bIns="45000" anchor="t">
+              <a:noAutofit/>
+            </a:bodyPr>
+            <a:p>
+              <a:pPr>
+                <a:lnSpc>
+                  <a:spcPct val="100000"/>
+                </a:lnSpc>
+              </a:pPr>
+              <a:endParaRPr b="0" lang="pt-BR" sz="1800" spc="-1" strike="noStrike">
+                <a:solidFill>
+                  <a:srgbClr val="000000"/>
+                </a:solidFill>
+                <a:latin typeface="Arial"/>
+                <a:ea typeface="DejaVu Sans"/>
+              </a:endParaRPr>
+            </a:p>
+          </p:txBody>
         </p:sp>
         <p:sp>
           <p:nvSpPr>
@@ -5269,13 +5878,18 @@
           <p:spPr>
             <a:xfrm>
               <a:off x="4285800" y="4065840"/>
-              <a:ext cx="130680" cy="64440"/>
+              <a:ext cx="129600" cy="63360"/>
             </a:xfrm>
             <a:custGeom>
               <a:avLst/>
-              <a:gdLst/>
+              <a:gdLst>
+                <a:gd name="textAreaLeft" fmla="*/ 0 w 129600"/>
+                <a:gd name="textAreaRight" fmla="*/ 130680 w 129600"/>
+                <a:gd name="textAreaTop" fmla="*/ 0 h 63360"/>
+                <a:gd name="textAreaBottom" fmla="*/ 64440 h 63360"/>
+              </a:gdLst>
               <a:ahLst/>
-              <a:rect l="l" t="t" r="r" b="b"/>
+              <a:rect l="textAreaLeft" t="textAreaTop" r="textAreaRight" b="textAreaBottom"/>
               <a:pathLst>
                 <a:path w="371" h="187">
                   <a:moveTo>
@@ -5306,6 +5920,25 @@
             <a:effectRef idx="0"/>
             <a:fontRef idx="minor"/>
           </p:style>
+          <p:txBody>
+            <a:bodyPr lIns="90000" rIns="90000" tIns="19440" bIns="19440" anchor="t">
+              <a:noAutofit/>
+            </a:bodyPr>
+            <a:p>
+              <a:pPr>
+                <a:lnSpc>
+                  <a:spcPct val="100000"/>
+                </a:lnSpc>
+              </a:pPr>
+              <a:endParaRPr b="0" lang="pt-BR" sz="1800" spc="-1" strike="noStrike">
+                <a:solidFill>
+                  <a:srgbClr val="000000"/>
+                </a:solidFill>
+                <a:latin typeface="Arial"/>
+                <a:ea typeface="DejaVu Sans"/>
+              </a:endParaRPr>
+            </a:p>
+          </p:txBody>
         </p:sp>
       </p:grpSp>
       <p:sp>
@@ -5336,6 +5969,20 @@
           <a:effectRef idx="0"/>
           <a:fontRef idx="minor"/>
         </p:style>
+        <p:txBody>
+          <a:bodyPr lIns="90000" rIns="90000" tIns="45000" bIns="45000" anchor="t" anchorCtr="1">
+            <a:noAutofit/>
+          </a:bodyPr>
+          <a:p>
+            <a:endParaRPr b="0" lang="pt-BR" sz="1800" spc="-1" strike="noStrike">
+              <a:solidFill>
+                <a:srgbClr val="000000"/>
+              </a:solidFill>
+              <a:latin typeface="Arial"/>
+              <a:ea typeface="DejaVu Sans"/>
+            </a:endParaRPr>
+          </a:p>
+        </p:txBody>
       </p:sp>
       <p:sp>
         <p:nvSpPr>
@@ -5365,6 +6012,20 @@
           <a:effectRef idx="0"/>
           <a:fontRef idx="minor"/>
         </p:style>
+        <p:txBody>
+          <a:bodyPr lIns="90000" rIns="90000" tIns="45000" bIns="45000" anchor="t" anchorCtr="1">
+            <a:noAutofit/>
+          </a:bodyPr>
+          <a:p>
+            <a:endParaRPr b="0" lang="pt-BR" sz="1800" spc="-1" strike="noStrike">
+              <a:solidFill>
+                <a:srgbClr val="000000"/>
+              </a:solidFill>
+              <a:latin typeface="Arial"/>
+              <a:ea typeface="DejaVu Sans"/>
+            </a:endParaRPr>
+          </a:p>
+        </p:txBody>
       </p:sp>
     </p:spTree>
   </p:cSld>
@@ -5380,7 +6041,7 @@
 </file>
 
 <file path=ppt/slides/slide3.xml><?xml version="1.0" encoding="utf-8"?>
-<p:sld xmlns:a="http://schemas.openxmlformats.org/drawingml/2006/main" xmlns:p="http://schemas.openxmlformats.org/presentationml/2006/main" xmlns:r="http://schemas.openxmlformats.org/officeDocument/2006/relationships" xmlns:p14="http://schemas.microsoft.com/office/powerpoint/2010/main" xmlns:p15="http://schemas.microsoft.com/office/powerpoint/2012/main" xmlns:mc="http://schemas.openxmlformats.org/markup-compatibility/2006">
+<p:sld xmlns:a="http://schemas.openxmlformats.org/drawingml/2006/main" xmlns:p="http://schemas.openxmlformats.org/presentationml/2006/main" xmlns:r="http://schemas.openxmlformats.org/officeDocument/2006/relationships" xmlns:p14="http://schemas.microsoft.com/office/powerpoint/2010/main" xmlns:p15="http://schemas.microsoft.com/office/powerpoint/2012/main" xmlns:mc="http://schemas.openxmlformats.org/markup-compatibility/2006" show="0">
   <p:cSld>
     <p:spTree>
       <p:nvGrpSpPr>
@@ -5405,7 +6066,7 @@
         <p:spPr>
           <a:xfrm>
             <a:off x="3420000" y="180000"/>
-            <a:ext cx="2337840" cy="504360"/>
+            <a:ext cx="2336760" cy="503280"/>
           </a:xfrm>
           <a:prstGeom prst="rect">
             <a:avLst/>
@@ -5422,7 +6083,7 @@
           <a:fontRef idx="minor"/>
         </p:style>
         <p:txBody>
-          <a:bodyPr lIns="90000" rIns="90000" tIns="45000" bIns="45000">
+          <a:bodyPr lIns="90000" rIns="90000" tIns="45000" bIns="45000" anchor="t">
             <a:noAutofit/>
           </a:bodyPr>
           <a:p>
@@ -5439,9 +6100,12 @@
                 <a:latin typeface="Nunito Sans Black"/>
                 <a:ea typeface="DejaVu Sans"/>
               </a:rPr>
-              <a:t>VENDAS</a:t>
+              <a:t>SALES</a:t>
             </a:r>
             <a:endParaRPr b="0" lang="pt-BR" sz="2400" spc="-1" strike="noStrike">
+              <a:solidFill>
+                <a:srgbClr val="000000"/>
+              </a:solidFill>
               <a:latin typeface="Arial"/>
             </a:endParaRPr>
           </a:p>
@@ -5456,7 +6120,7 @@
         <p:spPr>
           <a:xfrm>
             <a:off x="324360" y="1980000"/>
-            <a:ext cx="1617840" cy="502920"/>
+            <a:ext cx="1616760" cy="501840"/>
           </a:xfrm>
           <a:prstGeom prst="rect">
             <a:avLst/>
@@ -5473,7 +6137,7 @@
           <a:fontRef idx="minor"/>
         </p:style>
         <p:txBody>
-          <a:bodyPr lIns="90000" rIns="90000" tIns="45000" bIns="45000">
+          <a:bodyPr lIns="90000" rIns="90000" tIns="45000" bIns="45000" anchor="t">
             <a:noAutofit/>
           </a:bodyPr>
           <a:p>
@@ -5490,9 +6154,12 @@
                 <a:latin typeface="Nunito Sans"/>
                 <a:ea typeface="DejaVu Sans"/>
               </a:rPr>
-              <a:t>Número de propostas vendidas</a:t>
+              <a:t>Number of proposals sold</a:t>
             </a:r>
             <a:endParaRPr b="0" lang="pt-BR" sz="1200" spc="-1" strike="noStrike">
+              <a:solidFill>
+                <a:srgbClr val="000000"/>
+              </a:solidFill>
               <a:latin typeface="Arial"/>
             </a:endParaRPr>
           </a:p>
@@ -5507,7 +6174,7 @@
         <p:spPr>
           <a:xfrm>
             <a:off x="324360" y="2485080"/>
-            <a:ext cx="1617840" cy="469080"/>
+            <a:ext cx="1616760" cy="468000"/>
           </a:xfrm>
           <a:prstGeom prst="rect">
             <a:avLst/>
@@ -5524,7 +6191,7 @@
           <a:fontRef idx="minor"/>
         </p:style>
         <p:txBody>
-          <a:bodyPr lIns="90000" rIns="90000" tIns="45000" bIns="45000">
+          <a:bodyPr lIns="90000" rIns="90000" tIns="45000" bIns="45000" anchor="t">
             <a:noAutofit/>
           </a:bodyPr>
           <a:p>
@@ -5541,9 +6208,12 @@
                 <a:latin typeface="Nunito Sans Black"/>
                 <a:ea typeface="DejaVu Sans"/>
               </a:rPr>
-              <a:t>1.500</a:t>
+              <a:t>1,500</a:t>
             </a:r>
             <a:endParaRPr b="0" lang="pt-BR" sz="2200" spc="-1" strike="noStrike">
+              <a:solidFill>
+                <a:srgbClr val="000000"/>
+              </a:solidFill>
               <a:latin typeface="Arial"/>
             </a:endParaRPr>
           </a:p>
@@ -5558,7 +6228,7 @@
         <p:spPr>
           <a:xfrm>
             <a:off x="324360" y="2942280"/>
-            <a:ext cx="1617840" cy="295560"/>
+            <a:ext cx="1616760" cy="294480"/>
           </a:xfrm>
           <a:prstGeom prst="rect">
             <a:avLst/>
@@ -5575,7 +6245,7 @@
           <a:fontRef idx="minor"/>
         </p:style>
         <p:txBody>
-          <a:bodyPr lIns="90000" rIns="90000" tIns="45000" bIns="45000">
+          <a:bodyPr lIns="90000" rIns="90000" tIns="45000" bIns="45000" anchor="t">
             <a:noAutofit/>
           </a:bodyPr>
           <a:p>
@@ -5595,6 +6265,9 @@
               <a:t>15%</a:t>
             </a:r>
             <a:endParaRPr b="0" lang="pt-BR" sz="1200" spc="-1" strike="noStrike">
+              <a:solidFill>
+                <a:srgbClr val="000000"/>
+              </a:solidFill>
               <a:latin typeface="Arial"/>
             </a:endParaRPr>
           </a:p>
@@ -5609,9 +6282,9 @@
         <p:grpSpPr>
           <a:xfrm>
             <a:off x="722160" y="2985480"/>
-            <a:ext cx="130680" cy="177120"/>
+            <a:ext cx="129600" cy="176040"/>
             <a:chOff x="722160" y="2985480"/>
-            <a:chExt cx="130680" cy="177120"/>
+            <a:chExt cx="129600" cy="176040"/>
           </a:xfrm>
         </p:grpSpPr>
         <p:sp>
@@ -5623,7 +6296,7 @@
           <p:spPr>
             <a:xfrm>
               <a:off x="755640" y="3031920"/>
-              <a:ext cx="64440" cy="130680"/>
+              <a:ext cx="63360" cy="129600"/>
             </a:xfrm>
             <a:prstGeom prst="rect">
               <a:avLst/>
@@ -5643,6 +6316,25 @@
             <a:effectRef idx="0"/>
             <a:fontRef idx="minor"/>
           </p:style>
+          <p:txBody>
+            <a:bodyPr lIns="90000" rIns="90000" tIns="45000" bIns="45000" anchor="t">
+              <a:noAutofit/>
+            </a:bodyPr>
+            <a:p>
+              <a:pPr>
+                <a:lnSpc>
+                  <a:spcPct val="100000"/>
+                </a:lnSpc>
+              </a:pPr>
+              <a:endParaRPr b="0" lang="pt-BR" sz="1800" spc="-1" strike="noStrike">
+                <a:solidFill>
+                  <a:srgbClr val="000000"/>
+                </a:solidFill>
+                <a:latin typeface="Arial"/>
+                <a:ea typeface="DejaVu Sans"/>
+              </a:endParaRPr>
+            </a:p>
+          </p:txBody>
         </p:sp>
         <p:sp>
           <p:nvSpPr>
@@ -5653,13 +6345,18 @@
           <p:spPr>
             <a:xfrm>
               <a:off x="722160" y="2985480"/>
-              <a:ext cx="130680" cy="64440"/>
+              <a:ext cx="129600" cy="63360"/>
             </a:xfrm>
             <a:custGeom>
               <a:avLst/>
-              <a:gdLst/>
+              <a:gdLst>
+                <a:gd name="textAreaLeft" fmla="*/ 0 w 129600"/>
+                <a:gd name="textAreaRight" fmla="*/ 130680 w 129600"/>
+                <a:gd name="textAreaTop" fmla="*/ 0 h 63360"/>
+                <a:gd name="textAreaBottom" fmla="*/ 64440 h 63360"/>
+              </a:gdLst>
               <a:ahLst/>
-              <a:rect l="l" t="t" r="r" b="b"/>
+              <a:rect l="textAreaLeft" t="textAreaTop" r="textAreaRight" b="textAreaBottom"/>
               <a:pathLst>
                 <a:path w="371" h="187">
                   <a:moveTo>
@@ -5690,6 +6387,25 @@
             <a:effectRef idx="0"/>
             <a:fontRef idx="minor"/>
           </p:style>
+          <p:txBody>
+            <a:bodyPr lIns="90000" rIns="90000" tIns="19440" bIns="19440" anchor="t">
+              <a:noAutofit/>
+            </a:bodyPr>
+            <a:p>
+              <a:pPr>
+                <a:lnSpc>
+                  <a:spcPct val="100000"/>
+                </a:lnSpc>
+              </a:pPr>
+              <a:endParaRPr b="0" lang="pt-BR" sz="1800" spc="-1" strike="noStrike">
+                <a:solidFill>
+                  <a:srgbClr val="000000"/>
+                </a:solidFill>
+                <a:latin typeface="Arial"/>
+                <a:ea typeface="DejaVu Sans"/>
+              </a:endParaRPr>
+            </a:p>
+          </p:txBody>
         </p:sp>
       </p:grpSp>
       <p:sp>
@@ -5701,7 +6417,7 @@
         <p:spPr>
           <a:xfrm>
             <a:off x="2124360" y="2196000"/>
-            <a:ext cx="1617840" cy="295560"/>
+            <a:ext cx="1616760" cy="294480"/>
           </a:xfrm>
           <a:prstGeom prst="rect">
             <a:avLst/>
@@ -5718,7 +6434,7 @@
           <a:fontRef idx="minor"/>
         </p:style>
         <p:txBody>
-          <a:bodyPr lIns="90000" rIns="90000" tIns="45000" bIns="45000">
+          <a:bodyPr lIns="90000" rIns="90000" tIns="45000" bIns="45000" anchor="t">
             <a:noAutofit/>
           </a:bodyPr>
           <a:p>
@@ -5735,9 +6451,12 @@
                 <a:latin typeface="Nunito Sans"/>
                 <a:ea typeface="DejaVu Sans"/>
               </a:rPr>
-              <a:t>Valor total vendido</a:t>
+              <a:t>Total amount sold</a:t>
             </a:r>
             <a:endParaRPr b="0" lang="pt-BR" sz="1200" spc="-1" strike="noStrike">
+              <a:solidFill>
+                <a:srgbClr val="000000"/>
+              </a:solidFill>
               <a:latin typeface="Arial"/>
             </a:endParaRPr>
           </a:p>
@@ -5752,7 +6471,7 @@
         <p:spPr>
           <a:xfrm>
             <a:off x="1980360" y="2485080"/>
-            <a:ext cx="1797840" cy="469080"/>
+            <a:ext cx="1796760" cy="468000"/>
           </a:xfrm>
           <a:prstGeom prst="rect">
             <a:avLst/>
@@ -5769,7 +6488,7 @@
           <a:fontRef idx="minor"/>
         </p:style>
         <p:txBody>
-          <a:bodyPr lIns="90000" rIns="90000" tIns="45000" bIns="45000">
+          <a:bodyPr lIns="90000" rIns="90000" tIns="45000" bIns="45000" anchor="t">
             <a:noAutofit/>
           </a:bodyPr>
           <a:p>
@@ -5786,9 +6505,12 @@
                 <a:latin typeface="Nunito Sans Black"/>
                 <a:ea typeface="DejaVu Sans"/>
               </a:rPr>
-              <a:t>R$ 20 Mil</a:t>
+              <a:t>$ 20 K</a:t>
             </a:r>
             <a:endParaRPr b="0" lang="pt-BR" sz="2200" spc="-1" strike="noStrike">
+              <a:solidFill>
+                <a:srgbClr val="000000"/>
+              </a:solidFill>
               <a:latin typeface="Arial"/>
             </a:endParaRPr>
           </a:p>
@@ -5803,7 +6525,7 @@
         <p:spPr>
           <a:xfrm>
             <a:off x="2124360" y="2942280"/>
-            <a:ext cx="1617840" cy="295560"/>
+            <a:ext cx="1616760" cy="294480"/>
           </a:xfrm>
           <a:prstGeom prst="rect">
             <a:avLst/>
@@ -5820,7 +6542,7 @@
           <a:fontRef idx="minor"/>
         </p:style>
         <p:txBody>
-          <a:bodyPr lIns="90000" rIns="90000" tIns="45000" bIns="45000">
+          <a:bodyPr lIns="90000" rIns="90000" tIns="45000" bIns="45000" anchor="t">
             <a:noAutofit/>
           </a:bodyPr>
           <a:p>
@@ -5840,6 +6562,9 @@
               <a:t>20%</a:t>
             </a:r>
             <a:endParaRPr b="0" lang="pt-BR" sz="1200" spc="-1" strike="noStrike">
+              <a:solidFill>
+                <a:srgbClr val="000000"/>
+              </a:solidFill>
               <a:latin typeface="Arial"/>
             </a:endParaRPr>
           </a:p>
@@ -5854,9 +6579,9 @@
         <p:grpSpPr>
           <a:xfrm>
             <a:off x="2522160" y="2985480"/>
-            <a:ext cx="130680" cy="177120"/>
+            <a:ext cx="129600" cy="176040"/>
             <a:chOff x="2522160" y="2985480"/>
-            <a:chExt cx="130680" cy="177120"/>
+            <a:chExt cx="129600" cy="176040"/>
           </a:xfrm>
         </p:grpSpPr>
         <p:sp>
@@ -5868,7 +6593,7 @@
           <p:spPr>
             <a:xfrm>
               <a:off x="2555640" y="3031920"/>
-              <a:ext cx="64440" cy="130680"/>
+              <a:ext cx="63360" cy="129600"/>
             </a:xfrm>
             <a:prstGeom prst="rect">
               <a:avLst/>
@@ -5888,6 +6613,25 @@
             <a:effectRef idx="0"/>
             <a:fontRef idx="minor"/>
           </p:style>
+          <p:txBody>
+            <a:bodyPr lIns="90000" rIns="90000" tIns="45000" bIns="45000" anchor="t">
+              <a:noAutofit/>
+            </a:bodyPr>
+            <a:p>
+              <a:pPr>
+                <a:lnSpc>
+                  <a:spcPct val="100000"/>
+                </a:lnSpc>
+              </a:pPr>
+              <a:endParaRPr b="0" lang="pt-BR" sz="1800" spc="-1" strike="noStrike">
+                <a:solidFill>
+                  <a:srgbClr val="000000"/>
+                </a:solidFill>
+                <a:latin typeface="Arial"/>
+                <a:ea typeface="DejaVu Sans"/>
+              </a:endParaRPr>
+            </a:p>
+          </p:txBody>
         </p:sp>
         <p:sp>
           <p:nvSpPr>
@@ -5898,13 +6642,18 @@
           <p:spPr>
             <a:xfrm>
               <a:off x="2522160" y="2985480"/>
-              <a:ext cx="130680" cy="64440"/>
+              <a:ext cx="129600" cy="63360"/>
             </a:xfrm>
             <a:custGeom>
               <a:avLst/>
-              <a:gdLst/>
+              <a:gdLst>
+                <a:gd name="textAreaLeft" fmla="*/ 0 w 129600"/>
+                <a:gd name="textAreaRight" fmla="*/ 130680 w 129600"/>
+                <a:gd name="textAreaTop" fmla="*/ 0 h 63360"/>
+                <a:gd name="textAreaBottom" fmla="*/ 64440 h 63360"/>
+              </a:gdLst>
               <a:ahLst/>
-              <a:rect l="l" t="t" r="r" b="b"/>
+              <a:rect l="textAreaLeft" t="textAreaTop" r="textAreaRight" b="textAreaBottom"/>
               <a:pathLst>
                 <a:path w="371" h="187">
                   <a:moveTo>
@@ -5935,6 +6684,25 @@
             <a:effectRef idx="0"/>
             <a:fontRef idx="minor"/>
           </p:style>
+          <p:txBody>
+            <a:bodyPr lIns="90000" rIns="90000" tIns="19440" bIns="19440" anchor="t">
+              <a:noAutofit/>
+            </a:bodyPr>
+            <a:p>
+              <a:pPr>
+                <a:lnSpc>
+                  <a:spcPct val="100000"/>
+                </a:lnSpc>
+              </a:pPr>
+              <a:endParaRPr b="0" lang="pt-BR" sz="1800" spc="-1" strike="noStrike">
+                <a:solidFill>
+                  <a:srgbClr val="000000"/>
+                </a:solidFill>
+                <a:latin typeface="Arial"/>
+                <a:ea typeface="DejaVu Sans"/>
+              </a:endParaRPr>
+            </a:p>
+          </p:txBody>
         </p:sp>
       </p:grpSp>
       <p:sp>
@@ -5946,7 +6714,7 @@
         <p:spPr>
           <a:xfrm>
             <a:off x="5364360" y="2098080"/>
-            <a:ext cx="1617840" cy="502920"/>
+            <a:ext cx="1616760" cy="501840"/>
           </a:xfrm>
           <a:prstGeom prst="rect">
             <a:avLst/>
@@ -5963,7 +6731,7 @@
           <a:fontRef idx="minor"/>
         </p:style>
         <p:txBody>
-          <a:bodyPr lIns="90000" rIns="90000" tIns="45000" bIns="45000">
+          <a:bodyPr lIns="90000" rIns="90000" tIns="45000" bIns="45000" anchor="t">
             <a:noAutofit/>
           </a:bodyPr>
           <a:p>
@@ -5980,9 +6748,12 @@
                 <a:latin typeface="Nunito Sans"/>
                 <a:ea typeface="DejaVu Sans"/>
               </a:rPr>
-              <a:t>Taxa de conversão geral</a:t>
+              <a:t>Conversion rate</a:t>
             </a:r>
             <a:endParaRPr b="0" lang="pt-BR" sz="1200" spc="-1" strike="noStrike">
+              <a:solidFill>
+                <a:srgbClr val="000000"/>
+              </a:solidFill>
               <a:latin typeface="Arial"/>
             </a:endParaRPr>
           </a:p>
@@ -5997,7 +6768,7 @@
         <p:spPr>
           <a:xfrm>
             <a:off x="5364360" y="2603160"/>
-            <a:ext cx="1617840" cy="469080"/>
+            <a:ext cx="1616760" cy="468000"/>
           </a:xfrm>
           <a:prstGeom prst="rect">
             <a:avLst/>
@@ -6014,7 +6785,7 @@
           <a:fontRef idx="minor"/>
         </p:style>
         <p:txBody>
-          <a:bodyPr lIns="90000" rIns="90000" tIns="45000" bIns="45000">
+          <a:bodyPr lIns="90000" rIns="90000" tIns="45000" bIns="45000" anchor="t">
             <a:noAutofit/>
           </a:bodyPr>
           <a:p>
@@ -6034,6 +6805,9 @@
               <a:t>60%</a:t>
             </a:r>
             <a:endParaRPr b="0" lang="pt-BR" sz="2200" spc="-1" strike="noStrike">
+              <a:solidFill>
+                <a:srgbClr val="000000"/>
+              </a:solidFill>
               <a:latin typeface="Arial"/>
             </a:endParaRPr>
           </a:p>
@@ -6048,7 +6822,7 @@
         <p:spPr>
           <a:xfrm>
             <a:off x="5364360" y="3060360"/>
-            <a:ext cx="1617840" cy="295560"/>
+            <a:ext cx="1616760" cy="294480"/>
           </a:xfrm>
           <a:prstGeom prst="rect">
             <a:avLst/>
@@ -6065,7 +6839,7 @@
           <a:fontRef idx="minor"/>
         </p:style>
         <p:txBody>
-          <a:bodyPr lIns="90000" rIns="90000" tIns="45000" bIns="45000">
+          <a:bodyPr lIns="90000" rIns="90000" tIns="45000" bIns="45000" anchor="t">
             <a:noAutofit/>
           </a:bodyPr>
           <a:p>
@@ -6082,9 +6856,12 @@
                 <a:latin typeface="Nunito Sans"/>
                 <a:ea typeface="DejaVu Sans"/>
               </a:rPr>
-              <a:t>15 p.p.</a:t>
+              <a:t>15 pp.</a:t>
             </a:r>
             <a:endParaRPr b="0" lang="pt-BR" sz="1200" spc="-1" strike="noStrike">
+              <a:solidFill>
+                <a:srgbClr val="000000"/>
+              </a:solidFill>
               <a:latin typeface="Arial"/>
             </a:endParaRPr>
           </a:p>
@@ -6099,9 +6876,9 @@
         <p:grpSpPr>
           <a:xfrm>
             <a:off x="5762160" y="3103560"/>
-            <a:ext cx="130680" cy="177120"/>
+            <a:ext cx="129600" cy="176040"/>
             <a:chOff x="5762160" y="3103560"/>
-            <a:chExt cx="130680" cy="177120"/>
+            <a:chExt cx="129600" cy="176040"/>
           </a:xfrm>
         </p:grpSpPr>
         <p:sp>
@@ -6113,7 +6890,7 @@
           <p:spPr>
             <a:xfrm>
               <a:off x="5795640" y="3150000"/>
-              <a:ext cx="64440" cy="130680"/>
+              <a:ext cx="63360" cy="129600"/>
             </a:xfrm>
             <a:prstGeom prst="rect">
               <a:avLst/>
@@ -6133,6 +6910,25 @@
             <a:effectRef idx="0"/>
             <a:fontRef idx="minor"/>
           </p:style>
+          <p:txBody>
+            <a:bodyPr lIns="90000" rIns="90000" tIns="45000" bIns="45000" anchor="t">
+              <a:noAutofit/>
+            </a:bodyPr>
+            <a:p>
+              <a:pPr>
+                <a:lnSpc>
+                  <a:spcPct val="100000"/>
+                </a:lnSpc>
+              </a:pPr>
+              <a:endParaRPr b="0" lang="pt-BR" sz="1800" spc="-1" strike="noStrike">
+                <a:solidFill>
+                  <a:srgbClr val="000000"/>
+                </a:solidFill>
+                <a:latin typeface="Arial"/>
+                <a:ea typeface="DejaVu Sans"/>
+              </a:endParaRPr>
+            </a:p>
+          </p:txBody>
         </p:sp>
         <p:sp>
           <p:nvSpPr>
@@ -6143,13 +6939,18 @@
           <p:spPr>
             <a:xfrm>
               <a:off x="5762160" y="3103560"/>
-              <a:ext cx="130680" cy="64440"/>
+              <a:ext cx="129600" cy="63360"/>
             </a:xfrm>
             <a:custGeom>
               <a:avLst/>
-              <a:gdLst/>
+              <a:gdLst>
+                <a:gd name="textAreaLeft" fmla="*/ 0 w 129600"/>
+                <a:gd name="textAreaRight" fmla="*/ 130680 w 129600"/>
+                <a:gd name="textAreaTop" fmla="*/ 0 h 63360"/>
+                <a:gd name="textAreaBottom" fmla="*/ 64440 h 63360"/>
+              </a:gdLst>
               <a:ahLst/>
-              <a:rect l="l" t="t" r="r" b="b"/>
+              <a:rect l="textAreaLeft" t="textAreaTop" r="textAreaRight" b="textAreaBottom"/>
               <a:pathLst>
                 <a:path w="371" h="187">
                   <a:moveTo>
@@ -6180,6 +6981,25 @@
             <a:effectRef idx="0"/>
             <a:fontRef idx="minor"/>
           </p:style>
+          <p:txBody>
+            <a:bodyPr lIns="90000" rIns="90000" tIns="19440" bIns="19440" anchor="t">
+              <a:noAutofit/>
+            </a:bodyPr>
+            <a:p>
+              <a:pPr>
+                <a:lnSpc>
+                  <a:spcPct val="100000"/>
+                </a:lnSpc>
+              </a:pPr>
+              <a:endParaRPr b="0" lang="pt-BR" sz="1800" spc="-1" strike="noStrike">
+                <a:solidFill>
+                  <a:srgbClr val="000000"/>
+                </a:solidFill>
+                <a:latin typeface="Arial"/>
+                <a:ea typeface="DejaVu Sans"/>
+              </a:endParaRPr>
+            </a:p>
+          </p:txBody>
         </p:sp>
       </p:grpSp>
       <p:sp>
@@ -6191,7 +7011,7 @@
         <p:spPr>
           <a:xfrm>
             <a:off x="7164360" y="2098080"/>
-            <a:ext cx="1617840" cy="502920"/>
+            <a:ext cx="1616760" cy="501840"/>
           </a:xfrm>
           <a:prstGeom prst="rect">
             <a:avLst/>
@@ -6208,7 +7028,7 @@
           <a:fontRef idx="minor"/>
         </p:style>
         <p:txBody>
-          <a:bodyPr lIns="90000" rIns="90000" tIns="45000" bIns="45000">
+          <a:bodyPr lIns="90000" rIns="90000" tIns="45000" bIns="45000" anchor="t">
             <a:noAutofit/>
           </a:bodyPr>
           <a:p>
@@ -6225,9 +7045,12 @@
                 <a:latin typeface="Nunito Sans"/>
                 <a:ea typeface="DejaVu Sans"/>
               </a:rPr>
-              <a:t>Taxa de sucesso nas chamadas de API</a:t>
+              <a:t>API calls success rate</a:t>
             </a:r>
             <a:endParaRPr b="0" lang="pt-BR" sz="1200" spc="-1" strike="noStrike">
+              <a:solidFill>
+                <a:srgbClr val="000000"/>
+              </a:solidFill>
               <a:latin typeface="Arial"/>
             </a:endParaRPr>
           </a:p>
@@ -6242,7 +7065,7 @@
         <p:spPr>
           <a:xfrm>
             <a:off x="7020360" y="2603160"/>
-            <a:ext cx="1797840" cy="469080"/>
+            <a:ext cx="1796760" cy="468000"/>
           </a:xfrm>
           <a:prstGeom prst="rect">
             <a:avLst/>
@@ -6259,7 +7082,7 @@
           <a:fontRef idx="minor"/>
         </p:style>
         <p:txBody>
-          <a:bodyPr lIns="90000" rIns="90000" tIns="45000" bIns="45000">
+          <a:bodyPr lIns="90000" rIns="90000" tIns="45000" bIns="45000" anchor="t">
             <a:noAutofit/>
           </a:bodyPr>
           <a:p>
@@ -6279,6 +7102,9 @@
               <a:t>90%</a:t>
             </a:r>
             <a:endParaRPr b="0" lang="pt-BR" sz="2200" spc="-1" strike="noStrike">
+              <a:solidFill>
+                <a:srgbClr val="000000"/>
+              </a:solidFill>
               <a:latin typeface="Arial"/>
             </a:endParaRPr>
           </a:p>
@@ -6293,7 +7119,7 @@
         <p:spPr>
           <a:xfrm>
             <a:off x="7164360" y="3060360"/>
-            <a:ext cx="1617840" cy="295560"/>
+            <a:ext cx="1616760" cy="294480"/>
           </a:xfrm>
           <a:prstGeom prst="rect">
             <a:avLst/>
@@ -6310,7 +7136,7 @@
           <a:fontRef idx="minor"/>
         </p:style>
         <p:txBody>
-          <a:bodyPr lIns="90000" rIns="90000" tIns="45000" bIns="45000">
+          <a:bodyPr lIns="90000" rIns="90000" tIns="45000" bIns="45000" anchor="t">
             <a:noAutofit/>
           </a:bodyPr>
           <a:p>
@@ -6327,9 +7153,12 @@
                 <a:latin typeface="Nunito Sans"/>
                 <a:ea typeface="DejaVu Sans"/>
               </a:rPr>
-              <a:t>40 p.p.</a:t>
+              <a:t>40 pp.</a:t>
             </a:r>
             <a:endParaRPr b="0" lang="pt-BR" sz="1200" spc="-1" strike="noStrike">
+              <a:solidFill>
+                <a:srgbClr val="000000"/>
+              </a:solidFill>
               <a:latin typeface="Arial"/>
             </a:endParaRPr>
           </a:p>
@@ -6344,9 +7173,9 @@
         <p:grpSpPr>
           <a:xfrm>
             <a:off x="7562160" y="3103560"/>
-            <a:ext cx="130680" cy="177120"/>
+            <a:ext cx="129600" cy="176040"/>
             <a:chOff x="7562160" y="3103560"/>
-            <a:chExt cx="130680" cy="177120"/>
+            <a:chExt cx="129600" cy="176040"/>
           </a:xfrm>
         </p:grpSpPr>
         <p:sp>
@@ -6358,7 +7187,7 @@
           <p:spPr>
             <a:xfrm>
               <a:off x="7595640" y="3150000"/>
-              <a:ext cx="64440" cy="130680"/>
+              <a:ext cx="63360" cy="129600"/>
             </a:xfrm>
             <a:prstGeom prst="rect">
               <a:avLst/>
@@ -6378,6 +7207,25 @@
             <a:effectRef idx="0"/>
             <a:fontRef idx="minor"/>
           </p:style>
+          <p:txBody>
+            <a:bodyPr lIns="90000" rIns="90000" tIns="45000" bIns="45000" anchor="t">
+              <a:noAutofit/>
+            </a:bodyPr>
+            <a:p>
+              <a:pPr>
+                <a:lnSpc>
+                  <a:spcPct val="100000"/>
+                </a:lnSpc>
+              </a:pPr>
+              <a:endParaRPr b="0" lang="pt-BR" sz="1800" spc="-1" strike="noStrike">
+                <a:solidFill>
+                  <a:srgbClr val="000000"/>
+                </a:solidFill>
+                <a:latin typeface="Arial"/>
+                <a:ea typeface="DejaVu Sans"/>
+              </a:endParaRPr>
+            </a:p>
+          </p:txBody>
         </p:sp>
         <p:sp>
           <p:nvSpPr>
@@ -6388,13 +7236,18 @@
           <p:spPr>
             <a:xfrm>
               <a:off x="7562160" y="3103560"/>
-              <a:ext cx="130680" cy="64440"/>
+              <a:ext cx="129600" cy="63360"/>
             </a:xfrm>
             <a:custGeom>
               <a:avLst/>
-              <a:gdLst/>
+              <a:gdLst>
+                <a:gd name="textAreaLeft" fmla="*/ 0 w 129600"/>
+                <a:gd name="textAreaRight" fmla="*/ 130680 w 129600"/>
+                <a:gd name="textAreaTop" fmla="*/ 0 h 63360"/>
+                <a:gd name="textAreaBottom" fmla="*/ 64440 h 63360"/>
+              </a:gdLst>
               <a:ahLst/>
-              <a:rect l="l" t="t" r="r" b="b"/>
+              <a:rect l="textAreaLeft" t="textAreaTop" r="textAreaRight" b="textAreaBottom"/>
               <a:pathLst>
                 <a:path w="371" h="187">
                   <a:moveTo>
@@ -6425,6 +7278,25 @@
             <a:effectRef idx="0"/>
             <a:fontRef idx="minor"/>
           </p:style>
+          <p:txBody>
+            <a:bodyPr lIns="90000" rIns="90000" tIns="19440" bIns="19440" anchor="t">
+              <a:noAutofit/>
+            </a:bodyPr>
+            <a:p>
+              <a:pPr>
+                <a:lnSpc>
+                  <a:spcPct val="100000"/>
+                </a:lnSpc>
+              </a:pPr>
+              <a:endParaRPr b="0" lang="pt-BR" sz="1800" spc="-1" strike="noStrike">
+                <a:solidFill>
+                  <a:srgbClr val="000000"/>
+                </a:solidFill>
+                <a:latin typeface="Arial"/>
+                <a:ea typeface="DejaVu Sans"/>
+              </a:endParaRPr>
+            </a:p>
+          </p:txBody>
         </p:sp>
       </p:grpSp>
       <p:sp>
@@ -6436,7 +7308,7 @@
         <p:spPr>
           <a:xfrm>
             <a:off x="792360" y="3636000"/>
-            <a:ext cx="1617840" cy="295560"/>
+            <a:ext cx="1616760" cy="294480"/>
           </a:xfrm>
           <a:prstGeom prst="rect">
             <a:avLst/>
@@ -6453,7 +7325,7 @@
           <a:fontRef idx="minor"/>
         </p:style>
         <p:txBody>
-          <a:bodyPr lIns="90000" rIns="90000" tIns="45000" bIns="45000">
+          <a:bodyPr lIns="90000" rIns="90000" tIns="45000" bIns="45000" anchor="t">
             <a:noAutofit/>
           </a:bodyPr>
           <a:p>
@@ -6470,9 +7342,12 @@
                 <a:latin typeface="Nunito Sans"/>
                 <a:ea typeface="DejaVu Sans"/>
               </a:rPr>
-              <a:t>Consignado</a:t>
+              <a:t>Payroll loan</a:t>
             </a:r>
             <a:endParaRPr b="0" lang="pt-BR" sz="1200" spc="-1" strike="noStrike">
+              <a:solidFill>
+                <a:srgbClr val="000000"/>
+              </a:solidFill>
               <a:latin typeface="Arial"/>
             </a:endParaRPr>
           </a:p>
@@ -6487,7 +7362,7 @@
         <p:spPr>
           <a:xfrm>
             <a:off x="648360" y="3961080"/>
-            <a:ext cx="1797840" cy="469080"/>
+            <a:ext cx="1796760" cy="468000"/>
           </a:xfrm>
           <a:prstGeom prst="rect">
             <a:avLst/>
@@ -6504,7 +7379,7 @@
           <a:fontRef idx="minor"/>
         </p:style>
         <p:txBody>
-          <a:bodyPr lIns="90000" rIns="90000" tIns="45000" bIns="45000">
+          <a:bodyPr lIns="90000" rIns="90000" tIns="45000" bIns="45000" anchor="t">
             <a:noAutofit/>
           </a:bodyPr>
           <a:p>
@@ -6521,9 +7396,12 @@
                 <a:latin typeface="Nunito Sans Black"/>
                 <a:ea typeface="DejaVu Sans"/>
               </a:rPr>
-              <a:t>R$ 8 Mil</a:t>
+              <a:t>$ 8 K</a:t>
             </a:r>
             <a:endParaRPr b="0" lang="pt-BR" sz="2200" spc="-1" strike="noStrike">
+              <a:solidFill>
+                <a:srgbClr val="000000"/>
+              </a:solidFill>
               <a:latin typeface="Arial"/>
             </a:endParaRPr>
           </a:p>
@@ -6538,7 +7416,7 @@
         <p:spPr>
           <a:xfrm>
             <a:off x="792360" y="4418280"/>
-            <a:ext cx="1617840" cy="295560"/>
+            <a:ext cx="1616760" cy="294480"/>
           </a:xfrm>
           <a:prstGeom prst="rect">
             <a:avLst/>
@@ -6555,7 +7433,7 @@
           <a:fontRef idx="minor"/>
         </p:style>
         <p:txBody>
-          <a:bodyPr lIns="90000" rIns="90000" tIns="45000" bIns="45000">
+          <a:bodyPr lIns="90000" rIns="90000" tIns="45000" bIns="45000" anchor="t">
             <a:noAutofit/>
           </a:bodyPr>
           <a:p>
@@ -6575,6 +7453,9 @@
               <a:t>5%</a:t>
             </a:r>
             <a:endParaRPr b="0" lang="pt-BR" sz="1200" spc="-1" strike="noStrike">
+              <a:solidFill>
+                <a:srgbClr val="000000"/>
+              </a:solidFill>
               <a:latin typeface="Arial"/>
             </a:endParaRPr>
           </a:p>
@@ -6588,10 +7469,10 @@
         </p:nvGrpSpPr>
         <p:grpSpPr>
           <a:xfrm>
-            <a:off x="1262160" y="4459320"/>
-            <a:ext cx="130680" cy="178920"/>
-            <a:chOff x="1262160" y="4459320"/>
-            <a:chExt cx="130680" cy="178920"/>
+            <a:off x="1262160" y="4458240"/>
+            <a:ext cx="129600" cy="178920"/>
+            <a:chOff x="1262160" y="4458240"/>
+            <a:chExt cx="129600" cy="178920"/>
           </a:xfrm>
         </p:grpSpPr>
         <p:sp>
@@ -6602,8 +7483,8 @@
           </p:nvSpPr>
           <p:spPr>
             <a:xfrm flipV="1">
-              <a:off x="1295640" y="4458960"/>
-              <a:ext cx="64440" cy="130680"/>
+              <a:off x="1295640" y="4458240"/>
+              <a:ext cx="63360" cy="129600"/>
             </a:xfrm>
             <a:prstGeom prst="rect">
               <a:avLst/>
@@ -6623,6 +7504,25 @@
             <a:effectRef idx="0"/>
             <a:fontRef idx="minor"/>
           </p:style>
+          <p:txBody>
+            <a:bodyPr lIns="90000" rIns="90000" tIns="45000" bIns="45000" anchor="t">
+              <a:noAutofit/>
+            </a:bodyPr>
+            <a:p>
+              <a:pPr>
+                <a:lnSpc>
+                  <a:spcPct val="100000"/>
+                </a:lnSpc>
+              </a:pPr>
+              <a:endParaRPr b="0" lang="pt-BR" sz="1800" spc="-1" strike="noStrike">
+                <a:solidFill>
+                  <a:srgbClr val="000000"/>
+                </a:solidFill>
+                <a:latin typeface="Arial"/>
+                <a:ea typeface="DejaVu Sans"/>
+              </a:endParaRPr>
+            </a:p>
+          </p:txBody>
         </p:sp>
         <p:sp>
           <p:nvSpPr>
@@ -6633,13 +7533,18 @@
           <p:spPr>
             <a:xfrm>
               <a:off x="1262160" y="4573800"/>
-              <a:ext cx="130680" cy="64440"/>
+              <a:ext cx="129600" cy="63360"/>
             </a:xfrm>
             <a:custGeom>
               <a:avLst/>
-              <a:gdLst/>
+              <a:gdLst>
+                <a:gd name="textAreaLeft" fmla="*/ 0 w 129600"/>
+                <a:gd name="textAreaRight" fmla="*/ 130680 w 129600"/>
+                <a:gd name="textAreaTop" fmla="*/ 0 h 63360"/>
+                <a:gd name="textAreaBottom" fmla="*/ 64440 h 63360"/>
+              </a:gdLst>
               <a:ahLst/>
-              <a:rect l="l" t="t" r="r" b="b"/>
+              <a:rect l="textAreaLeft" t="textAreaTop" r="textAreaRight" b="textAreaBottom"/>
               <a:pathLst>
                 <a:path w="371" h="187">
                   <a:moveTo>
@@ -6670,6 +7575,25 @@
             <a:effectRef idx="0"/>
             <a:fontRef idx="minor"/>
           </p:style>
+          <p:txBody>
+            <a:bodyPr lIns="90000" rIns="90000" tIns="19440" bIns="19440" anchor="t">
+              <a:noAutofit/>
+            </a:bodyPr>
+            <a:p>
+              <a:pPr>
+                <a:lnSpc>
+                  <a:spcPct val="100000"/>
+                </a:lnSpc>
+              </a:pPr>
+              <a:endParaRPr b="0" lang="pt-BR" sz="1800" spc="-1" strike="noStrike">
+                <a:solidFill>
+                  <a:srgbClr val="000000"/>
+                </a:solidFill>
+                <a:latin typeface="Arial"/>
+                <a:ea typeface="DejaVu Sans"/>
+              </a:endParaRPr>
+            </a:p>
+          </p:txBody>
         </p:sp>
       </p:grpSp>
       <p:sp>
@@ -6681,7 +7605,7 @@
         <p:spPr>
           <a:xfrm>
             <a:off x="3132360" y="3456000"/>
-            <a:ext cx="1617840" cy="502920"/>
+            <a:ext cx="1616760" cy="501840"/>
           </a:xfrm>
           <a:prstGeom prst="rect">
             <a:avLst/>
@@ -6698,7 +7622,7 @@
           <a:fontRef idx="minor"/>
         </p:style>
         <p:txBody>
-          <a:bodyPr lIns="90000" rIns="90000" tIns="45000" bIns="45000">
+          <a:bodyPr lIns="90000" rIns="90000" tIns="45000" bIns="45000" anchor="t">
             <a:noAutofit/>
           </a:bodyPr>
           <a:p>
@@ -6715,9 +7639,12 @@
                 <a:latin typeface="Nunito Sans"/>
                 <a:ea typeface="DejaVu Sans"/>
               </a:rPr>
-              <a:t>Com garantia</a:t>
+              <a:t>Secured loan</a:t>
             </a:r>
             <a:endParaRPr b="0" lang="pt-BR" sz="1200" spc="-1" strike="noStrike">
+              <a:solidFill>
+                <a:srgbClr val="000000"/>
+              </a:solidFill>
               <a:latin typeface="Arial"/>
             </a:endParaRPr>
           </a:p>
@@ -6735,9 +7662,12 @@
                 <a:latin typeface="Nunito Sans"/>
                 <a:ea typeface="DejaVu Sans"/>
               </a:rPr>
-              <a:t>sobre veículos</a:t>
+              <a:t>over vehicles</a:t>
             </a:r>
             <a:endParaRPr b="0" lang="pt-BR" sz="1200" spc="-1" strike="noStrike">
+              <a:solidFill>
+                <a:srgbClr val="000000"/>
+              </a:solidFill>
               <a:latin typeface="Arial"/>
             </a:endParaRPr>
           </a:p>
@@ -6752,7 +7682,7 @@
         <p:spPr>
           <a:xfrm>
             <a:off x="2988360" y="3961080"/>
-            <a:ext cx="1797840" cy="469080"/>
+            <a:ext cx="1796760" cy="468000"/>
           </a:xfrm>
           <a:prstGeom prst="rect">
             <a:avLst/>
@@ -6769,7 +7699,7 @@
           <a:fontRef idx="minor"/>
         </p:style>
         <p:txBody>
-          <a:bodyPr lIns="90000" rIns="90000" tIns="45000" bIns="45000">
+          <a:bodyPr lIns="90000" rIns="90000" tIns="45000" bIns="45000" anchor="t">
             <a:noAutofit/>
           </a:bodyPr>
           <a:p>
@@ -6786,9 +7716,12 @@
                 <a:latin typeface="Nunito Sans Black"/>
                 <a:ea typeface="DejaVu Sans"/>
               </a:rPr>
-              <a:t>R$ 12 Mil</a:t>
+              <a:t>$ 12 K</a:t>
             </a:r>
             <a:endParaRPr b="0" lang="pt-BR" sz="2200" spc="-1" strike="noStrike">
+              <a:solidFill>
+                <a:srgbClr val="000000"/>
+              </a:solidFill>
               <a:latin typeface="Arial"/>
             </a:endParaRPr>
           </a:p>
@@ -6803,7 +7736,7 @@
         <p:spPr>
           <a:xfrm>
             <a:off x="3132360" y="4418280"/>
-            <a:ext cx="1617840" cy="295560"/>
+            <a:ext cx="1616760" cy="294480"/>
           </a:xfrm>
           <a:prstGeom prst="rect">
             <a:avLst/>
@@ -6820,7 +7753,7 @@
           <a:fontRef idx="minor"/>
         </p:style>
         <p:txBody>
-          <a:bodyPr lIns="90000" rIns="90000" tIns="45000" bIns="45000">
+          <a:bodyPr lIns="90000" rIns="90000" tIns="45000" bIns="45000" anchor="t">
             <a:noAutofit/>
           </a:bodyPr>
           <a:p>
@@ -6840,6 +7773,9 @@
               <a:t>100%</a:t>
             </a:r>
             <a:endParaRPr b="0" lang="pt-BR" sz="1200" spc="-1" strike="noStrike">
+              <a:solidFill>
+                <a:srgbClr val="000000"/>
+              </a:solidFill>
               <a:latin typeface="Arial"/>
             </a:endParaRPr>
           </a:p>
@@ -6854,9 +7790,9 @@
         <p:grpSpPr>
           <a:xfrm>
             <a:off x="3530160" y="4461480"/>
-            <a:ext cx="130680" cy="177120"/>
+            <a:ext cx="129600" cy="176040"/>
             <a:chOff x="3530160" y="4461480"/>
-            <a:chExt cx="130680" cy="177120"/>
+            <a:chExt cx="129600" cy="176040"/>
           </a:xfrm>
         </p:grpSpPr>
         <p:sp>
@@ -6868,7 +7804,7 @@
           <p:spPr>
             <a:xfrm>
               <a:off x="3563640" y="4507920"/>
-              <a:ext cx="64440" cy="130680"/>
+              <a:ext cx="63360" cy="129600"/>
             </a:xfrm>
             <a:prstGeom prst="rect">
               <a:avLst/>
@@ -6888,6 +7824,25 @@
             <a:effectRef idx="0"/>
             <a:fontRef idx="minor"/>
           </p:style>
+          <p:txBody>
+            <a:bodyPr lIns="90000" rIns="90000" tIns="45000" bIns="45000" anchor="t">
+              <a:noAutofit/>
+            </a:bodyPr>
+            <a:p>
+              <a:pPr>
+                <a:lnSpc>
+                  <a:spcPct val="100000"/>
+                </a:lnSpc>
+              </a:pPr>
+              <a:endParaRPr b="0" lang="pt-BR" sz="1800" spc="-1" strike="noStrike">
+                <a:solidFill>
+                  <a:srgbClr val="000000"/>
+                </a:solidFill>
+                <a:latin typeface="Arial"/>
+                <a:ea typeface="DejaVu Sans"/>
+              </a:endParaRPr>
+            </a:p>
+          </p:txBody>
         </p:sp>
         <p:sp>
           <p:nvSpPr>
@@ -6898,13 +7853,18 @@
           <p:spPr>
             <a:xfrm>
               <a:off x="3530160" y="4461480"/>
-              <a:ext cx="130680" cy="64440"/>
+              <a:ext cx="129600" cy="63360"/>
             </a:xfrm>
             <a:custGeom>
               <a:avLst/>
-              <a:gdLst/>
+              <a:gdLst>
+                <a:gd name="textAreaLeft" fmla="*/ 0 w 129600"/>
+                <a:gd name="textAreaRight" fmla="*/ 130680 w 129600"/>
+                <a:gd name="textAreaTop" fmla="*/ 0 h 63360"/>
+                <a:gd name="textAreaBottom" fmla="*/ 64440 h 63360"/>
+              </a:gdLst>
               <a:ahLst/>
-              <a:rect l="l" t="t" r="r" b="b"/>
+              <a:rect l="textAreaLeft" t="textAreaTop" r="textAreaRight" b="textAreaBottom"/>
               <a:pathLst>
                 <a:path w="371" h="187">
                   <a:moveTo>
@@ -6935,6 +7895,25 @@
             <a:effectRef idx="0"/>
             <a:fontRef idx="minor"/>
           </p:style>
+          <p:txBody>
+            <a:bodyPr lIns="90000" rIns="90000" tIns="19440" bIns="19440" anchor="t">
+              <a:noAutofit/>
+            </a:bodyPr>
+            <a:p>
+              <a:pPr>
+                <a:lnSpc>
+                  <a:spcPct val="100000"/>
+                </a:lnSpc>
+              </a:pPr>
+              <a:endParaRPr b="0" lang="pt-BR" sz="1800" spc="-1" strike="noStrike">
+                <a:solidFill>
+                  <a:srgbClr val="000000"/>
+                </a:solidFill>
+                <a:latin typeface="Arial"/>
+                <a:ea typeface="DejaVu Sans"/>
+              </a:endParaRPr>
+            </a:p>
+          </p:txBody>
         </p:sp>
       </p:grpSp>
       <p:sp>
@@ -6965,6 +7944,20 @@
           <a:effectRef idx="0"/>
           <a:fontRef idx="minor"/>
         </p:style>
+        <p:txBody>
+          <a:bodyPr lIns="90000" rIns="90000" tIns="45000" bIns="45000" anchor="t" anchorCtr="1">
+            <a:noAutofit/>
+          </a:bodyPr>
+          <a:p>
+            <a:endParaRPr b="0" lang="pt-BR" sz="1800" spc="-1" strike="noStrike">
+              <a:solidFill>
+                <a:srgbClr val="000000"/>
+              </a:solidFill>
+              <a:latin typeface="Arial"/>
+              <a:ea typeface="DejaVu Sans"/>
+            </a:endParaRPr>
+          </a:p>
+        </p:txBody>
       </p:sp>
       <p:sp>
         <p:nvSpPr>
@@ -6994,6 +7987,20 @@
           <a:effectRef idx="0"/>
           <a:fontRef idx="minor"/>
         </p:style>
+        <p:txBody>
+          <a:bodyPr lIns="90000" rIns="90000" tIns="45000" bIns="45000" anchor="t" anchorCtr="1">
+            <a:noAutofit/>
+          </a:bodyPr>
+          <a:p>
+            <a:endParaRPr b="0" lang="pt-BR" sz="1800" spc="-1" strike="noStrike">
+              <a:solidFill>
+                <a:srgbClr val="000000"/>
+              </a:solidFill>
+              <a:latin typeface="Arial"/>
+              <a:ea typeface="DejaVu Sans"/>
+            </a:endParaRPr>
+          </a:p>
+        </p:txBody>
       </p:sp>
       <p:sp>
         <p:nvSpPr>
@@ -7004,7 +8011,7 @@
         <p:spPr>
           <a:xfrm>
             <a:off x="5544360" y="1080000"/>
-            <a:ext cx="3238200" cy="1618200"/>
+            <a:ext cx="3237120" cy="1617120"/>
           </a:xfrm>
           <a:prstGeom prst="rect">
             <a:avLst/>
@@ -7021,7 +8028,7 @@
           <a:fontRef idx="minor"/>
         </p:style>
         <p:txBody>
-          <a:bodyPr lIns="90000" rIns="90000" tIns="45000" bIns="45000">
+          <a:bodyPr lIns="90000" rIns="90000" tIns="45000" bIns="45000" anchor="t">
             <a:noAutofit/>
           </a:bodyPr>
           <a:p>
@@ -7041,6 +8048,9 @@
               <a:t>Realizamos algumas melhorias na API utilizada no fluxo de vendas. Como resultado, a taxa de sucesso nas chamadas de API teve uma forte melhora. Isso contribuiu muito para o aumento da taxa de conversão geral, e para as vendas como um todo.</a:t>
             </a:r>
             <a:endParaRPr b="0" lang="pt-BR" sz="900" spc="-1" strike="noStrike">
+              <a:solidFill>
+                <a:srgbClr val="000000"/>
+              </a:solidFill>
               <a:latin typeface="Arial"/>
             </a:endParaRPr>
           </a:p>
@@ -7055,7 +8065,7 @@
         <p:spPr>
           <a:xfrm>
             <a:off x="396000" y="720000"/>
-            <a:ext cx="3562560" cy="898560"/>
+            <a:ext cx="3561480" cy="897480"/>
           </a:xfrm>
           <a:prstGeom prst="rect">
             <a:avLst/>
@@ -7072,7 +8082,7 @@
           <a:fontRef idx="minor"/>
         </p:style>
         <p:txBody>
-          <a:bodyPr lIns="90000" rIns="90000" tIns="45000" bIns="45000">
+          <a:bodyPr lIns="90000" rIns="90000" tIns="45000" bIns="45000" anchor="t">
             <a:noAutofit/>
           </a:bodyPr>
           <a:p>
@@ -7092,6 +8102,9 @@
               <a:t>Mesmo com as quedas no número de usuários entrando na plataforma, e no valor total vendido para os produtos de consignado, tivemos um grande resultado com o aumento da taxa de conversão, e com a introdução de um novo produto no fluxo (empréstimos com garantia sobre veículos).</a:t>
             </a:r>
             <a:endParaRPr b="0" lang="pt-BR" sz="900" spc="-1" strike="noStrike">
+              <a:solidFill>
+                <a:srgbClr val="000000"/>
+              </a:solidFill>
               <a:latin typeface="Arial"/>
             </a:endParaRPr>
           </a:p>
@@ -7136,7 +8149,7 @@
         <p:spPr>
           <a:xfrm>
             <a:off x="3420000" y="180000"/>
-            <a:ext cx="2337840" cy="504360"/>
+            <a:ext cx="2336760" cy="503280"/>
           </a:xfrm>
           <a:prstGeom prst="rect">
             <a:avLst/>
@@ -7153,7 +8166,7 @@
           <a:fontRef idx="minor"/>
         </p:style>
         <p:txBody>
-          <a:bodyPr lIns="90000" rIns="90000" tIns="45000" bIns="45000">
+          <a:bodyPr lIns="90000" rIns="90000" tIns="45000" bIns="45000" anchor="t">
             <a:noAutofit/>
           </a:bodyPr>
           <a:p>
@@ -7170,9 +8183,12 @@
                 <a:latin typeface="Nunito Sans Black"/>
                 <a:ea typeface="DejaVu Sans"/>
               </a:rPr>
-              <a:t>VENDAS</a:t>
+              <a:t>SALES</a:t>
             </a:r>
             <a:endParaRPr b="0" lang="pt-BR" sz="2400" spc="-1" strike="noStrike">
+              <a:solidFill>
+                <a:srgbClr val="000000"/>
+              </a:solidFill>
               <a:latin typeface="Arial"/>
             </a:endParaRPr>
           </a:p>
@@ -7187,7 +8203,7 @@
         <p:spPr>
           <a:xfrm>
             <a:off x="4356360" y="1224360"/>
-            <a:ext cx="1617840" cy="502920"/>
+            <a:ext cx="1616760" cy="501840"/>
           </a:xfrm>
           <a:prstGeom prst="rect">
             <a:avLst/>
@@ -7204,7 +8220,7 @@
           <a:fontRef idx="minor"/>
         </p:style>
         <p:txBody>
-          <a:bodyPr lIns="90000" rIns="90000" tIns="45000" bIns="45000">
+          <a:bodyPr lIns="90000" rIns="90000" tIns="45000" bIns="45000" anchor="t">
             <a:noAutofit/>
           </a:bodyPr>
           <a:p>
@@ -7221,9 +8237,12 @@
                 <a:latin typeface="Nunito Sans"/>
                 <a:ea typeface="DejaVu Sans"/>
               </a:rPr>
-              <a:t>Número de propostas vendidas</a:t>
+              <a:t>Number of proposals sold</a:t>
             </a:r>
             <a:endParaRPr b="0" lang="pt-BR" sz="1200" spc="-1" strike="noStrike">
+              <a:solidFill>
+                <a:srgbClr val="000000"/>
+              </a:solidFill>
               <a:latin typeface="Arial"/>
             </a:endParaRPr>
           </a:p>
@@ -7238,7 +8257,7 @@
         <p:spPr>
           <a:xfrm>
             <a:off x="4356360" y="1729440"/>
-            <a:ext cx="1617840" cy="469080"/>
+            <a:ext cx="1616760" cy="468000"/>
           </a:xfrm>
           <a:prstGeom prst="rect">
             <a:avLst/>
@@ -7255,7 +8274,7 @@
           <a:fontRef idx="minor"/>
         </p:style>
         <p:txBody>
-          <a:bodyPr lIns="90000" rIns="90000" tIns="45000" bIns="45000">
+          <a:bodyPr lIns="90000" rIns="90000" tIns="45000" bIns="45000" anchor="t">
             <a:noAutofit/>
           </a:bodyPr>
           <a:p>
@@ -7272,9 +8291,12 @@
                 <a:latin typeface="Nunito Sans Black"/>
                 <a:ea typeface="DejaVu Sans"/>
               </a:rPr>
-              <a:t>1.500</a:t>
+              <a:t>1,500</a:t>
             </a:r>
             <a:endParaRPr b="0" lang="pt-BR" sz="2200" spc="-1" strike="noStrike">
+              <a:solidFill>
+                <a:srgbClr val="000000"/>
+              </a:solidFill>
               <a:latin typeface="Arial"/>
             </a:endParaRPr>
           </a:p>
@@ -7289,7 +8311,7 @@
         <p:spPr>
           <a:xfrm>
             <a:off x="4356360" y="2186640"/>
-            <a:ext cx="1617840" cy="295560"/>
+            <a:ext cx="1616760" cy="294480"/>
           </a:xfrm>
           <a:prstGeom prst="rect">
             <a:avLst/>
@@ -7306,7 +8328,7 @@
           <a:fontRef idx="minor"/>
         </p:style>
         <p:txBody>
-          <a:bodyPr lIns="90000" rIns="90000" tIns="45000" bIns="45000">
+          <a:bodyPr lIns="90000" rIns="90000" tIns="45000" bIns="45000" anchor="t">
             <a:noAutofit/>
           </a:bodyPr>
           <a:p>
@@ -7326,6 +8348,9 @@
               <a:t>15%</a:t>
             </a:r>
             <a:endParaRPr b="0" lang="pt-BR" sz="1200" spc="-1" strike="noStrike">
+              <a:solidFill>
+                <a:srgbClr val="000000"/>
+              </a:solidFill>
               <a:latin typeface="Arial"/>
             </a:endParaRPr>
           </a:p>
@@ -7340,9 +8365,9 @@
         <p:grpSpPr>
           <a:xfrm>
             <a:off x="4754160" y="2229840"/>
-            <a:ext cx="130680" cy="177120"/>
+            <a:ext cx="129600" cy="176040"/>
             <a:chOff x="4754160" y="2229840"/>
-            <a:chExt cx="130680" cy="177120"/>
+            <a:chExt cx="129600" cy="176040"/>
           </a:xfrm>
         </p:grpSpPr>
         <p:sp>
@@ -7354,7 +8379,7 @@
           <p:spPr>
             <a:xfrm>
               <a:off x="4787640" y="2276280"/>
-              <a:ext cx="64440" cy="130680"/>
+              <a:ext cx="63360" cy="129600"/>
             </a:xfrm>
             <a:prstGeom prst="rect">
               <a:avLst/>
@@ -7374,6 +8399,25 @@
             <a:effectRef idx="0"/>
             <a:fontRef idx="minor"/>
           </p:style>
+          <p:txBody>
+            <a:bodyPr lIns="90000" rIns="90000" tIns="45000" bIns="45000" anchor="t">
+              <a:noAutofit/>
+            </a:bodyPr>
+            <a:p>
+              <a:pPr>
+                <a:lnSpc>
+                  <a:spcPct val="100000"/>
+                </a:lnSpc>
+              </a:pPr>
+              <a:endParaRPr b="0" lang="pt-BR" sz="1800" spc="-1" strike="noStrike">
+                <a:solidFill>
+                  <a:srgbClr val="000000"/>
+                </a:solidFill>
+                <a:latin typeface="Arial"/>
+                <a:ea typeface="DejaVu Sans"/>
+              </a:endParaRPr>
+            </a:p>
+          </p:txBody>
         </p:sp>
         <p:sp>
           <p:nvSpPr>
@@ -7384,13 +8428,18 @@
           <p:spPr>
             <a:xfrm>
               <a:off x="4754160" y="2229840"/>
-              <a:ext cx="130680" cy="64440"/>
+              <a:ext cx="129600" cy="63360"/>
             </a:xfrm>
             <a:custGeom>
               <a:avLst/>
-              <a:gdLst/>
+              <a:gdLst>
+                <a:gd name="textAreaLeft" fmla="*/ 0 w 129600"/>
+                <a:gd name="textAreaRight" fmla="*/ 130680 w 129600"/>
+                <a:gd name="textAreaTop" fmla="*/ 0 h 63360"/>
+                <a:gd name="textAreaBottom" fmla="*/ 64440 h 63360"/>
+              </a:gdLst>
               <a:ahLst/>
-              <a:rect l="l" t="t" r="r" b="b"/>
+              <a:rect l="textAreaLeft" t="textAreaTop" r="textAreaRight" b="textAreaBottom"/>
               <a:pathLst>
                 <a:path w="371" h="187">
                   <a:moveTo>
@@ -7421,6 +8470,25 @@
             <a:effectRef idx="0"/>
             <a:fontRef idx="minor"/>
           </p:style>
+          <p:txBody>
+            <a:bodyPr lIns="90000" rIns="90000" tIns="19440" bIns="19440" anchor="t">
+              <a:noAutofit/>
+            </a:bodyPr>
+            <a:p>
+              <a:pPr>
+                <a:lnSpc>
+                  <a:spcPct val="100000"/>
+                </a:lnSpc>
+              </a:pPr>
+              <a:endParaRPr b="0" lang="pt-BR" sz="1800" spc="-1" strike="noStrike">
+                <a:solidFill>
+                  <a:srgbClr val="000000"/>
+                </a:solidFill>
+                <a:latin typeface="Arial"/>
+                <a:ea typeface="DejaVu Sans"/>
+              </a:endParaRPr>
+            </a:p>
+          </p:txBody>
         </p:sp>
       </p:grpSp>
       <p:sp>
@@ -7432,7 +8500,7 @@
         <p:spPr>
           <a:xfrm>
             <a:off x="6156360" y="1440360"/>
-            <a:ext cx="1617840" cy="295560"/>
+            <a:ext cx="1616760" cy="294480"/>
           </a:xfrm>
           <a:prstGeom prst="rect">
             <a:avLst/>
@@ -7449,7 +8517,7 @@
           <a:fontRef idx="minor"/>
         </p:style>
         <p:txBody>
-          <a:bodyPr lIns="90000" rIns="90000" tIns="45000" bIns="45000">
+          <a:bodyPr lIns="90000" rIns="90000" tIns="45000" bIns="45000" anchor="t">
             <a:noAutofit/>
           </a:bodyPr>
           <a:p>
@@ -7466,9 +8534,12 @@
                 <a:latin typeface="Nunito Sans"/>
                 <a:ea typeface="DejaVu Sans"/>
               </a:rPr>
-              <a:t>Valor total vendido</a:t>
+              <a:t>Total amount sold</a:t>
             </a:r>
             <a:endParaRPr b="0" lang="pt-BR" sz="1200" spc="-1" strike="noStrike">
+              <a:solidFill>
+                <a:srgbClr val="000000"/>
+              </a:solidFill>
               <a:latin typeface="Arial"/>
             </a:endParaRPr>
           </a:p>
@@ -7483,7 +8554,7 @@
         <p:spPr>
           <a:xfrm>
             <a:off x="6012360" y="1729440"/>
-            <a:ext cx="1797840" cy="469080"/>
+            <a:ext cx="1796760" cy="468000"/>
           </a:xfrm>
           <a:prstGeom prst="rect">
             <a:avLst/>
@@ -7500,7 +8571,7 @@
           <a:fontRef idx="minor"/>
         </p:style>
         <p:txBody>
-          <a:bodyPr lIns="90000" rIns="90000" tIns="45000" bIns="45000">
+          <a:bodyPr lIns="90000" rIns="90000" tIns="45000" bIns="45000" anchor="t">
             <a:noAutofit/>
           </a:bodyPr>
           <a:p>
@@ -7517,9 +8588,12 @@
                 <a:latin typeface="Nunito Sans Black"/>
                 <a:ea typeface="DejaVu Sans"/>
               </a:rPr>
-              <a:t>R$ 20 Mil</a:t>
+              <a:t>$ 20 K</a:t>
             </a:r>
             <a:endParaRPr b="0" lang="pt-BR" sz="2200" spc="-1" strike="noStrike">
+              <a:solidFill>
+                <a:srgbClr val="000000"/>
+              </a:solidFill>
               <a:latin typeface="Arial"/>
             </a:endParaRPr>
           </a:p>
@@ -7534,7 +8608,7 @@
         <p:spPr>
           <a:xfrm>
             <a:off x="6156360" y="2186640"/>
-            <a:ext cx="1617840" cy="295560"/>
+            <a:ext cx="1616760" cy="294480"/>
           </a:xfrm>
           <a:prstGeom prst="rect">
             <a:avLst/>
@@ -7551,7 +8625,7 @@
           <a:fontRef idx="minor"/>
         </p:style>
         <p:txBody>
-          <a:bodyPr lIns="90000" rIns="90000" tIns="45000" bIns="45000">
+          <a:bodyPr lIns="90000" rIns="90000" tIns="45000" bIns="45000" anchor="t">
             <a:noAutofit/>
           </a:bodyPr>
           <a:p>
@@ -7571,6 +8645,9 @@
               <a:t>20%</a:t>
             </a:r>
             <a:endParaRPr b="0" lang="pt-BR" sz="1200" spc="-1" strike="noStrike">
+              <a:solidFill>
+                <a:srgbClr val="000000"/>
+              </a:solidFill>
               <a:latin typeface="Arial"/>
             </a:endParaRPr>
           </a:p>
@@ -7585,9 +8662,9 @@
         <p:grpSpPr>
           <a:xfrm>
             <a:off x="6554160" y="2229840"/>
-            <a:ext cx="130680" cy="177120"/>
+            <a:ext cx="129600" cy="176040"/>
             <a:chOff x="6554160" y="2229840"/>
-            <a:chExt cx="130680" cy="177120"/>
+            <a:chExt cx="129600" cy="176040"/>
           </a:xfrm>
         </p:grpSpPr>
         <p:sp>
@@ -7599,7 +8676,7 @@
           <p:spPr>
             <a:xfrm>
               <a:off x="6587640" y="2276280"/>
-              <a:ext cx="64440" cy="130680"/>
+              <a:ext cx="63360" cy="129600"/>
             </a:xfrm>
             <a:prstGeom prst="rect">
               <a:avLst/>
@@ -7619,6 +8696,25 @@
             <a:effectRef idx="0"/>
             <a:fontRef idx="minor"/>
           </p:style>
+          <p:txBody>
+            <a:bodyPr lIns="90000" rIns="90000" tIns="45000" bIns="45000" anchor="t">
+              <a:noAutofit/>
+            </a:bodyPr>
+            <a:p>
+              <a:pPr>
+                <a:lnSpc>
+                  <a:spcPct val="100000"/>
+                </a:lnSpc>
+              </a:pPr>
+              <a:endParaRPr b="0" lang="pt-BR" sz="1800" spc="-1" strike="noStrike">
+                <a:solidFill>
+                  <a:srgbClr val="000000"/>
+                </a:solidFill>
+                <a:latin typeface="Arial"/>
+                <a:ea typeface="DejaVu Sans"/>
+              </a:endParaRPr>
+            </a:p>
+          </p:txBody>
         </p:sp>
         <p:sp>
           <p:nvSpPr>
@@ -7629,13 +8725,18 @@
           <p:spPr>
             <a:xfrm>
               <a:off x="6554160" y="2229840"/>
-              <a:ext cx="130680" cy="64440"/>
+              <a:ext cx="129600" cy="63360"/>
             </a:xfrm>
             <a:custGeom>
               <a:avLst/>
-              <a:gdLst/>
+              <a:gdLst>
+                <a:gd name="textAreaLeft" fmla="*/ 0 w 129600"/>
+                <a:gd name="textAreaRight" fmla="*/ 130680 w 129600"/>
+                <a:gd name="textAreaTop" fmla="*/ 0 h 63360"/>
+                <a:gd name="textAreaBottom" fmla="*/ 64440 h 63360"/>
+              </a:gdLst>
               <a:ahLst/>
-              <a:rect l="l" t="t" r="r" b="b"/>
+              <a:rect l="textAreaLeft" t="textAreaTop" r="textAreaRight" b="textAreaBottom"/>
               <a:pathLst>
                 <a:path w="371" h="187">
                   <a:moveTo>
@@ -7666,6 +8767,25 @@
             <a:effectRef idx="0"/>
             <a:fontRef idx="minor"/>
           </p:style>
+          <p:txBody>
+            <a:bodyPr lIns="90000" rIns="90000" tIns="19440" bIns="19440" anchor="t">
+              <a:noAutofit/>
+            </a:bodyPr>
+            <a:p>
+              <a:pPr>
+                <a:lnSpc>
+                  <a:spcPct val="100000"/>
+                </a:lnSpc>
+              </a:pPr>
+              <a:endParaRPr b="0" lang="pt-BR" sz="1800" spc="-1" strike="noStrike">
+                <a:solidFill>
+                  <a:srgbClr val="000000"/>
+                </a:solidFill>
+                <a:latin typeface="Arial"/>
+                <a:ea typeface="DejaVu Sans"/>
+              </a:endParaRPr>
+            </a:p>
+          </p:txBody>
         </p:sp>
       </p:grpSp>
       <p:sp>
@@ -7677,7 +8797,7 @@
         <p:spPr>
           <a:xfrm>
             <a:off x="4824360" y="2880360"/>
-            <a:ext cx="1617840" cy="441360"/>
+            <a:ext cx="1616760" cy="440280"/>
           </a:xfrm>
           <a:prstGeom prst="rect">
             <a:avLst/>
@@ -7694,7 +8814,7 @@
           <a:fontRef idx="minor"/>
         </p:style>
         <p:txBody>
-          <a:bodyPr lIns="90000" rIns="90000" tIns="45000" bIns="45000">
+          <a:bodyPr lIns="90000" rIns="90000" tIns="45000" bIns="45000" anchor="t">
             <a:noAutofit/>
           </a:bodyPr>
           <a:p>
@@ -7711,9 +8831,12 @@
                 <a:latin typeface="Nunito Sans"/>
                 <a:ea typeface="DejaVu Sans"/>
               </a:rPr>
-              <a:t>Empréstimo Consignado</a:t>
+              <a:t>Payroll loan</a:t>
             </a:r>
             <a:endParaRPr b="0" lang="pt-BR" sz="1200" spc="-1" strike="noStrike">
+              <a:solidFill>
+                <a:srgbClr val="000000"/>
+              </a:solidFill>
               <a:latin typeface="Arial"/>
             </a:endParaRPr>
           </a:p>
@@ -7728,7 +8851,7 @@
         <p:spPr>
           <a:xfrm>
             <a:off x="4680360" y="3313440"/>
-            <a:ext cx="1797840" cy="469080"/>
+            <a:ext cx="1796760" cy="468000"/>
           </a:xfrm>
           <a:prstGeom prst="rect">
             <a:avLst/>
@@ -7745,7 +8868,7 @@
           <a:fontRef idx="minor"/>
         </p:style>
         <p:txBody>
-          <a:bodyPr lIns="90000" rIns="90000" tIns="45000" bIns="45000">
+          <a:bodyPr lIns="90000" rIns="90000" tIns="45000" bIns="45000" anchor="t">
             <a:noAutofit/>
           </a:bodyPr>
           <a:p>
@@ -7762,9 +8885,12 @@
                 <a:latin typeface="Nunito Sans Black"/>
                 <a:ea typeface="DejaVu Sans"/>
               </a:rPr>
-              <a:t>R$ 8 Mil</a:t>
+              <a:t>$ 8 K</a:t>
             </a:r>
             <a:endParaRPr b="0" lang="pt-BR" sz="2200" spc="-1" strike="noStrike">
+              <a:solidFill>
+                <a:srgbClr val="000000"/>
+              </a:solidFill>
               <a:latin typeface="Arial"/>
             </a:endParaRPr>
           </a:p>
@@ -7779,7 +8905,7 @@
         <p:spPr>
           <a:xfrm>
             <a:off x="4824360" y="3770640"/>
-            <a:ext cx="1617840" cy="295560"/>
+            <a:ext cx="1616760" cy="294480"/>
           </a:xfrm>
           <a:prstGeom prst="rect">
             <a:avLst/>
@@ -7796,7 +8922,7 @@
           <a:fontRef idx="minor"/>
         </p:style>
         <p:txBody>
-          <a:bodyPr lIns="90000" rIns="90000" tIns="45000" bIns="45000">
+          <a:bodyPr lIns="90000" rIns="90000" tIns="45000" bIns="45000" anchor="t">
             <a:noAutofit/>
           </a:bodyPr>
           <a:p>
@@ -7816,6 +8942,9 @@
               <a:t>5%</a:t>
             </a:r>
             <a:endParaRPr b="0" lang="pt-BR" sz="1200" spc="-1" strike="noStrike">
+              <a:solidFill>
+                <a:srgbClr val="000000"/>
+              </a:solidFill>
               <a:latin typeface="Arial"/>
             </a:endParaRPr>
           </a:p>
@@ -7829,10 +8958,10 @@
         </p:nvGrpSpPr>
         <p:grpSpPr>
           <a:xfrm>
-            <a:off x="5294160" y="3811680"/>
-            <a:ext cx="130680" cy="178920"/>
-            <a:chOff x="5294160" y="3811680"/>
-            <a:chExt cx="130680" cy="178920"/>
+            <a:off x="5294160" y="3810600"/>
+            <a:ext cx="129600" cy="178920"/>
+            <a:chOff x="5294160" y="3810600"/>
+            <a:chExt cx="129600" cy="178920"/>
           </a:xfrm>
         </p:grpSpPr>
         <p:sp>
@@ -7843,8 +8972,8 @@
           </p:nvSpPr>
           <p:spPr>
             <a:xfrm flipV="1">
-              <a:off x="5327640" y="3811320"/>
-              <a:ext cx="64440" cy="130680"/>
+              <a:off x="5327640" y="3810600"/>
+              <a:ext cx="63360" cy="129600"/>
             </a:xfrm>
             <a:prstGeom prst="rect">
               <a:avLst/>
@@ -7864,6 +8993,25 @@
             <a:effectRef idx="0"/>
             <a:fontRef idx="minor"/>
           </p:style>
+          <p:txBody>
+            <a:bodyPr lIns="90000" rIns="90000" tIns="45000" bIns="45000" anchor="t">
+              <a:noAutofit/>
+            </a:bodyPr>
+            <a:p>
+              <a:pPr>
+                <a:lnSpc>
+                  <a:spcPct val="100000"/>
+                </a:lnSpc>
+              </a:pPr>
+              <a:endParaRPr b="0" lang="pt-BR" sz="1800" spc="-1" strike="noStrike">
+                <a:solidFill>
+                  <a:srgbClr val="000000"/>
+                </a:solidFill>
+                <a:latin typeface="Arial"/>
+                <a:ea typeface="DejaVu Sans"/>
+              </a:endParaRPr>
+            </a:p>
+          </p:txBody>
         </p:sp>
         <p:sp>
           <p:nvSpPr>
@@ -7874,13 +9022,18 @@
           <p:spPr>
             <a:xfrm>
               <a:off x="5294160" y="3926160"/>
-              <a:ext cx="130680" cy="64440"/>
+              <a:ext cx="129600" cy="63360"/>
             </a:xfrm>
             <a:custGeom>
               <a:avLst/>
-              <a:gdLst/>
+              <a:gdLst>
+                <a:gd name="textAreaLeft" fmla="*/ 0 w 129600"/>
+                <a:gd name="textAreaRight" fmla="*/ 130680 w 129600"/>
+                <a:gd name="textAreaTop" fmla="*/ 0 h 63360"/>
+                <a:gd name="textAreaBottom" fmla="*/ 64440 h 63360"/>
+              </a:gdLst>
               <a:ahLst/>
-              <a:rect l="l" t="t" r="r" b="b"/>
+              <a:rect l="textAreaLeft" t="textAreaTop" r="textAreaRight" b="textAreaBottom"/>
               <a:pathLst>
                 <a:path w="371" h="187">
                   <a:moveTo>
@@ -7911,6 +9064,25 @@
             <a:effectRef idx="0"/>
             <a:fontRef idx="minor"/>
           </p:style>
+          <p:txBody>
+            <a:bodyPr lIns="90000" rIns="90000" tIns="19440" bIns="19440" anchor="t">
+              <a:noAutofit/>
+            </a:bodyPr>
+            <a:p>
+              <a:pPr>
+                <a:lnSpc>
+                  <a:spcPct val="100000"/>
+                </a:lnSpc>
+              </a:pPr>
+              <a:endParaRPr b="0" lang="pt-BR" sz="1800" spc="-1" strike="noStrike">
+                <a:solidFill>
+                  <a:srgbClr val="000000"/>
+                </a:solidFill>
+                <a:latin typeface="Arial"/>
+                <a:ea typeface="DejaVu Sans"/>
+              </a:endParaRPr>
+            </a:p>
+          </p:txBody>
         </p:sp>
       </p:grpSp>
       <p:sp>
@@ -7922,7 +9094,7 @@
         <p:spPr>
           <a:xfrm>
             <a:off x="6840000" y="2880000"/>
-            <a:ext cx="2014560" cy="502920"/>
+            <a:ext cx="2013480" cy="501840"/>
           </a:xfrm>
           <a:prstGeom prst="rect">
             <a:avLst/>
@@ -7939,7 +9111,7 @@
           <a:fontRef idx="minor"/>
         </p:style>
         <p:txBody>
-          <a:bodyPr lIns="90000" rIns="90000" tIns="45000" bIns="45000">
+          <a:bodyPr lIns="90000" rIns="90000" tIns="45000" bIns="45000" anchor="t">
             <a:noAutofit/>
           </a:bodyPr>
           <a:p>
@@ -7956,9 +9128,12 @@
                 <a:latin typeface="Nunito Sans"/>
                 <a:ea typeface="DejaVu Sans"/>
               </a:rPr>
-              <a:t>Empréstimo com garantia</a:t>
+              <a:t>Secured loan</a:t>
             </a:r>
             <a:endParaRPr b="0" lang="pt-BR" sz="1200" spc="-1" strike="noStrike">
+              <a:solidFill>
+                <a:srgbClr val="000000"/>
+              </a:solidFill>
               <a:latin typeface="Arial"/>
             </a:endParaRPr>
           </a:p>
@@ -7976,9 +9151,12 @@
                 <a:latin typeface="Nunito Sans"/>
                 <a:ea typeface="DejaVu Sans"/>
               </a:rPr>
-              <a:t>sobre veículos</a:t>
+              <a:t>over vehicles</a:t>
             </a:r>
             <a:endParaRPr b="0" lang="pt-BR" sz="1200" spc="-1" strike="noStrike">
+              <a:solidFill>
+                <a:srgbClr val="000000"/>
+              </a:solidFill>
               <a:latin typeface="Arial"/>
             </a:endParaRPr>
           </a:p>
@@ -7993,7 +9171,7 @@
         <p:spPr>
           <a:xfrm>
             <a:off x="7020360" y="3313440"/>
-            <a:ext cx="1797840" cy="469080"/>
+            <a:ext cx="1796760" cy="468000"/>
           </a:xfrm>
           <a:prstGeom prst="rect">
             <a:avLst/>
@@ -8010,7 +9188,7 @@
           <a:fontRef idx="minor"/>
         </p:style>
         <p:txBody>
-          <a:bodyPr lIns="90000" rIns="90000" tIns="45000" bIns="45000">
+          <a:bodyPr lIns="90000" rIns="90000" tIns="45000" bIns="45000" anchor="t">
             <a:noAutofit/>
           </a:bodyPr>
           <a:p>
@@ -8027,9 +9205,12 @@
                 <a:latin typeface="Nunito Sans Black"/>
                 <a:ea typeface="DejaVu Sans"/>
               </a:rPr>
-              <a:t>R$ 12 Mil</a:t>
+              <a:t>$ 12 K</a:t>
             </a:r>
             <a:endParaRPr b="0" lang="pt-BR" sz="2200" spc="-1" strike="noStrike">
+              <a:solidFill>
+                <a:srgbClr val="000000"/>
+              </a:solidFill>
               <a:latin typeface="Arial"/>
             </a:endParaRPr>
           </a:p>
@@ -8044,7 +9225,7 @@
         <p:spPr>
           <a:xfrm>
             <a:off x="7164360" y="3770640"/>
-            <a:ext cx="1617840" cy="295560"/>
+            <a:ext cx="1616760" cy="294480"/>
           </a:xfrm>
           <a:prstGeom prst="rect">
             <a:avLst/>
@@ -8061,7 +9242,7 @@
           <a:fontRef idx="minor"/>
         </p:style>
         <p:txBody>
-          <a:bodyPr lIns="90000" rIns="90000" tIns="45000" bIns="45000">
+          <a:bodyPr lIns="90000" rIns="90000" tIns="45000" bIns="45000" anchor="t">
             <a:noAutofit/>
           </a:bodyPr>
           <a:p>
@@ -8081,6 +9262,9 @@
               <a:t>100%</a:t>
             </a:r>
             <a:endParaRPr b="0" lang="pt-BR" sz="1200" spc="-1" strike="noStrike">
+              <a:solidFill>
+                <a:srgbClr val="000000"/>
+              </a:solidFill>
               <a:latin typeface="Arial"/>
             </a:endParaRPr>
           </a:p>
@@ -8095,9 +9279,9 @@
         <p:grpSpPr>
           <a:xfrm>
             <a:off x="7562160" y="3813840"/>
-            <a:ext cx="130680" cy="177120"/>
+            <a:ext cx="129600" cy="176040"/>
             <a:chOff x="7562160" y="3813840"/>
-            <a:chExt cx="130680" cy="177120"/>
+            <a:chExt cx="129600" cy="176040"/>
           </a:xfrm>
         </p:grpSpPr>
         <p:sp>
@@ -8109,7 +9293,7 @@
           <p:spPr>
             <a:xfrm>
               <a:off x="7595640" y="3860280"/>
-              <a:ext cx="64440" cy="130680"/>
+              <a:ext cx="63360" cy="129600"/>
             </a:xfrm>
             <a:prstGeom prst="rect">
               <a:avLst/>
@@ -8129,6 +9313,25 @@
             <a:effectRef idx="0"/>
             <a:fontRef idx="minor"/>
           </p:style>
+          <p:txBody>
+            <a:bodyPr lIns="90000" rIns="90000" tIns="45000" bIns="45000" anchor="t">
+              <a:noAutofit/>
+            </a:bodyPr>
+            <a:p>
+              <a:pPr>
+                <a:lnSpc>
+                  <a:spcPct val="100000"/>
+                </a:lnSpc>
+              </a:pPr>
+              <a:endParaRPr b="0" lang="pt-BR" sz="1800" spc="-1" strike="noStrike">
+                <a:solidFill>
+                  <a:srgbClr val="000000"/>
+                </a:solidFill>
+                <a:latin typeface="Arial"/>
+                <a:ea typeface="DejaVu Sans"/>
+              </a:endParaRPr>
+            </a:p>
+          </p:txBody>
         </p:sp>
         <p:sp>
           <p:nvSpPr>
@@ -8139,13 +9342,18 @@
           <p:spPr>
             <a:xfrm>
               <a:off x="7562160" y="3813840"/>
-              <a:ext cx="130680" cy="64440"/>
+              <a:ext cx="129600" cy="63360"/>
             </a:xfrm>
             <a:custGeom>
               <a:avLst/>
-              <a:gdLst/>
+              <a:gdLst>
+                <a:gd name="textAreaLeft" fmla="*/ 0 w 129600"/>
+                <a:gd name="textAreaRight" fmla="*/ 130680 w 129600"/>
+                <a:gd name="textAreaTop" fmla="*/ 0 h 63360"/>
+                <a:gd name="textAreaBottom" fmla="*/ 64440 h 63360"/>
+              </a:gdLst>
               <a:ahLst/>
-              <a:rect l="l" t="t" r="r" b="b"/>
+              <a:rect l="textAreaLeft" t="textAreaTop" r="textAreaRight" b="textAreaBottom"/>
               <a:pathLst>
                 <a:path w="371" h="187">
                   <a:moveTo>
@@ -8176,6 +9384,25 @@
             <a:effectRef idx="0"/>
             <a:fontRef idx="minor"/>
           </p:style>
+          <p:txBody>
+            <a:bodyPr lIns="90000" rIns="90000" tIns="19440" bIns="19440" anchor="t">
+              <a:noAutofit/>
+            </a:bodyPr>
+            <a:p>
+              <a:pPr>
+                <a:lnSpc>
+                  <a:spcPct val="100000"/>
+                </a:lnSpc>
+              </a:pPr>
+              <a:endParaRPr b="0" lang="pt-BR" sz="1800" spc="-1" strike="noStrike">
+                <a:solidFill>
+                  <a:srgbClr val="000000"/>
+                </a:solidFill>
+                <a:latin typeface="Arial"/>
+                <a:ea typeface="DejaVu Sans"/>
+              </a:endParaRPr>
+            </a:p>
+          </p:txBody>
         </p:sp>
       </p:grpSp>
       <p:sp>
@@ -8206,6 +9433,20 @@
           <a:effectRef idx="0"/>
           <a:fontRef idx="minor"/>
         </p:style>
+        <p:txBody>
+          <a:bodyPr lIns="90000" rIns="90000" tIns="45000" bIns="45000" anchor="t" anchorCtr="1">
+            <a:noAutofit/>
+          </a:bodyPr>
+          <a:p>
+            <a:endParaRPr b="0" lang="pt-BR" sz="1800" spc="-1" strike="noStrike">
+              <a:solidFill>
+                <a:srgbClr val="000000"/>
+              </a:solidFill>
+              <a:latin typeface="Arial"/>
+              <a:ea typeface="DejaVu Sans"/>
+            </a:endParaRPr>
+          </a:p>
+        </p:txBody>
       </p:sp>
       <p:sp>
         <p:nvSpPr>
@@ -8235,6 +9476,20 @@
           <a:effectRef idx="0"/>
           <a:fontRef idx="minor"/>
         </p:style>
+        <p:txBody>
+          <a:bodyPr lIns="90000" rIns="90000" tIns="45000" bIns="45000" anchor="t" anchorCtr="1">
+            <a:noAutofit/>
+          </a:bodyPr>
+          <a:p>
+            <a:endParaRPr b="0" lang="pt-BR" sz="1800" spc="-1" strike="noStrike">
+              <a:solidFill>
+                <a:srgbClr val="000000"/>
+              </a:solidFill>
+              <a:latin typeface="Arial"/>
+              <a:ea typeface="DejaVu Sans"/>
+            </a:endParaRPr>
+          </a:p>
+        </p:txBody>
       </p:sp>
       <p:sp>
         <p:nvSpPr>
@@ -8245,7 +9500,7 @@
         <p:spPr>
           <a:xfrm>
             <a:off x="575640" y="1260000"/>
-            <a:ext cx="3382560" cy="1618200"/>
+            <a:ext cx="3381480" cy="1617120"/>
           </a:xfrm>
           <a:prstGeom prst="rect">
             <a:avLst/>
@@ -8262,7 +9517,7 @@
           <a:fontRef idx="minor"/>
         </p:style>
         <p:txBody>
-          <a:bodyPr lIns="90000" rIns="90000" tIns="45000" bIns="45000">
+          <a:bodyPr lIns="90000" rIns="90000" tIns="45000" bIns="45000" anchor="t">
             <a:noAutofit/>
           </a:bodyPr>
           <a:p>
@@ -8279,9 +9534,12 @@
                 <a:latin typeface="Nunito Sans"/>
                 <a:ea typeface="DejaVu Sans"/>
               </a:rPr>
-              <a:t>Mesmo com as quedas de 12% no número de usuários entrando na plataforma, e de 5% no valor total vendido para os produtos de consignado, tivemos um aumento significativo de 20% sobre o valor total vendido. Pois tivemos um aumento de 15 p.p. sobre a taxa de conversão. Além da introdução de um novo produto no fluxo (empréstimos com garantia sobre veículos) que obteve R$ 12 Mil em vendas logo no seu primeiro mês.</a:t>
+              <a:t>Even with the 12% drop in the number of users entering the platform, and 5% in the total amount sold for payroll products, we had a significant increase of 20% over the total amount sold. Because we had an increase of 15 pp. at the conversion rate. In addition to the introduction of a new product (secured loans on vehicles) which obtained $12 thousand in sales in its first month.</a:t>
             </a:r>
             <a:endParaRPr b="0" lang="pt-BR" sz="1200" spc="-1" strike="noStrike">
+              <a:solidFill>
+                <a:srgbClr val="000000"/>
+              </a:solidFill>
               <a:latin typeface="Arial"/>
             </a:endParaRPr>
           </a:p>
@@ -8326,7 +9584,7 @@
         <p:spPr>
           <a:xfrm>
             <a:off x="2700000" y="2015280"/>
-            <a:ext cx="3599640" cy="504360"/>
+            <a:ext cx="3598560" cy="503280"/>
           </a:xfrm>
           <a:prstGeom prst="rect">
             <a:avLst/>
@@ -8343,7 +9601,7 @@
           <a:fontRef idx="minor"/>
         </p:style>
         <p:txBody>
-          <a:bodyPr lIns="90000" rIns="90000" tIns="45000" bIns="45000">
+          <a:bodyPr lIns="90000" rIns="90000" tIns="45000" bIns="45000" anchor="t">
             <a:noAutofit/>
           </a:bodyPr>
           <a:p>
@@ -8363,6 +9621,9 @@
               <a:t>REFORMULAÇÃO</a:t>
             </a:r>
             <a:endParaRPr b="0" lang="pt-BR" sz="2400" spc="-1" strike="noStrike">
+              <a:solidFill>
+                <a:srgbClr val="000000"/>
+              </a:solidFill>
               <a:latin typeface="Arial"/>
             </a:endParaRPr>
           </a:p>
@@ -8377,7 +9638,7 @@
         <p:spPr>
           <a:xfrm>
             <a:off x="360000" y="180000"/>
-            <a:ext cx="8279640" cy="1079640"/>
+            <a:ext cx="8278560" cy="1078560"/>
           </a:xfrm>
           <a:prstGeom prst="rect">
             <a:avLst/>
@@ -8397,6 +9658,25 @@
           <a:effectRef idx="0"/>
           <a:fontRef idx="minor"/>
         </p:style>
+        <p:txBody>
+          <a:bodyPr lIns="90000" rIns="90000" tIns="45000" bIns="45000" anchor="t">
+            <a:noAutofit/>
+          </a:bodyPr>
+          <a:p>
+            <a:pPr>
+              <a:lnSpc>
+                <a:spcPct val="100000"/>
+              </a:lnSpc>
+            </a:pPr>
+            <a:endParaRPr b="0" lang="pt-BR" sz="1800" spc="-1" strike="noStrike">
+              <a:solidFill>
+                <a:srgbClr val="000000"/>
+              </a:solidFill>
+              <a:latin typeface="Arial"/>
+              <a:ea typeface="DejaVu Sans"/>
+            </a:endParaRPr>
+          </a:p>
+        </p:txBody>
       </p:sp>
       <p:sp>
         <p:nvSpPr>
@@ -8407,7 +9687,7 @@
         <p:spPr>
           <a:xfrm>
             <a:off x="360000" y="3420000"/>
-            <a:ext cx="8279640" cy="1079640"/>
+            <a:ext cx="8278560" cy="1078560"/>
           </a:xfrm>
           <a:prstGeom prst="rect">
             <a:avLst/>
@@ -8427,6 +9707,25 @@
           <a:effectRef idx="0"/>
           <a:fontRef idx="minor"/>
         </p:style>
+        <p:txBody>
+          <a:bodyPr lIns="90000" rIns="90000" tIns="45000" bIns="45000" anchor="t">
+            <a:noAutofit/>
+          </a:bodyPr>
+          <a:p>
+            <a:pPr>
+              <a:lnSpc>
+                <a:spcPct val="100000"/>
+              </a:lnSpc>
+            </a:pPr>
+            <a:endParaRPr b="0" lang="pt-BR" sz="1800" spc="-1" strike="noStrike">
+              <a:solidFill>
+                <a:srgbClr val="000000"/>
+              </a:solidFill>
+              <a:latin typeface="Arial"/>
+              <a:ea typeface="DejaVu Sans"/>
+            </a:endParaRPr>
+          </a:p>
+        </p:txBody>
       </p:sp>
     </p:spTree>
   </p:cSld>
@@ -8467,7 +9766,7 @@
         <p:spPr>
           <a:xfrm>
             <a:off x="3420000" y="180000"/>
-            <a:ext cx="2337840" cy="504360"/>
+            <a:ext cx="2336760" cy="503280"/>
           </a:xfrm>
           <a:prstGeom prst="rect">
             <a:avLst/>
@@ -8484,7 +9783,7 @@
           <a:fontRef idx="minor"/>
         </p:style>
         <p:txBody>
-          <a:bodyPr lIns="90000" rIns="90000" tIns="45000" bIns="45000">
+          <a:bodyPr lIns="90000" rIns="90000" tIns="45000" bIns="45000" anchor="t">
             <a:noAutofit/>
           </a:bodyPr>
           <a:p>
@@ -8501,9 +9800,12 @@
                 <a:latin typeface="Nunito Sans Black"/>
                 <a:ea typeface="DejaVu Sans"/>
               </a:rPr>
-              <a:t>VENDAS</a:t>
+              <a:t>SALES</a:t>
             </a:r>
             <a:endParaRPr b="0" lang="pt-BR" sz="2400" spc="-1" strike="noStrike">
+              <a:solidFill>
+                <a:srgbClr val="000000"/>
+              </a:solidFill>
               <a:latin typeface="Arial"/>
             </a:endParaRPr>
           </a:p>
@@ -8518,7 +9820,7 @@
         <p:spPr>
           <a:xfrm>
             <a:off x="2671200" y="2231640"/>
-            <a:ext cx="1617840" cy="502920"/>
+            <a:ext cx="1616760" cy="501840"/>
           </a:xfrm>
           <a:prstGeom prst="rect">
             <a:avLst/>
@@ -8535,7 +9837,7 @@
           <a:fontRef idx="minor"/>
         </p:style>
         <p:txBody>
-          <a:bodyPr lIns="90000" rIns="90000" tIns="45000" bIns="45000">
+          <a:bodyPr lIns="90000" rIns="90000" tIns="45000" bIns="45000" anchor="t">
             <a:noAutofit/>
           </a:bodyPr>
           <a:p>
@@ -8552,9 +9854,12 @@
                 <a:latin typeface="Nunito Sans"/>
                 <a:ea typeface="DejaVu Sans"/>
               </a:rPr>
-              <a:t>Número de propostas vendidas</a:t>
+              <a:t>Number of proposals sold</a:t>
             </a:r>
             <a:endParaRPr b="0" lang="pt-BR" sz="1200" spc="-1" strike="noStrike">
+              <a:solidFill>
+                <a:srgbClr val="000000"/>
+              </a:solidFill>
               <a:latin typeface="Arial"/>
             </a:endParaRPr>
           </a:p>
@@ -8569,7 +9874,7 @@
         <p:spPr>
           <a:xfrm>
             <a:off x="2671200" y="2736720"/>
-            <a:ext cx="1617840" cy="469080"/>
+            <a:ext cx="1616760" cy="468000"/>
           </a:xfrm>
           <a:prstGeom prst="rect">
             <a:avLst/>
@@ -8586,7 +9891,7 @@
           <a:fontRef idx="minor"/>
         </p:style>
         <p:txBody>
-          <a:bodyPr lIns="90000" rIns="90000" tIns="45000" bIns="45000">
+          <a:bodyPr lIns="90000" rIns="90000" tIns="45000" bIns="45000" anchor="t">
             <a:noAutofit/>
           </a:bodyPr>
           <a:p>
@@ -8603,9 +9908,12 @@
                 <a:latin typeface="Nunito Sans Black"/>
                 <a:ea typeface="DejaVu Sans"/>
               </a:rPr>
-              <a:t>1.500</a:t>
+              <a:t>1,500</a:t>
             </a:r>
             <a:endParaRPr b="0" lang="pt-BR" sz="2200" spc="-1" strike="noStrike">
+              <a:solidFill>
+                <a:srgbClr val="000000"/>
+              </a:solidFill>
               <a:latin typeface="Arial"/>
             </a:endParaRPr>
           </a:p>
@@ -8620,7 +9928,7 @@
         <p:spPr>
           <a:xfrm>
             <a:off x="2671200" y="3193920"/>
-            <a:ext cx="1617840" cy="295560"/>
+            <a:ext cx="1616760" cy="294480"/>
           </a:xfrm>
           <a:prstGeom prst="rect">
             <a:avLst/>
@@ -8637,7 +9945,7 @@
           <a:fontRef idx="minor"/>
         </p:style>
         <p:txBody>
-          <a:bodyPr lIns="90000" rIns="90000" tIns="45000" bIns="45000">
+          <a:bodyPr lIns="90000" rIns="90000" tIns="45000" bIns="45000" anchor="t">
             <a:noAutofit/>
           </a:bodyPr>
           <a:p>
@@ -8657,6 +9965,9 @@
               <a:t>15%</a:t>
             </a:r>
             <a:endParaRPr b="0" lang="pt-BR" sz="1200" spc="-1" strike="noStrike">
+              <a:solidFill>
+                <a:srgbClr val="000000"/>
+              </a:solidFill>
               <a:latin typeface="Arial"/>
             </a:endParaRPr>
           </a:p>
@@ -8671,9 +9982,9 @@
         <p:grpSpPr>
           <a:xfrm>
             <a:off x="3069000" y="3237120"/>
-            <a:ext cx="130680" cy="177120"/>
+            <a:ext cx="129600" cy="176040"/>
             <a:chOff x="3069000" y="3237120"/>
-            <a:chExt cx="130680" cy="177120"/>
+            <a:chExt cx="129600" cy="176040"/>
           </a:xfrm>
         </p:grpSpPr>
         <p:sp>
@@ -8685,7 +9996,7 @@
           <p:spPr>
             <a:xfrm>
               <a:off x="3102480" y="3283560"/>
-              <a:ext cx="64440" cy="130680"/>
+              <a:ext cx="63360" cy="129600"/>
             </a:xfrm>
             <a:prstGeom prst="rect">
               <a:avLst/>
@@ -8705,6 +10016,25 @@
             <a:effectRef idx="0"/>
             <a:fontRef idx="minor"/>
           </p:style>
+          <p:txBody>
+            <a:bodyPr lIns="90000" rIns="90000" tIns="45000" bIns="45000" anchor="t">
+              <a:noAutofit/>
+            </a:bodyPr>
+            <a:p>
+              <a:pPr>
+                <a:lnSpc>
+                  <a:spcPct val="100000"/>
+                </a:lnSpc>
+              </a:pPr>
+              <a:endParaRPr b="0" lang="pt-BR" sz="1800" spc="-1" strike="noStrike">
+                <a:solidFill>
+                  <a:srgbClr val="000000"/>
+                </a:solidFill>
+                <a:latin typeface="Arial"/>
+                <a:ea typeface="DejaVu Sans"/>
+              </a:endParaRPr>
+            </a:p>
+          </p:txBody>
         </p:sp>
         <p:sp>
           <p:nvSpPr>
@@ -8715,13 +10045,18 @@
           <p:spPr>
             <a:xfrm>
               <a:off x="3069000" y="3237120"/>
-              <a:ext cx="130680" cy="64440"/>
+              <a:ext cx="129600" cy="63360"/>
             </a:xfrm>
             <a:custGeom>
               <a:avLst/>
-              <a:gdLst/>
+              <a:gdLst>
+                <a:gd name="textAreaLeft" fmla="*/ 0 w 129600"/>
+                <a:gd name="textAreaRight" fmla="*/ 130680 w 129600"/>
+                <a:gd name="textAreaTop" fmla="*/ 0 h 63360"/>
+                <a:gd name="textAreaBottom" fmla="*/ 64440 h 63360"/>
+              </a:gdLst>
               <a:ahLst/>
-              <a:rect l="l" t="t" r="r" b="b"/>
+              <a:rect l="textAreaLeft" t="textAreaTop" r="textAreaRight" b="textAreaBottom"/>
               <a:pathLst>
                 <a:path w="371" h="187">
                   <a:moveTo>
@@ -8752,6 +10087,25 @@
             <a:effectRef idx="0"/>
             <a:fontRef idx="minor"/>
           </p:style>
+          <p:txBody>
+            <a:bodyPr lIns="90000" rIns="90000" tIns="19440" bIns="19440" anchor="t">
+              <a:noAutofit/>
+            </a:bodyPr>
+            <a:p>
+              <a:pPr>
+                <a:lnSpc>
+                  <a:spcPct val="100000"/>
+                </a:lnSpc>
+              </a:pPr>
+              <a:endParaRPr b="0" lang="pt-BR" sz="1800" spc="-1" strike="noStrike">
+                <a:solidFill>
+                  <a:srgbClr val="000000"/>
+                </a:solidFill>
+                <a:latin typeface="Arial"/>
+                <a:ea typeface="DejaVu Sans"/>
+              </a:endParaRPr>
+            </a:p>
+          </p:txBody>
         </p:sp>
       </p:grpSp>
       <p:sp>
@@ -8763,7 +10117,7 @@
         <p:spPr>
           <a:xfrm>
             <a:off x="4831200" y="2439000"/>
-            <a:ext cx="1617840" cy="295560"/>
+            <a:ext cx="1616760" cy="294480"/>
           </a:xfrm>
           <a:prstGeom prst="rect">
             <a:avLst/>
@@ -8780,7 +10134,7 @@
           <a:fontRef idx="minor"/>
         </p:style>
         <p:txBody>
-          <a:bodyPr lIns="90000" rIns="90000" tIns="45000" bIns="45000">
+          <a:bodyPr lIns="90000" rIns="90000" tIns="45000" bIns="45000" anchor="t">
             <a:noAutofit/>
           </a:bodyPr>
           <a:p>
@@ -8797,9 +10151,12 @@
                 <a:latin typeface="Nunito Sans"/>
                 <a:ea typeface="DejaVu Sans"/>
               </a:rPr>
-              <a:t>Valor total vendido</a:t>
+              <a:t>Total amount sold</a:t>
             </a:r>
             <a:endParaRPr b="0" lang="pt-BR" sz="1200" spc="-1" strike="noStrike">
+              <a:solidFill>
+                <a:srgbClr val="000000"/>
+              </a:solidFill>
               <a:latin typeface="Arial"/>
             </a:endParaRPr>
           </a:p>
@@ -8814,7 +10171,7 @@
         <p:spPr>
           <a:xfrm>
             <a:off x="4687200" y="2728080"/>
-            <a:ext cx="1797840" cy="469080"/>
+            <a:ext cx="1796760" cy="468000"/>
           </a:xfrm>
           <a:prstGeom prst="rect">
             <a:avLst/>
@@ -8831,7 +10188,7 @@
           <a:fontRef idx="minor"/>
         </p:style>
         <p:txBody>
-          <a:bodyPr lIns="90000" rIns="90000" tIns="45000" bIns="45000">
+          <a:bodyPr lIns="90000" rIns="90000" tIns="45000" bIns="45000" anchor="t">
             <a:noAutofit/>
           </a:bodyPr>
           <a:p>
@@ -8848,9 +10205,12 @@
                 <a:latin typeface="Nunito Sans Black"/>
                 <a:ea typeface="DejaVu Sans"/>
               </a:rPr>
-              <a:t>R$ 20 Mil</a:t>
+              <a:t>$ 20 K</a:t>
             </a:r>
             <a:endParaRPr b="0" lang="pt-BR" sz="2200" spc="-1" strike="noStrike">
+              <a:solidFill>
+                <a:srgbClr val="000000"/>
+              </a:solidFill>
               <a:latin typeface="Arial"/>
             </a:endParaRPr>
           </a:p>
@@ -8865,7 +10225,7 @@
         <p:spPr>
           <a:xfrm>
             <a:off x="4831200" y="3185280"/>
-            <a:ext cx="1617840" cy="295560"/>
+            <a:ext cx="1616760" cy="294480"/>
           </a:xfrm>
           <a:prstGeom prst="rect">
             <a:avLst/>
@@ -8882,7 +10242,7 @@
           <a:fontRef idx="minor"/>
         </p:style>
         <p:txBody>
-          <a:bodyPr lIns="90000" rIns="90000" tIns="45000" bIns="45000">
+          <a:bodyPr lIns="90000" rIns="90000" tIns="45000" bIns="45000" anchor="t">
             <a:noAutofit/>
           </a:bodyPr>
           <a:p>
@@ -8902,6 +10262,9 @@
               <a:t>20%</a:t>
             </a:r>
             <a:endParaRPr b="0" lang="pt-BR" sz="1200" spc="-1" strike="noStrike">
+              <a:solidFill>
+                <a:srgbClr val="000000"/>
+              </a:solidFill>
               <a:latin typeface="Arial"/>
             </a:endParaRPr>
           </a:p>
@@ -8916,9 +10279,9 @@
         <p:grpSpPr>
           <a:xfrm>
             <a:off x="5229000" y="3228480"/>
-            <a:ext cx="130680" cy="177120"/>
+            <a:ext cx="129600" cy="176040"/>
             <a:chOff x="5229000" y="3228480"/>
-            <a:chExt cx="130680" cy="177120"/>
+            <a:chExt cx="129600" cy="176040"/>
           </a:xfrm>
         </p:grpSpPr>
         <p:sp>
@@ -8930,7 +10293,7 @@
           <p:spPr>
             <a:xfrm>
               <a:off x="5262480" y="3274920"/>
-              <a:ext cx="64440" cy="130680"/>
+              <a:ext cx="63360" cy="129600"/>
             </a:xfrm>
             <a:prstGeom prst="rect">
               <a:avLst/>
@@ -8950,6 +10313,25 @@
             <a:effectRef idx="0"/>
             <a:fontRef idx="minor"/>
           </p:style>
+          <p:txBody>
+            <a:bodyPr lIns="90000" rIns="90000" tIns="45000" bIns="45000" anchor="t">
+              <a:noAutofit/>
+            </a:bodyPr>
+            <a:p>
+              <a:pPr>
+                <a:lnSpc>
+                  <a:spcPct val="100000"/>
+                </a:lnSpc>
+              </a:pPr>
+              <a:endParaRPr b="0" lang="pt-BR" sz="1800" spc="-1" strike="noStrike">
+                <a:solidFill>
+                  <a:srgbClr val="000000"/>
+                </a:solidFill>
+                <a:latin typeface="Arial"/>
+                <a:ea typeface="DejaVu Sans"/>
+              </a:endParaRPr>
+            </a:p>
+          </p:txBody>
         </p:sp>
         <p:sp>
           <p:nvSpPr>
@@ -8960,13 +10342,18 @@
           <p:spPr>
             <a:xfrm>
               <a:off x="5229000" y="3228480"/>
-              <a:ext cx="130680" cy="64440"/>
+              <a:ext cx="129600" cy="63360"/>
             </a:xfrm>
             <a:custGeom>
               <a:avLst/>
-              <a:gdLst/>
+              <a:gdLst>
+                <a:gd name="textAreaLeft" fmla="*/ 0 w 129600"/>
+                <a:gd name="textAreaRight" fmla="*/ 130680 w 129600"/>
+                <a:gd name="textAreaTop" fmla="*/ 0 h 63360"/>
+                <a:gd name="textAreaBottom" fmla="*/ 64440 h 63360"/>
+              </a:gdLst>
               <a:ahLst/>
-              <a:rect l="l" t="t" r="r" b="b"/>
+              <a:rect l="textAreaLeft" t="textAreaTop" r="textAreaRight" b="textAreaBottom"/>
               <a:pathLst>
                 <a:path w="371" h="187">
                   <a:moveTo>
@@ -8997,6 +10384,25 @@
             <a:effectRef idx="0"/>
             <a:fontRef idx="minor"/>
           </p:style>
+          <p:txBody>
+            <a:bodyPr lIns="90000" rIns="90000" tIns="19440" bIns="19440" anchor="t">
+              <a:noAutofit/>
+            </a:bodyPr>
+            <a:p>
+              <a:pPr>
+                <a:lnSpc>
+                  <a:spcPct val="100000"/>
+                </a:lnSpc>
+              </a:pPr>
+              <a:endParaRPr b="0" lang="pt-BR" sz="1800" spc="-1" strike="noStrike">
+                <a:solidFill>
+                  <a:srgbClr val="000000"/>
+                </a:solidFill>
+                <a:latin typeface="Arial"/>
+                <a:ea typeface="DejaVu Sans"/>
+              </a:endParaRPr>
+            </a:p>
+          </p:txBody>
         </p:sp>
       </p:grpSp>
       <p:sp>
@@ -9008,7 +10414,7 @@
         <p:spPr>
           <a:xfrm>
             <a:off x="2454840" y="1226880"/>
-            <a:ext cx="4233960" cy="1004400"/>
+            <a:ext cx="4232880" cy="1003320"/>
           </a:xfrm>
           <a:prstGeom prst="rect">
             <a:avLst/>
@@ -9025,7 +10431,7 @@
           <a:fontRef idx="minor"/>
         </p:style>
         <p:txBody>
-          <a:bodyPr lIns="90000" rIns="90000" tIns="45000" bIns="45000">
+          <a:bodyPr lIns="90000" rIns="90000" tIns="45000" bIns="45000" anchor="t">
             <a:noAutofit/>
           </a:bodyPr>
           <a:p>
@@ -9042,7 +10448,7 @@
                 <a:latin typeface="Nunito Sans"/>
                 <a:ea typeface="DejaVu Sans"/>
               </a:rPr>
-              <a:t>Em outubro, conseguimos </a:t>
+              <a:t>At October, </a:t>
             </a:r>
             <a:r>
               <a:rPr b="1" lang="pt-BR" sz="1800" spc="-1" strike="noStrike">
@@ -9052,9 +10458,12 @@
                 <a:latin typeface="Nunito Sans"/>
                 <a:ea typeface="DejaVu Sans"/>
               </a:rPr>
-              <a:t>aumentar as nossas vendas em 20%</a:t>
+              <a:t>our sales increased by 20%</a:t>
             </a:r>
             <a:endParaRPr b="0" lang="pt-BR" sz="1800" spc="-1" strike="noStrike">
+              <a:solidFill>
+                <a:srgbClr val="000000"/>
+              </a:solidFill>
               <a:latin typeface="Arial"/>
             </a:endParaRPr>
           </a:p>
@@ -9099,7 +10508,7 @@
         <p:spPr>
           <a:xfrm>
             <a:off x="2107080" y="146520"/>
-            <a:ext cx="4929480" cy="504360"/>
+            <a:ext cx="4928400" cy="503280"/>
           </a:xfrm>
           <a:prstGeom prst="rect">
             <a:avLst/>
@@ -9116,7 +10525,7 @@
           <a:fontRef idx="minor"/>
         </p:style>
         <p:txBody>
-          <a:bodyPr lIns="90000" rIns="90000" tIns="45000" bIns="45000">
+          <a:bodyPr lIns="90000" rIns="90000" tIns="45000" bIns="45000" anchor="t">
             <a:noAutofit/>
           </a:bodyPr>
           <a:p>
@@ -9133,9 +10542,12 @@
                 <a:latin typeface="Nunito Sans Black"/>
                 <a:ea typeface="DejaVu Sans"/>
               </a:rPr>
-              <a:t>ONDE VENDEMOS MAIS ?</a:t>
+              <a:t>WHERE DID WE SELL MORE ?</a:t>
             </a:r>
             <a:endParaRPr b="0" lang="pt-BR" sz="2400" spc="-1" strike="noStrike">
+              <a:solidFill>
+                <a:srgbClr val="000000"/>
+              </a:solidFill>
               <a:latin typeface="Arial"/>
             </a:endParaRPr>
           </a:p>
@@ -9150,7 +10562,7 @@
         <p:spPr>
           <a:xfrm>
             <a:off x="1841040" y="1248120"/>
-            <a:ext cx="5640840" cy="1185840"/>
+            <a:ext cx="5639760" cy="1184760"/>
           </a:xfrm>
           <a:prstGeom prst="rect">
             <a:avLst/>
@@ -9167,7 +10579,7 @@
           <a:fontRef idx="minor"/>
         </p:style>
         <p:txBody>
-          <a:bodyPr lIns="90000" rIns="90000" tIns="45000" bIns="45000">
+          <a:bodyPr lIns="90000" rIns="90000" tIns="45000" bIns="45000" anchor="t">
             <a:noAutofit/>
           </a:bodyPr>
           <a:p>
@@ -9184,7 +10596,7 @@
                 <a:latin typeface="Nunito Sans"/>
                 <a:ea typeface="DejaVu Sans"/>
               </a:rPr>
-              <a:t>Logo no primeiro mês do novo produto, conseguimos gerar </a:t>
+              <a:t>In the first month of the new product, we managed to generate </a:t>
             </a:r>
             <a:r>
               <a:rPr b="1" lang="pt-BR" sz="1800" spc="-1" strike="noStrike">
@@ -9194,19 +10606,12 @@
                 <a:latin typeface="Nunito Sans"/>
                 <a:ea typeface="DejaVu Sans"/>
               </a:rPr>
-              <a:t>R$12 Mil em vendas!</a:t>
-            </a:r>
-            <a:r>
-              <a:rPr b="0" lang="pt-BR" sz="1800" spc="-1" strike="noStrike">
-                <a:solidFill>
-                  <a:srgbClr val="222222"/>
-                </a:solidFill>
-                <a:latin typeface="Nunito Sans"/>
-                <a:ea typeface="DejaVu Sans"/>
-              </a:rPr>
-              <a:t> </a:t>
+              <a:t>$12 K in sales!</a:t>
             </a:r>
             <a:endParaRPr b="0" lang="pt-BR" sz="1800" spc="-1" strike="noStrike">
+              <a:solidFill>
+                <a:srgbClr val="000000"/>
+              </a:solidFill>
               <a:latin typeface="Arial"/>
             </a:endParaRPr>
           </a:p>
@@ -9221,7 +10626,7 @@
         <p:spPr>
           <a:xfrm>
             <a:off x="2556360" y="2883240"/>
-            <a:ext cx="1617840" cy="441360"/>
+            <a:ext cx="1616760" cy="440280"/>
           </a:xfrm>
           <a:prstGeom prst="rect">
             <a:avLst/>
@@ -9238,7 +10643,7 @@
           <a:fontRef idx="minor"/>
         </p:style>
         <p:txBody>
-          <a:bodyPr lIns="90000" rIns="90000" tIns="45000" bIns="45000">
+          <a:bodyPr lIns="90000" rIns="90000" tIns="45000" bIns="45000" anchor="ctr">
             <a:noAutofit/>
           </a:bodyPr>
           <a:p>
@@ -9255,9 +10660,12 @@
                 <a:latin typeface="Nunito Sans"/>
                 <a:ea typeface="DejaVu Sans"/>
               </a:rPr>
-              <a:t>Empréstimo Consignado</a:t>
+              <a:t>Payroll loan</a:t>
             </a:r>
             <a:endParaRPr b="0" lang="pt-BR" sz="1200" spc="-1" strike="noStrike">
+              <a:solidFill>
+                <a:srgbClr val="000000"/>
+              </a:solidFill>
               <a:latin typeface="Arial"/>
             </a:endParaRPr>
           </a:p>
@@ -9272,7 +10680,7 @@
         <p:spPr>
           <a:xfrm>
             <a:off x="2412360" y="3316320"/>
-            <a:ext cx="1797840" cy="469080"/>
+            <a:ext cx="1796760" cy="468000"/>
           </a:xfrm>
           <a:prstGeom prst="rect">
             <a:avLst/>
@@ -9289,7 +10697,7 @@
           <a:fontRef idx="minor"/>
         </p:style>
         <p:txBody>
-          <a:bodyPr lIns="90000" rIns="90000" tIns="45000" bIns="45000">
+          <a:bodyPr lIns="90000" rIns="90000" tIns="45000" bIns="45000" anchor="t">
             <a:noAutofit/>
           </a:bodyPr>
           <a:p>
@@ -9306,9 +10714,12 @@
                 <a:latin typeface="Nunito Sans Black"/>
                 <a:ea typeface="DejaVu Sans"/>
               </a:rPr>
-              <a:t>R$ 8 Mil</a:t>
+              <a:t>$ 8 K</a:t>
             </a:r>
             <a:endParaRPr b="0" lang="pt-BR" sz="2200" spc="-1" strike="noStrike">
+              <a:solidFill>
+                <a:srgbClr val="000000"/>
+              </a:solidFill>
               <a:latin typeface="Arial"/>
             </a:endParaRPr>
           </a:p>
@@ -9323,7 +10734,7 @@
         <p:spPr>
           <a:xfrm>
             <a:off x="2556360" y="3773520"/>
-            <a:ext cx="1617840" cy="295560"/>
+            <a:ext cx="1616760" cy="294480"/>
           </a:xfrm>
           <a:prstGeom prst="rect">
             <a:avLst/>
@@ -9340,7 +10751,7 @@
           <a:fontRef idx="minor"/>
         </p:style>
         <p:txBody>
-          <a:bodyPr lIns="90000" rIns="90000" tIns="45000" bIns="45000">
+          <a:bodyPr lIns="90000" rIns="90000" tIns="45000" bIns="45000" anchor="t">
             <a:noAutofit/>
           </a:bodyPr>
           <a:p>
@@ -9360,6 +10771,9 @@
               <a:t>5%</a:t>
             </a:r>
             <a:endParaRPr b="0" lang="pt-BR" sz="1200" spc="-1" strike="noStrike">
+              <a:solidFill>
+                <a:srgbClr val="000000"/>
+              </a:solidFill>
               <a:latin typeface="Arial"/>
             </a:endParaRPr>
           </a:p>
@@ -9373,10 +10787,10 @@
         </p:nvGrpSpPr>
         <p:grpSpPr>
           <a:xfrm>
-            <a:off x="3026160" y="3814560"/>
-            <a:ext cx="130680" cy="178920"/>
-            <a:chOff x="3026160" y="3814560"/>
-            <a:chExt cx="130680" cy="178920"/>
+            <a:off x="3026160" y="3813480"/>
+            <a:ext cx="129600" cy="178920"/>
+            <a:chOff x="3026160" y="3813480"/>
+            <a:chExt cx="129600" cy="178920"/>
           </a:xfrm>
         </p:grpSpPr>
         <p:sp>
@@ -9387,8 +10801,8 @@
           </p:nvSpPr>
           <p:spPr>
             <a:xfrm flipV="1">
-              <a:off x="3059640" y="3814200"/>
-              <a:ext cx="64440" cy="130680"/>
+              <a:off x="3059640" y="3813480"/>
+              <a:ext cx="63360" cy="129600"/>
             </a:xfrm>
             <a:prstGeom prst="rect">
               <a:avLst/>
@@ -9408,6 +10822,25 @@
             <a:effectRef idx="0"/>
             <a:fontRef idx="minor"/>
           </p:style>
+          <p:txBody>
+            <a:bodyPr lIns="90000" rIns="90000" tIns="45000" bIns="45000" anchor="t">
+              <a:noAutofit/>
+            </a:bodyPr>
+            <a:p>
+              <a:pPr>
+                <a:lnSpc>
+                  <a:spcPct val="100000"/>
+                </a:lnSpc>
+              </a:pPr>
+              <a:endParaRPr b="0" lang="pt-BR" sz="1800" spc="-1" strike="noStrike">
+                <a:solidFill>
+                  <a:srgbClr val="000000"/>
+                </a:solidFill>
+                <a:latin typeface="Arial"/>
+                <a:ea typeface="DejaVu Sans"/>
+              </a:endParaRPr>
+            </a:p>
+          </p:txBody>
         </p:sp>
         <p:sp>
           <p:nvSpPr>
@@ -9418,13 +10851,18 @@
           <p:spPr>
             <a:xfrm>
               <a:off x="3026160" y="3929040"/>
-              <a:ext cx="130680" cy="64440"/>
+              <a:ext cx="129600" cy="63360"/>
             </a:xfrm>
             <a:custGeom>
               <a:avLst/>
-              <a:gdLst/>
+              <a:gdLst>
+                <a:gd name="textAreaLeft" fmla="*/ 0 w 129600"/>
+                <a:gd name="textAreaRight" fmla="*/ 130680 w 129600"/>
+                <a:gd name="textAreaTop" fmla="*/ 0 h 63360"/>
+                <a:gd name="textAreaBottom" fmla="*/ 64440 h 63360"/>
+              </a:gdLst>
               <a:ahLst/>
-              <a:rect l="l" t="t" r="r" b="b"/>
+              <a:rect l="textAreaLeft" t="textAreaTop" r="textAreaRight" b="textAreaBottom"/>
               <a:pathLst>
                 <a:path w="371" h="187">
                   <a:moveTo>
@@ -9455,6 +10893,25 @@
             <a:effectRef idx="0"/>
             <a:fontRef idx="minor"/>
           </p:style>
+          <p:txBody>
+            <a:bodyPr lIns="90000" rIns="90000" tIns="19440" bIns="19440" anchor="t">
+              <a:noAutofit/>
+            </a:bodyPr>
+            <a:p>
+              <a:pPr>
+                <a:lnSpc>
+                  <a:spcPct val="100000"/>
+                </a:lnSpc>
+              </a:pPr>
+              <a:endParaRPr b="0" lang="pt-BR" sz="1800" spc="-1" strike="noStrike">
+                <a:solidFill>
+                  <a:srgbClr val="000000"/>
+                </a:solidFill>
+                <a:latin typeface="Arial"/>
+                <a:ea typeface="DejaVu Sans"/>
+              </a:endParaRPr>
+            </a:p>
+          </p:txBody>
         </p:sp>
       </p:grpSp>
       <p:sp>
@@ -9466,7 +10923,7 @@
         <p:spPr>
           <a:xfrm>
             <a:off x="4572000" y="2882880"/>
-            <a:ext cx="2014560" cy="502920"/>
+            <a:ext cx="2013480" cy="501840"/>
           </a:xfrm>
           <a:prstGeom prst="rect">
             <a:avLst/>
@@ -9483,7 +10940,7 @@
           <a:fontRef idx="minor"/>
         </p:style>
         <p:txBody>
-          <a:bodyPr lIns="90000" rIns="90000" tIns="45000" bIns="45000">
+          <a:bodyPr lIns="90000" rIns="90000" tIns="45000" bIns="45000" anchor="t">
             <a:noAutofit/>
           </a:bodyPr>
           <a:p>
@@ -9500,9 +10957,12 @@
                 <a:latin typeface="Nunito Sans"/>
                 <a:ea typeface="DejaVu Sans"/>
               </a:rPr>
-              <a:t>Empréstimo com garantia</a:t>
+              <a:t>Secured loan</a:t>
             </a:r>
             <a:endParaRPr b="0" lang="pt-BR" sz="1200" spc="-1" strike="noStrike">
+              <a:solidFill>
+                <a:srgbClr val="000000"/>
+              </a:solidFill>
               <a:latin typeface="Arial"/>
             </a:endParaRPr>
           </a:p>
@@ -9520,9 +10980,12 @@
                 <a:latin typeface="Nunito Sans"/>
                 <a:ea typeface="DejaVu Sans"/>
               </a:rPr>
-              <a:t>sobre veículos</a:t>
+              <a:t>over vehicles</a:t>
             </a:r>
             <a:endParaRPr b="0" lang="pt-BR" sz="1200" spc="-1" strike="noStrike">
+              <a:solidFill>
+                <a:srgbClr val="000000"/>
+              </a:solidFill>
               <a:latin typeface="Arial"/>
             </a:endParaRPr>
           </a:p>
@@ -9537,7 +11000,7 @@
         <p:spPr>
           <a:xfrm>
             <a:off x="4752360" y="3316320"/>
-            <a:ext cx="1797840" cy="469080"/>
+            <a:ext cx="1796760" cy="468000"/>
           </a:xfrm>
           <a:prstGeom prst="rect">
             <a:avLst/>
@@ -9554,7 +11017,7 @@
           <a:fontRef idx="minor"/>
         </p:style>
         <p:txBody>
-          <a:bodyPr lIns="90000" rIns="90000" tIns="45000" bIns="45000">
+          <a:bodyPr lIns="90000" rIns="90000" tIns="45000" bIns="45000" anchor="t">
             <a:noAutofit/>
           </a:bodyPr>
           <a:p>
@@ -9571,9 +11034,12 @@
                 <a:latin typeface="Nunito Sans Black"/>
                 <a:ea typeface="DejaVu Sans"/>
               </a:rPr>
-              <a:t>R$ 12 Mil</a:t>
+              <a:t>$ 12 K</a:t>
             </a:r>
             <a:endParaRPr b="0" lang="pt-BR" sz="2200" spc="-1" strike="noStrike">
+              <a:solidFill>
+                <a:srgbClr val="000000"/>
+              </a:solidFill>
               <a:latin typeface="Arial"/>
             </a:endParaRPr>
           </a:p>
@@ -9588,7 +11054,7 @@
         <p:spPr>
           <a:xfrm>
             <a:off x="4896360" y="3773520"/>
-            <a:ext cx="1617840" cy="295560"/>
+            <a:ext cx="1616760" cy="294480"/>
           </a:xfrm>
           <a:prstGeom prst="rect">
             <a:avLst/>
@@ -9605,7 +11071,7 @@
           <a:fontRef idx="minor"/>
         </p:style>
         <p:txBody>
-          <a:bodyPr lIns="90000" rIns="90000" tIns="45000" bIns="45000">
+          <a:bodyPr lIns="90000" rIns="90000" tIns="45000" bIns="45000" anchor="t">
             <a:noAutofit/>
           </a:bodyPr>
           <a:p>
@@ -9625,6 +11091,9 @@
               <a:t>100%</a:t>
             </a:r>
             <a:endParaRPr b="0" lang="pt-BR" sz="1200" spc="-1" strike="noStrike">
+              <a:solidFill>
+                <a:srgbClr val="000000"/>
+              </a:solidFill>
               <a:latin typeface="Arial"/>
             </a:endParaRPr>
           </a:p>
@@ -9639,9 +11108,9 @@
         <p:grpSpPr>
           <a:xfrm>
             <a:off x="5294160" y="3816720"/>
-            <a:ext cx="130680" cy="177120"/>
+            <a:ext cx="129600" cy="176040"/>
             <a:chOff x="5294160" y="3816720"/>
-            <a:chExt cx="130680" cy="177120"/>
+            <a:chExt cx="129600" cy="176040"/>
           </a:xfrm>
         </p:grpSpPr>
         <p:sp>
@@ -9653,7 +11122,7 @@
           <p:spPr>
             <a:xfrm>
               <a:off x="5327640" y="3863160"/>
-              <a:ext cx="64440" cy="130680"/>
+              <a:ext cx="63360" cy="129600"/>
             </a:xfrm>
             <a:prstGeom prst="rect">
               <a:avLst/>
@@ -9673,6 +11142,25 @@
             <a:effectRef idx="0"/>
             <a:fontRef idx="minor"/>
           </p:style>
+          <p:txBody>
+            <a:bodyPr lIns="90000" rIns="90000" tIns="45000" bIns="45000" anchor="t">
+              <a:noAutofit/>
+            </a:bodyPr>
+            <a:p>
+              <a:pPr>
+                <a:lnSpc>
+                  <a:spcPct val="100000"/>
+                </a:lnSpc>
+              </a:pPr>
+              <a:endParaRPr b="0" lang="pt-BR" sz="1800" spc="-1" strike="noStrike">
+                <a:solidFill>
+                  <a:srgbClr val="000000"/>
+                </a:solidFill>
+                <a:latin typeface="Arial"/>
+                <a:ea typeface="DejaVu Sans"/>
+              </a:endParaRPr>
+            </a:p>
+          </p:txBody>
         </p:sp>
         <p:sp>
           <p:nvSpPr>
@@ -9683,13 +11171,18 @@
           <p:spPr>
             <a:xfrm>
               <a:off x="5294160" y="3816720"/>
-              <a:ext cx="130680" cy="64440"/>
+              <a:ext cx="129600" cy="63360"/>
             </a:xfrm>
             <a:custGeom>
               <a:avLst/>
-              <a:gdLst/>
+              <a:gdLst>
+                <a:gd name="textAreaLeft" fmla="*/ 0 w 129600"/>
+                <a:gd name="textAreaRight" fmla="*/ 130680 w 129600"/>
+                <a:gd name="textAreaTop" fmla="*/ 0 h 63360"/>
+                <a:gd name="textAreaBottom" fmla="*/ 64440 h 63360"/>
+              </a:gdLst>
               <a:ahLst/>
-              <a:rect l="l" t="t" r="r" b="b"/>
+              <a:rect l="textAreaLeft" t="textAreaTop" r="textAreaRight" b="textAreaBottom"/>
               <a:pathLst>
                 <a:path w="371" h="187">
                   <a:moveTo>
@@ -9720,6 +11213,25 @@
             <a:effectRef idx="0"/>
             <a:fontRef idx="minor"/>
           </p:style>
+          <p:txBody>
+            <a:bodyPr lIns="90000" rIns="90000" tIns="19440" bIns="19440" anchor="t">
+              <a:noAutofit/>
+            </a:bodyPr>
+            <a:p>
+              <a:pPr>
+                <a:lnSpc>
+                  <a:spcPct val="100000"/>
+                </a:lnSpc>
+              </a:pPr>
+              <a:endParaRPr b="0" lang="pt-BR" sz="1800" spc="-1" strike="noStrike">
+                <a:solidFill>
+                  <a:srgbClr val="000000"/>
+                </a:solidFill>
+                <a:latin typeface="Arial"/>
+                <a:ea typeface="DejaVu Sans"/>
+              </a:endParaRPr>
+            </a:p>
+          </p:txBody>
         </p:sp>
       </p:grpSp>
     </p:spTree>
@@ -9761,7 +11273,7 @@
         <p:spPr>
           <a:xfrm>
             <a:off x="2147040" y="166680"/>
-            <a:ext cx="4849200" cy="504360"/>
+            <a:ext cx="4848120" cy="503280"/>
           </a:xfrm>
           <a:prstGeom prst="rect">
             <a:avLst/>
@@ -9778,7 +11290,7 @@
           <a:fontRef idx="minor"/>
         </p:style>
         <p:txBody>
-          <a:bodyPr lIns="90000" rIns="90000" tIns="45000" bIns="45000">
+          <a:bodyPr lIns="90000" rIns="90000" tIns="45000" bIns="45000" anchor="t">
             <a:noAutofit/>
           </a:bodyPr>
           <a:p>
@@ -9795,9 +11307,12 @@
                 <a:latin typeface="Nunito Sans Black"/>
                 <a:ea typeface="DejaVu Sans"/>
               </a:rPr>
-              <a:t>POR QUE VENDEMOS MAIS ?</a:t>
+              <a:t>WHY DID WE SELL MORE ?</a:t>
             </a:r>
             <a:endParaRPr b="0" lang="pt-BR" sz="2400" spc="-1" strike="noStrike">
+              <a:solidFill>
+                <a:srgbClr val="000000"/>
+              </a:solidFill>
               <a:latin typeface="Arial"/>
             </a:endParaRPr>
           </a:p>
@@ -9812,7 +11327,7 @@
         <p:spPr>
           <a:xfrm>
             <a:off x="3403440" y="1329480"/>
-            <a:ext cx="4233960" cy="658800"/>
+            <a:ext cx="4232880" cy="657720"/>
           </a:xfrm>
           <a:prstGeom prst="rect">
             <a:avLst/>
@@ -9829,7 +11344,7 @@
           <a:fontRef idx="minor"/>
         </p:style>
         <p:txBody>
-          <a:bodyPr lIns="90000" rIns="90000" tIns="45000" bIns="45000">
+          <a:bodyPr lIns="90000" rIns="90000" tIns="45000" bIns="45000" anchor="t">
             <a:noAutofit/>
           </a:bodyPr>
           <a:p>
@@ -9839,26 +11354,19 @@
               </a:lnSpc>
             </a:pPr>
             <a:r>
-              <a:rPr b="0" lang="en-US" sz="1600" spc="-1" strike="noStrike">
+              <a:rPr b="0" lang="pt-BR" sz="1600" spc="-1" strike="noStrike">
                 <a:solidFill>
                   <a:srgbClr val="222222"/>
                 </a:solidFill>
                 <a:latin typeface="Nunito Sans"/>
                 <a:ea typeface="DejaVu Sans"/>
               </a:rPr>
-              <a:t>Melhoria importante na API </a:t>
-            </a:r>
-            <a:r>
-              <a:rPr b="0" lang="pt-BR" sz="1600" spc="-1" strike="noStrike">
-                <a:solidFill>
-                  <a:srgbClr val="222222"/>
-                </a:solidFill>
-                <a:latin typeface="Nunito Sans"/>
-                <a:ea typeface="DejaVu Sans"/>
-              </a:rPr>
-              <a:t>utilizada no fluxo de vendas;</a:t>
+              <a:t>Important improvement in the API used at the sales process;</a:t>
             </a:r>
             <a:endParaRPr b="0" lang="pt-BR" sz="1600" spc="-1" strike="noStrike">
+              <a:solidFill>
+                <a:srgbClr val="000000"/>
+              </a:solidFill>
               <a:latin typeface="Arial"/>
             </a:endParaRPr>
           </a:p>
@@ -9873,7 +11381,7 @@
         <p:spPr>
           <a:xfrm>
             <a:off x="1609560" y="3220560"/>
-            <a:ext cx="1617840" cy="502920"/>
+            <a:ext cx="1616760" cy="501840"/>
           </a:xfrm>
           <a:prstGeom prst="rect">
             <a:avLst/>
@@ -9890,7 +11398,7 @@
           <a:fontRef idx="minor"/>
         </p:style>
         <p:txBody>
-          <a:bodyPr lIns="90000" rIns="90000" tIns="45000" bIns="45000">
+          <a:bodyPr lIns="90000" rIns="90000" tIns="45000" bIns="45000" anchor="t">
             <a:noAutofit/>
           </a:bodyPr>
           <a:p>
@@ -9907,9 +11415,12 @@
                 <a:latin typeface="Nunito Sans"/>
                 <a:ea typeface="DejaVu Sans"/>
               </a:rPr>
-              <a:t>Taxa de conversão geral</a:t>
+              <a:t>Conversion rate</a:t>
             </a:r>
             <a:endParaRPr b="0" lang="pt-BR" sz="1200" spc="-1" strike="noStrike">
+              <a:solidFill>
+                <a:srgbClr val="000000"/>
+              </a:solidFill>
               <a:latin typeface="Arial"/>
             </a:endParaRPr>
           </a:p>
@@ -9924,7 +11435,7 @@
         <p:spPr>
           <a:xfrm>
             <a:off x="1609560" y="3725640"/>
-            <a:ext cx="1617840" cy="469080"/>
+            <a:ext cx="1616760" cy="468000"/>
           </a:xfrm>
           <a:prstGeom prst="rect">
             <a:avLst/>
@@ -9941,7 +11452,7 @@
           <a:fontRef idx="minor"/>
         </p:style>
         <p:txBody>
-          <a:bodyPr lIns="90000" rIns="90000" tIns="45000" bIns="45000">
+          <a:bodyPr lIns="90000" rIns="90000" tIns="45000" bIns="45000" anchor="t">
             <a:noAutofit/>
           </a:bodyPr>
           <a:p>
@@ -9961,6 +11472,9 @@
               <a:t>60%</a:t>
             </a:r>
             <a:endParaRPr b="0" lang="pt-BR" sz="2200" spc="-1" strike="noStrike">
+              <a:solidFill>
+                <a:srgbClr val="000000"/>
+              </a:solidFill>
               <a:latin typeface="Arial"/>
             </a:endParaRPr>
           </a:p>
@@ -9975,7 +11489,7 @@
         <p:spPr>
           <a:xfrm>
             <a:off x="1609560" y="4182840"/>
-            <a:ext cx="1617840" cy="295560"/>
+            <a:ext cx="1616760" cy="294480"/>
           </a:xfrm>
           <a:prstGeom prst="rect">
             <a:avLst/>
@@ -9992,7 +11506,7 @@
           <a:fontRef idx="minor"/>
         </p:style>
         <p:txBody>
-          <a:bodyPr lIns="90000" rIns="90000" tIns="45000" bIns="45000">
+          <a:bodyPr lIns="90000" rIns="90000" tIns="45000" bIns="45000" anchor="t">
             <a:noAutofit/>
           </a:bodyPr>
           <a:p>
@@ -10009,9 +11523,12 @@
                 <a:latin typeface="Nunito Sans"/>
                 <a:ea typeface="DejaVu Sans"/>
               </a:rPr>
-              <a:t>15 p.p.</a:t>
+              <a:t>15 pp.</a:t>
             </a:r>
             <a:endParaRPr b="0" lang="pt-BR" sz="1200" spc="-1" strike="noStrike">
+              <a:solidFill>
+                <a:srgbClr val="000000"/>
+              </a:solidFill>
               <a:latin typeface="Arial"/>
             </a:endParaRPr>
           </a:p>
@@ -10026,9 +11543,9 @@
         <p:grpSpPr>
           <a:xfrm>
             <a:off x="2007360" y="4226040"/>
-            <a:ext cx="130680" cy="177120"/>
+            <a:ext cx="129600" cy="176040"/>
             <a:chOff x="2007360" y="4226040"/>
-            <a:chExt cx="130680" cy="177120"/>
+            <a:chExt cx="129600" cy="176040"/>
           </a:xfrm>
         </p:grpSpPr>
         <p:sp>
@@ -10040,7 +11557,7 @@
           <p:spPr>
             <a:xfrm>
               <a:off x="2040840" y="4272480"/>
-              <a:ext cx="64440" cy="130680"/>
+              <a:ext cx="63360" cy="129600"/>
             </a:xfrm>
             <a:prstGeom prst="rect">
               <a:avLst/>
@@ -10060,6 +11577,25 @@
             <a:effectRef idx="0"/>
             <a:fontRef idx="minor"/>
           </p:style>
+          <p:txBody>
+            <a:bodyPr lIns="90000" rIns="90000" tIns="45000" bIns="45000" anchor="t">
+              <a:noAutofit/>
+            </a:bodyPr>
+            <a:p>
+              <a:pPr>
+                <a:lnSpc>
+                  <a:spcPct val="100000"/>
+                </a:lnSpc>
+              </a:pPr>
+              <a:endParaRPr b="0" lang="pt-BR" sz="1800" spc="-1" strike="noStrike">
+                <a:solidFill>
+                  <a:srgbClr val="000000"/>
+                </a:solidFill>
+                <a:latin typeface="Arial"/>
+                <a:ea typeface="DejaVu Sans"/>
+              </a:endParaRPr>
+            </a:p>
+          </p:txBody>
         </p:sp>
         <p:sp>
           <p:nvSpPr>
@@ -10070,13 +11606,18 @@
           <p:spPr>
             <a:xfrm>
               <a:off x="2007360" y="4226040"/>
-              <a:ext cx="130680" cy="64440"/>
+              <a:ext cx="129600" cy="63360"/>
             </a:xfrm>
             <a:custGeom>
               <a:avLst/>
-              <a:gdLst/>
+              <a:gdLst>
+                <a:gd name="textAreaLeft" fmla="*/ 0 w 129600"/>
+                <a:gd name="textAreaRight" fmla="*/ 130680 w 129600"/>
+                <a:gd name="textAreaTop" fmla="*/ 0 h 63360"/>
+                <a:gd name="textAreaBottom" fmla="*/ 64440 h 63360"/>
+              </a:gdLst>
               <a:ahLst/>
-              <a:rect l="l" t="t" r="r" b="b"/>
+              <a:rect l="textAreaLeft" t="textAreaTop" r="textAreaRight" b="textAreaBottom"/>
               <a:pathLst>
                 <a:path w="371" h="187">
                   <a:moveTo>
@@ -10107,6 +11648,25 @@
             <a:effectRef idx="0"/>
             <a:fontRef idx="minor"/>
           </p:style>
+          <p:txBody>
+            <a:bodyPr lIns="90000" rIns="90000" tIns="19440" bIns="19440" anchor="t">
+              <a:noAutofit/>
+            </a:bodyPr>
+            <a:p>
+              <a:pPr>
+                <a:lnSpc>
+                  <a:spcPct val="100000"/>
+                </a:lnSpc>
+              </a:pPr>
+              <a:endParaRPr b="0" lang="pt-BR" sz="1800" spc="-1" strike="noStrike">
+                <a:solidFill>
+                  <a:srgbClr val="000000"/>
+                </a:solidFill>
+                <a:latin typeface="Arial"/>
+                <a:ea typeface="DejaVu Sans"/>
+              </a:endParaRPr>
+            </a:p>
+          </p:txBody>
         </p:sp>
       </p:grpSp>
       <p:sp>
@@ -10118,7 +11678,7 @@
         <p:spPr>
           <a:xfrm>
             <a:off x="1609560" y="1329480"/>
-            <a:ext cx="1617840" cy="502920"/>
+            <a:ext cx="1616760" cy="501840"/>
           </a:xfrm>
           <a:prstGeom prst="rect">
             <a:avLst/>
@@ -10135,7 +11695,7 @@
           <a:fontRef idx="minor"/>
         </p:style>
         <p:txBody>
-          <a:bodyPr lIns="90000" rIns="90000" tIns="45000" bIns="45000">
+          <a:bodyPr lIns="90000" rIns="90000" tIns="45000" bIns="45000" anchor="t">
             <a:noAutofit/>
           </a:bodyPr>
           <a:p>
@@ -10152,9 +11712,12 @@
                 <a:latin typeface="Nunito Sans"/>
                 <a:ea typeface="DejaVu Sans"/>
               </a:rPr>
-              <a:t>Taxa de sucesso nas chamadas de API</a:t>
+              <a:t>API calls success rate</a:t>
             </a:r>
             <a:endParaRPr b="0" lang="pt-BR" sz="1200" spc="-1" strike="noStrike">
+              <a:solidFill>
+                <a:srgbClr val="000000"/>
+              </a:solidFill>
               <a:latin typeface="Arial"/>
             </a:endParaRPr>
           </a:p>
@@ -10169,7 +11732,7 @@
         <p:spPr>
           <a:xfrm>
             <a:off x="1465560" y="1834560"/>
-            <a:ext cx="1797840" cy="469080"/>
+            <a:ext cx="1796760" cy="468000"/>
           </a:xfrm>
           <a:prstGeom prst="rect">
             <a:avLst/>
@@ -10186,7 +11749,7 @@
           <a:fontRef idx="minor"/>
         </p:style>
         <p:txBody>
-          <a:bodyPr lIns="90000" rIns="90000" tIns="45000" bIns="45000">
+          <a:bodyPr lIns="90000" rIns="90000" tIns="45000" bIns="45000" anchor="t">
             <a:noAutofit/>
           </a:bodyPr>
           <a:p>
@@ -10206,6 +11769,9 @@
               <a:t>90%</a:t>
             </a:r>
             <a:endParaRPr b="0" lang="pt-BR" sz="2200" spc="-1" strike="noStrike">
+              <a:solidFill>
+                <a:srgbClr val="000000"/>
+              </a:solidFill>
               <a:latin typeface="Arial"/>
             </a:endParaRPr>
           </a:p>
@@ -10220,7 +11786,7 @@
         <p:spPr>
           <a:xfrm>
             <a:off x="1609560" y="2291760"/>
-            <a:ext cx="1617840" cy="295560"/>
+            <a:ext cx="1616760" cy="294480"/>
           </a:xfrm>
           <a:prstGeom prst="rect">
             <a:avLst/>
@@ -10237,7 +11803,7 @@
           <a:fontRef idx="minor"/>
         </p:style>
         <p:txBody>
-          <a:bodyPr lIns="90000" rIns="90000" tIns="45000" bIns="45000">
+          <a:bodyPr lIns="90000" rIns="90000" tIns="45000" bIns="45000" anchor="t">
             <a:noAutofit/>
           </a:bodyPr>
           <a:p>
@@ -10254,9 +11820,12 @@
                 <a:latin typeface="Nunito Sans"/>
                 <a:ea typeface="DejaVu Sans"/>
               </a:rPr>
-              <a:t>40 p.p.</a:t>
+              <a:t>40 pp.</a:t>
             </a:r>
             <a:endParaRPr b="0" lang="pt-BR" sz="1200" spc="-1" strike="noStrike">
+              <a:solidFill>
+                <a:srgbClr val="000000"/>
+              </a:solidFill>
               <a:latin typeface="Arial"/>
             </a:endParaRPr>
           </a:p>
@@ -10271,9 +11840,9 @@
         <p:grpSpPr>
           <a:xfrm>
             <a:off x="2007360" y="2334960"/>
-            <a:ext cx="130680" cy="177120"/>
+            <a:ext cx="129600" cy="176040"/>
             <a:chOff x="2007360" y="2334960"/>
-            <a:chExt cx="130680" cy="177120"/>
+            <a:chExt cx="129600" cy="176040"/>
           </a:xfrm>
         </p:grpSpPr>
         <p:sp>
@@ -10285,7 +11854,7 @@
           <p:spPr>
             <a:xfrm>
               <a:off x="2040840" y="2381400"/>
-              <a:ext cx="64440" cy="130680"/>
+              <a:ext cx="63360" cy="129600"/>
             </a:xfrm>
             <a:prstGeom prst="rect">
               <a:avLst/>
@@ -10305,6 +11874,25 @@
             <a:effectRef idx="0"/>
             <a:fontRef idx="minor"/>
           </p:style>
+          <p:txBody>
+            <a:bodyPr lIns="90000" rIns="90000" tIns="45000" bIns="45000" anchor="t">
+              <a:noAutofit/>
+            </a:bodyPr>
+            <a:p>
+              <a:pPr>
+                <a:lnSpc>
+                  <a:spcPct val="100000"/>
+                </a:lnSpc>
+              </a:pPr>
+              <a:endParaRPr b="0" lang="pt-BR" sz="1800" spc="-1" strike="noStrike">
+                <a:solidFill>
+                  <a:srgbClr val="000000"/>
+                </a:solidFill>
+                <a:latin typeface="Arial"/>
+                <a:ea typeface="DejaVu Sans"/>
+              </a:endParaRPr>
+            </a:p>
+          </p:txBody>
         </p:sp>
         <p:sp>
           <p:nvSpPr>
@@ -10315,13 +11903,18 @@
           <p:spPr>
             <a:xfrm>
               <a:off x="2007360" y="2334960"/>
-              <a:ext cx="130680" cy="64440"/>
+              <a:ext cx="129600" cy="63360"/>
             </a:xfrm>
             <a:custGeom>
               <a:avLst/>
-              <a:gdLst/>
+              <a:gdLst>
+                <a:gd name="textAreaLeft" fmla="*/ 0 w 129600"/>
+                <a:gd name="textAreaRight" fmla="*/ 130680 w 129600"/>
+                <a:gd name="textAreaTop" fmla="*/ 0 h 63360"/>
+                <a:gd name="textAreaBottom" fmla="*/ 64440 h 63360"/>
+              </a:gdLst>
               <a:ahLst/>
-              <a:rect l="l" t="t" r="r" b="b"/>
+              <a:rect l="textAreaLeft" t="textAreaTop" r="textAreaRight" b="textAreaBottom"/>
               <a:pathLst>
                 <a:path w="371" h="187">
                   <a:moveTo>
@@ -10352,6 +11945,25 @@
             <a:effectRef idx="0"/>
             <a:fontRef idx="minor"/>
           </p:style>
+          <p:txBody>
+            <a:bodyPr lIns="90000" rIns="90000" tIns="19440" bIns="19440" anchor="t">
+              <a:noAutofit/>
+            </a:bodyPr>
+            <a:p>
+              <a:pPr>
+                <a:lnSpc>
+                  <a:spcPct val="100000"/>
+                </a:lnSpc>
+              </a:pPr>
+              <a:endParaRPr b="0" lang="pt-BR" sz="1800" spc="-1" strike="noStrike">
+                <a:solidFill>
+                  <a:srgbClr val="000000"/>
+                </a:solidFill>
+                <a:latin typeface="Arial"/>
+                <a:ea typeface="DejaVu Sans"/>
+              </a:endParaRPr>
+            </a:p>
+          </p:txBody>
         </p:sp>
       </p:grpSp>
       <p:sp>
@@ -10363,7 +11975,7 @@
         <p:spPr>
           <a:xfrm>
             <a:off x="3403440" y="3220560"/>
-            <a:ext cx="4571640" cy="639000"/>
+            <a:ext cx="4570560" cy="363960"/>
           </a:xfrm>
           <a:prstGeom prst="rect">
             <a:avLst/>
@@ -10380,7 +11992,7 @@
           <a:fontRef idx="minor"/>
         </p:style>
         <p:txBody>
-          <a:bodyPr lIns="90000" rIns="90000" tIns="45000" bIns="45000">
+          <a:bodyPr lIns="90000" rIns="90000" tIns="45000" bIns="45000" anchor="t">
             <a:spAutoFit/>
           </a:bodyPr>
           <a:p>
@@ -10397,9 +12009,12 @@
                 <a:latin typeface="Nunito Sans"/>
                 <a:ea typeface="DejaVu Sans"/>
               </a:rPr>
-              <a:t>Aumento significativo da taxa de conversão;</a:t>
+              <a:t>Significant increase in the conversion rate;</a:t>
             </a:r>
             <a:endParaRPr b="0" lang="pt-BR" sz="1800" spc="-1" strike="noStrike">
+              <a:solidFill>
+                <a:srgbClr val="000000"/>
+              </a:solidFill>
               <a:latin typeface="Arial"/>
             </a:endParaRPr>
           </a:p>
@@ -10423,10 +12038,10 @@
   <a:themeElements>
     <a:clrScheme name="Office">
       <a:dk1>
-        <a:sysClr val="windowText" lastClr="000000"/>
+        <a:srgbClr val="000000"/>
       </a:dk1>
       <a:lt1>
-        <a:sysClr val="window" lastClr="FFFFFF"/>
+        <a:srgbClr val="ffffff"/>
       </a:lt1>
       <a:dk2>
         <a:srgbClr val="000000"/>
@@ -10524,7 +12139,7 @@
         </a:gradFill>
       </a:fillStyleLst>
       <a:lnStyleLst>
-        <a:ln w="9525" cap="flat" cmpd="sng" algn="ctr">
+        <a:ln w="6350" cap="flat" cmpd="sng" algn="ctr">
           <a:solidFill>
             <a:schemeClr val="phClr">
               <a:shade val="95000"/>
@@ -10534,14 +12149,14 @@
           <a:prstDash val="solid"/>
           <a:miter/>
         </a:ln>
-        <a:ln w="25400" cap="flat" cmpd="sng" algn="ctr">
+        <a:ln w="12700" cap="flat" cmpd="sng" algn="ctr">
           <a:solidFill>
             <a:schemeClr val="phClr"/>
           </a:solidFill>
           <a:prstDash val="solid"/>
           <a:miter/>
         </a:ln>
-        <a:ln w="38100" cap="flat" cmpd="sng" algn="ctr">
+        <a:ln w="19050" cap="flat" cmpd="sng" algn="ctr">
           <a:solidFill>
             <a:schemeClr val="phClr"/>
           </a:solidFill>
@@ -10551,13 +12166,10 @@
       </a:lnStyleLst>
       <a:effectStyleLst>
         <a:effectStyle>
-          <a:effectLst>
-            <a:outerShdw blurRad="40000" dist="20000" dir="5400000" rotWithShape="0">
-              <a:srgbClr val="000000">
-                <a:alpha val="38000"/>
-              </a:srgbClr>
-            </a:outerShdw>
-          </a:effectLst>
+          <a:effectLst/>
+        </a:effectStyle>
+        <a:effectStyle>
+          <a:effectLst/>
         </a:effectStyle>
         <a:effectStyle>
           <a:effectLst>
@@ -10567,26 +12179,6 @@
               </a:srgbClr>
             </a:outerShdw>
           </a:effectLst>
-        </a:effectStyle>
-        <a:effectStyle>
-          <a:effectLst>
-            <a:outerShdw blurRad="40000" dist="23000" dir="5400000" rotWithShape="0">
-              <a:srgbClr val="000000">
-                <a:alpha val="35000"/>
-              </a:srgbClr>
-            </a:outerShdw>
-          </a:effectLst>
-          <a:scene3d>
-            <a:camera prst="orthographicFront">
-              <a:rot lat="0" lon="0" rev="0"/>
-            </a:camera>
-            <a:lightRig rig="threePt" dir="t">
-              <a:rot lat="0" lon="0" rev="1200000"/>
-            </a:lightRig>
-          </a:scene3d>
-          <a:sp3d>
-            <a:bevelT w="63500" h="25400"/>
-          </a:sp3d>
         </a:effectStyle>
       </a:effectStyleLst>
       <a:bgFillStyleLst>
